--- a/DB_과제1.pptx
+++ b/DB_과제1.pptx
@@ -18,6 +18,7 @@
     <p:sldId id="266" r:id="rId12"/>
     <p:sldId id="267" r:id="rId13"/>
     <p:sldId id="268" r:id="rId14"/>
+    <p:sldId id="269" r:id="rId15"/>
   </p:sldIdLst>
   <p:sldSz cx="18288000" cy="10287000" type="screen4x3"/>
   <p:notesSz cx="10287000" cy="18288000"/>
@@ -4294,10 +4295,10 @@
         </p:nvGrpSpPr>
         <p:grpSpPr>
           <a:xfrm>
-            <a:off x="1922895" y="3088388"/>
-            <a:ext cx="7219962" cy="6530659"/>
-            <a:chOff x="1922895" y="3088388"/>
-            <a:chExt cx="7219962" cy="6530659"/>
+            <a:off x="1922895" y="3561563"/>
+            <a:ext cx="7219962" cy="6057485"/>
+            <a:chOff x="1922895" y="3561563"/>
+            <a:chExt cx="7219962" cy="6057485"/>
           </a:xfrm>
         </p:grpSpPr>
         <p:pic>
@@ -4316,8 +4317,8 @@
           </p:blipFill>
           <p:spPr>
             <a:xfrm>
-              <a:off x="1922895" y="3088388"/>
-              <a:ext cx="7219962" cy="6530659"/>
+              <a:off x="1922895" y="3561563"/>
+              <a:ext cx="7219962" cy="6057485"/>
             </a:xfrm>
             <a:prstGeom prst="rect">
               <a:avLst/>
@@ -4333,10 +4334,10 @@
         </p:nvGrpSpPr>
         <p:grpSpPr>
           <a:xfrm>
-            <a:off x="9616162" y="3088388"/>
-            <a:ext cx="7738241" cy="6530659"/>
-            <a:chOff x="9616162" y="3088388"/>
-            <a:chExt cx="7738241" cy="6530659"/>
+            <a:off x="9616162" y="3561563"/>
+            <a:ext cx="7738241" cy="6057485"/>
+            <a:chOff x="9616162" y="3561563"/>
+            <a:chExt cx="7738241" cy="6057485"/>
           </a:xfrm>
         </p:grpSpPr>
         <p:pic>
@@ -4355,8 +4356,8 @@
           </p:blipFill>
           <p:spPr>
             <a:xfrm>
-              <a:off x="9616162" y="3088388"/>
-              <a:ext cx="7738241" cy="6530659"/>
+              <a:off x="9616162" y="3561563"/>
+              <a:ext cx="7738241" cy="6057485"/>
             </a:xfrm>
             <a:prstGeom prst="rect">
               <a:avLst/>
@@ -4522,7 +4523,7 @@
         <p:spPr>
           <a:xfrm>
             <a:off x="1839088" y="1321888"/>
-            <a:ext cx="2660887" cy="722839"/>
+            <a:ext cx="3055039" cy="722839"/>
           </a:xfrm>
           <a:prstGeom prst="rect">
             <a:avLst/>
@@ -4569,8 +4570,8 @@
         </p:blipFill>
         <p:spPr>
           <a:xfrm>
-            <a:off x="3125747" y="1953630"/>
-            <a:ext cx="4325070" cy="1342290"/>
+            <a:off x="2969166" y="2536194"/>
+            <a:ext cx="4481928" cy="1342290"/>
           </a:xfrm>
           <a:prstGeom prst="rect">
             <a:avLst/>
@@ -4593,8 +4594,8 @@
         </p:blipFill>
         <p:spPr>
           <a:xfrm>
-            <a:off x="10764309" y="1953630"/>
-            <a:ext cx="4690347" cy="1342290"/>
+            <a:off x="10980842" y="2436375"/>
+            <a:ext cx="4464280" cy="1342290"/>
           </a:xfrm>
           <a:prstGeom prst="rect">
             <a:avLst/>
@@ -4633,10 +4634,10 @@
         </p:nvGrpSpPr>
         <p:grpSpPr>
           <a:xfrm>
-            <a:off x="2576289" y="3302480"/>
-            <a:ext cx="5733902" cy="6171429"/>
-            <a:chOff x="2576289" y="3302480"/>
-            <a:chExt cx="5733902" cy="6171429"/>
+            <a:off x="2226635" y="3833046"/>
+            <a:ext cx="6171429" cy="5001381"/>
+            <a:chOff x="2226635" y="3833046"/>
+            <a:chExt cx="6171429" cy="5001381"/>
           </a:xfrm>
         </p:grpSpPr>
         <p:pic>
@@ -4655,8 +4656,8 @@
           </p:blipFill>
           <p:spPr>
             <a:xfrm>
-              <a:off x="2576289" y="3302480"/>
-              <a:ext cx="5733902" cy="6171429"/>
+              <a:off x="2226635" y="3833046"/>
+              <a:ext cx="6171429" cy="5001381"/>
             </a:xfrm>
             <a:prstGeom prst="rect">
               <a:avLst/>
@@ -4672,10 +4673,10 @@
         </p:nvGrpSpPr>
         <p:grpSpPr>
           <a:xfrm>
-            <a:off x="10399569" y="3346765"/>
-            <a:ext cx="6171429" cy="5973943"/>
-            <a:chOff x="10399569" y="3346765"/>
-            <a:chExt cx="6171429" cy="5973943"/>
+            <a:off x="10399569" y="3931543"/>
+            <a:ext cx="6171429" cy="5146570"/>
+            <a:chOff x="10399569" y="3931543"/>
+            <a:chExt cx="6171429" cy="5146570"/>
           </a:xfrm>
         </p:grpSpPr>
         <p:pic>
@@ -4694,8 +4695,8 @@
           </p:blipFill>
           <p:spPr>
             <a:xfrm>
-              <a:off x="10399569" y="3346765"/>
-              <a:ext cx="6171429" cy="5973943"/>
+              <a:off x="10399569" y="3931543"/>
+              <a:ext cx="6171429" cy="5146570"/>
             </a:xfrm>
             <a:prstGeom prst="rect">
               <a:avLst/>
@@ -5479,9 +5480,9 @@
         </p:nvGrpSpPr>
         <p:grpSpPr>
           <a:xfrm>
-            <a:off x="1967713" y="3088388"/>
+            <a:off x="1922895" y="3088388"/>
             <a:ext cx="7219962" cy="6530659"/>
-            <a:chOff x="1967713" y="3088388"/>
+            <a:chOff x="1922895" y="3088388"/>
             <a:chExt cx="7219962" cy="6530659"/>
           </a:xfrm>
         </p:grpSpPr>
@@ -5501,7 +5502,7 @@
           </p:blipFill>
           <p:spPr>
             <a:xfrm>
-              <a:off x="1967713" y="3088388"/>
+              <a:off x="1922895" y="3088388"/>
               <a:ext cx="7219962" cy="6530659"/>
             </a:xfrm>
             <a:prstGeom prst="rect">
@@ -5706,8 +5707,8 @@
         </p:blipFill>
         <p:spPr>
           <a:xfrm>
-            <a:off x="1829564" y="1295697"/>
-            <a:ext cx="4423096" cy="749030"/>
+            <a:off x="1839088" y="1321888"/>
+            <a:ext cx="2660887" cy="722839"/>
           </a:xfrm>
           <a:prstGeom prst="rect">
             <a:avLst/>
@@ -5754,8 +5755,8 @@
         </p:blipFill>
         <p:spPr>
           <a:xfrm>
-            <a:off x="3176166" y="1953632"/>
-            <a:ext cx="4265413" cy="1342290"/>
+            <a:off x="3125747" y="1953630"/>
+            <a:ext cx="4325070" cy="1342290"/>
           </a:xfrm>
           <a:prstGeom prst="rect">
             <a:avLst/>
@@ -5778,8 +5779,8 @@
         </p:blipFill>
         <p:spPr>
           <a:xfrm>
-            <a:off x="10842213" y="1875175"/>
-            <a:ext cx="6029870" cy="1415756"/>
+            <a:off x="10764309" y="1953630"/>
+            <a:ext cx="4690347" cy="1342290"/>
           </a:xfrm>
           <a:prstGeom prst="rect">
             <a:avLst/>
@@ -5818,10 +5819,10 @@
         </p:nvGrpSpPr>
         <p:grpSpPr>
           <a:xfrm>
-            <a:off x="10265149" y="3499486"/>
-            <a:ext cx="6171429" cy="5540260"/>
-            <a:chOff x="10265149" y="3499486"/>
-            <a:chExt cx="6171429" cy="5540260"/>
+            <a:off x="2576289" y="3302480"/>
+            <a:ext cx="5733902" cy="6171429"/>
+            <a:chOff x="2576289" y="3302480"/>
+            <a:chExt cx="5733902" cy="6171429"/>
           </a:xfrm>
         </p:grpSpPr>
         <p:pic>
@@ -5840,8 +5841,8 @@
           </p:blipFill>
           <p:spPr>
             <a:xfrm>
-              <a:off x="10265149" y="3499486"/>
-              <a:ext cx="6171429" cy="5540260"/>
+              <a:off x="2576289" y="3302480"/>
+              <a:ext cx="5733902" cy="6171429"/>
             </a:xfrm>
             <a:prstGeom prst="rect">
               <a:avLst/>
@@ -5857,10 +5858,10 @@
         </p:nvGrpSpPr>
         <p:grpSpPr>
           <a:xfrm>
-            <a:off x="2136232" y="4692986"/>
-            <a:ext cx="6882925" cy="3281501"/>
-            <a:chOff x="2136232" y="4692986"/>
-            <a:chExt cx="6882925" cy="3281501"/>
+            <a:off x="10399569" y="3346765"/>
+            <a:ext cx="6171429" cy="5973943"/>
+            <a:chOff x="10399569" y="3346765"/>
+            <a:chExt cx="6171429" cy="5973943"/>
           </a:xfrm>
         </p:grpSpPr>
         <p:pic>
@@ -5879,8 +5880,8 @@
           </p:blipFill>
           <p:spPr>
             <a:xfrm>
-              <a:off x="2136232" y="4692986"/>
-              <a:ext cx="6882925" cy="3281501"/>
+              <a:off x="10399569" y="3346765"/>
+              <a:ext cx="6171429" cy="5973943"/>
             </a:xfrm>
             <a:prstGeom prst="rect">
               <a:avLst/>
@@ -6118,6 +6119,1191 @@
         </p:nvGrpSpPr>
         <p:grpSpPr>
           <a:xfrm>
+            <a:off x="601451" y="733929"/>
+            <a:ext cx="632310" cy="632310"/>
+            <a:chOff x="601451" y="733929"/>
+            <a:chExt cx="632310" cy="632310"/>
+          </a:xfrm>
+        </p:grpSpPr>
+        <p:pic>
+          <p:nvPicPr>
+            <p:cNvPr id="15" name="Object 14"/>
+            <p:cNvPicPr>
+              <a:picLocks noChangeAspect="1"/>
+            </p:cNvPicPr>
+            <p:nvPr/>
+          </p:nvPicPr>
+          <p:blipFill>
+            <a:blip r:embed="rId8" cstate="print"/>
+            <a:stretch>
+              <a:fillRect/>
+            </a:stretch>
+          </p:blipFill>
+          <p:spPr>
+            <a:xfrm>
+              <a:off x="601451" y="733929"/>
+              <a:ext cx="632310" cy="632310"/>
+            </a:xfrm>
+            <a:prstGeom prst="rect">
+              <a:avLst/>
+            </a:prstGeom>
+          </p:spPr>
+        </p:pic>
+      </p:grpSp>
+      <p:grpSp>
+        <p:nvGrpSpPr>
+          <p:cNvPr id="1005" name="그룹 1005"/>
+          <p:cNvGrpSpPr/>
+          <p:nvPr/>
+        </p:nvGrpSpPr>
+        <p:grpSpPr>
+          <a:xfrm>
+            <a:off x="1287122" y="5981405"/>
+            <a:ext cx="352332" cy="352332"/>
+            <a:chOff x="1287122" y="5981405"/>
+            <a:chExt cx="352332" cy="352332"/>
+          </a:xfrm>
+        </p:grpSpPr>
+        <p:pic>
+          <p:nvPicPr>
+            <p:cNvPr id="18" name="Object 17"/>
+            <p:cNvPicPr>
+              <a:picLocks noChangeAspect="1"/>
+            </p:cNvPicPr>
+            <p:nvPr/>
+          </p:nvPicPr>
+          <p:blipFill>
+            <a:blip r:embed="rId9" cstate="print"/>
+            <a:stretch>
+              <a:fillRect/>
+            </a:stretch>
+          </p:blipFill>
+          <p:spPr>
+            <a:xfrm>
+              <a:off x="1287122" y="5981405"/>
+              <a:ext cx="352332" cy="352332"/>
+            </a:xfrm>
+            <a:prstGeom prst="rect">
+              <a:avLst/>
+            </a:prstGeom>
+          </p:spPr>
+        </p:pic>
+      </p:grpSp>
+      <p:grpSp>
+        <p:nvGrpSpPr>
+          <p:cNvPr id="1006" name="그룹 1006"/>
+          <p:cNvGrpSpPr/>
+          <p:nvPr/>
+        </p:nvGrpSpPr>
+        <p:grpSpPr>
+          <a:xfrm>
+            <a:off x="636525" y="6704919"/>
+            <a:ext cx="584245" cy="584245"/>
+            <a:chOff x="636525" y="6704919"/>
+            <a:chExt cx="584245" cy="584245"/>
+          </a:xfrm>
+        </p:grpSpPr>
+        <p:pic>
+          <p:nvPicPr>
+            <p:cNvPr id="21" name="Object 20"/>
+            <p:cNvPicPr>
+              <a:picLocks noChangeAspect="1"/>
+            </p:cNvPicPr>
+            <p:nvPr/>
+          </p:nvPicPr>
+          <p:blipFill>
+            <a:blip r:embed="rId10" cstate="print"/>
+            <a:stretch>
+              <a:fillRect/>
+            </a:stretch>
+          </p:blipFill>
+          <p:spPr>
+            <a:xfrm>
+              <a:off x="636525" y="6704919"/>
+              <a:ext cx="584245" cy="584245"/>
+            </a:xfrm>
+            <a:prstGeom prst="rect">
+              <a:avLst/>
+            </a:prstGeom>
+          </p:spPr>
+        </p:pic>
+      </p:grpSp>
+      <p:grpSp>
+        <p:nvGrpSpPr>
+          <p:cNvPr id="1007" name="그룹 1007"/>
+          <p:cNvGrpSpPr/>
+          <p:nvPr/>
+        </p:nvGrpSpPr>
+        <p:grpSpPr>
+          <a:xfrm>
+            <a:off x="636525" y="2504143"/>
+            <a:ext cx="584245" cy="584245"/>
+            <a:chOff x="636525" y="2504143"/>
+            <a:chExt cx="584245" cy="584245"/>
+          </a:xfrm>
+        </p:grpSpPr>
+        <p:pic>
+          <p:nvPicPr>
+            <p:cNvPr id="24" name="Object 23"/>
+            <p:cNvPicPr>
+              <a:picLocks noChangeAspect="1"/>
+            </p:cNvPicPr>
+            <p:nvPr/>
+          </p:nvPicPr>
+          <p:blipFill>
+            <a:blip r:embed="rId11" cstate="print"/>
+            <a:stretch>
+              <a:fillRect/>
+            </a:stretch>
+          </p:blipFill>
+          <p:spPr>
+            <a:xfrm>
+              <a:off x="636525" y="2504143"/>
+              <a:ext cx="584245" cy="584245"/>
+            </a:xfrm>
+            <a:prstGeom prst="rect">
+              <a:avLst/>
+            </a:prstGeom>
+          </p:spPr>
+        </p:pic>
+      </p:grpSp>
+      <p:grpSp>
+        <p:nvGrpSpPr>
+          <p:cNvPr id="1008" name="그룹 1008"/>
+          <p:cNvGrpSpPr/>
+          <p:nvPr/>
+        </p:nvGrpSpPr>
+        <p:grpSpPr>
+          <a:xfrm>
+            <a:off x="636525" y="3347298"/>
+            <a:ext cx="584245" cy="584245"/>
+            <a:chOff x="636525" y="3347298"/>
+            <a:chExt cx="584245" cy="584245"/>
+          </a:xfrm>
+        </p:grpSpPr>
+        <p:pic>
+          <p:nvPicPr>
+            <p:cNvPr id="27" name="Object 26"/>
+            <p:cNvPicPr>
+              <a:picLocks noChangeAspect="1"/>
+            </p:cNvPicPr>
+            <p:nvPr/>
+          </p:nvPicPr>
+          <p:blipFill>
+            <a:blip r:embed="rId12" cstate="print"/>
+            <a:stretch>
+              <a:fillRect/>
+            </a:stretch>
+          </p:blipFill>
+          <p:spPr>
+            <a:xfrm>
+              <a:off x="636525" y="3347298"/>
+              <a:ext cx="584245" cy="584245"/>
+            </a:xfrm>
+            <a:prstGeom prst="rect">
+              <a:avLst/>
+            </a:prstGeom>
+          </p:spPr>
+        </p:pic>
+      </p:grpSp>
+      <p:grpSp>
+        <p:nvGrpSpPr>
+          <p:cNvPr id="1009" name="그룹 1009"/>
+          <p:cNvGrpSpPr/>
+          <p:nvPr/>
+        </p:nvGrpSpPr>
+        <p:grpSpPr>
+          <a:xfrm>
+            <a:off x="636525" y="5876761"/>
+            <a:ext cx="584245" cy="584245"/>
+            <a:chOff x="636525" y="5876761"/>
+            <a:chExt cx="584245" cy="584245"/>
+          </a:xfrm>
+        </p:grpSpPr>
+        <p:pic>
+          <p:nvPicPr>
+            <p:cNvPr id="30" name="Object 29"/>
+            <p:cNvPicPr>
+              <a:picLocks noChangeAspect="1"/>
+            </p:cNvPicPr>
+            <p:nvPr/>
+          </p:nvPicPr>
+          <p:blipFill>
+            <a:blip r:embed="rId13" cstate="print"/>
+            <a:stretch>
+              <a:fillRect/>
+            </a:stretch>
+          </p:blipFill>
+          <p:spPr>
+            <a:xfrm>
+              <a:off x="636525" y="5876761"/>
+              <a:ext cx="584245" cy="584245"/>
+            </a:xfrm>
+            <a:prstGeom prst="rect">
+              <a:avLst/>
+            </a:prstGeom>
+          </p:spPr>
+        </p:pic>
+      </p:grpSp>
+      <p:grpSp>
+        <p:nvGrpSpPr>
+          <p:cNvPr id="1010" name="그룹 1010"/>
+          <p:cNvGrpSpPr/>
+          <p:nvPr/>
+        </p:nvGrpSpPr>
+        <p:grpSpPr>
+          <a:xfrm>
+            <a:off x="636525" y="4190452"/>
+            <a:ext cx="584245" cy="584245"/>
+            <a:chOff x="636525" y="4190452"/>
+            <a:chExt cx="584245" cy="584245"/>
+          </a:xfrm>
+        </p:grpSpPr>
+        <p:pic>
+          <p:nvPicPr>
+            <p:cNvPr id="33" name="Object 32"/>
+            <p:cNvPicPr>
+              <a:picLocks noChangeAspect="1"/>
+            </p:cNvPicPr>
+            <p:nvPr/>
+          </p:nvPicPr>
+          <p:blipFill>
+            <a:blip r:embed="rId14" cstate="print"/>
+            <a:stretch>
+              <a:fillRect/>
+            </a:stretch>
+          </p:blipFill>
+          <p:spPr>
+            <a:xfrm>
+              <a:off x="636525" y="4190452"/>
+              <a:ext cx="584245" cy="584245"/>
+            </a:xfrm>
+            <a:prstGeom prst="rect">
+              <a:avLst/>
+            </a:prstGeom>
+          </p:spPr>
+        </p:pic>
+      </p:grpSp>
+      <p:grpSp>
+        <p:nvGrpSpPr>
+          <p:cNvPr id="1011" name="그룹 1011"/>
+          <p:cNvGrpSpPr/>
+          <p:nvPr/>
+        </p:nvGrpSpPr>
+        <p:grpSpPr>
+          <a:xfrm>
+            <a:off x="636525" y="5033607"/>
+            <a:ext cx="584245" cy="584245"/>
+            <a:chOff x="636525" y="5033607"/>
+            <a:chExt cx="584245" cy="584245"/>
+          </a:xfrm>
+        </p:grpSpPr>
+        <p:pic>
+          <p:nvPicPr>
+            <p:cNvPr id="36" name="Object 35"/>
+            <p:cNvPicPr>
+              <a:picLocks noChangeAspect="1"/>
+            </p:cNvPicPr>
+            <p:nvPr/>
+          </p:nvPicPr>
+          <p:blipFill>
+            <a:blip r:embed="rId15" cstate="print"/>
+            <a:stretch>
+              <a:fillRect/>
+            </a:stretch>
+          </p:blipFill>
+          <p:spPr>
+            <a:xfrm>
+              <a:off x="636525" y="5033607"/>
+              <a:ext cx="584245" cy="584245"/>
+            </a:xfrm>
+            <a:prstGeom prst="rect">
+              <a:avLst/>
+            </a:prstGeom>
+          </p:spPr>
+        </p:pic>
+      </p:grpSp>
+      <p:grpSp>
+        <p:nvGrpSpPr>
+          <p:cNvPr id="1012" name="그룹 1012"/>
+          <p:cNvGrpSpPr/>
+          <p:nvPr/>
+        </p:nvGrpSpPr>
+        <p:grpSpPr>
+          <a:xfrm>
+            <a:off x="690553" y="3393099"/>
+            <a:ext cx="476190" cy="476190"/>
+            <a:chOff x="690553" y="3393099"/>
+            <a:chExt cx="476190" cy="476190"/>
+          </a:xfrm>
+        </p:grpSpPr>
+        <p:pic>
+          <p:nvPicPr>
+            <p:cNvPr id="39" name="Object 38"/>
+            <p:cNvPicPr>
+              <a:picLocks noChangeAspect="1"/>
+            </p:cNvPicPr>
+            <p:nvPr/>
+          </p:nvPicPr>
+          <p:blipFill>
+            <a:blip r:embed="rId16" cstate="print"/>
+            <a:stretch>
+              <a:fillRect/>
+            </a:stretch>
+          </p:blipFill>
+          <p:spPr>
+            <a:xfrm>
+              <a:off x="690553" y="3393099"/>
+              <a:ext cx="476190" cy="476190"/>
+            </a:xfrm>
+            <a:prstGeom prst="rect">
+              <a:avLst/>
+            </a:prstGeom>
+          </p:spPr>
+        </p:pic>
+      </p:grpSp>
+      <p:grpSp>
+        <p:nvGrpSpPr>
+          <p:cNvPr id="1013" name="그룹 1013"/>
+          <p:cNvGrpSpPr/>
+          <p:nvPr/>
+        </p:nvGrpSpPr>
+        <p:grpSpPr>
+          <a:xfrm>
+            <a:off x="690553" y="2553899"/>
+            <a:ext cx="476190" cy="476190"/>
+            <a:chOff x="690553" y="2553899"/>
+            <a:chExt cx="476190" cy="476190"/>
+          </a:xfrm>
+        </p:grpSpPr>
+        <p:pic>
+          <p:nvPicPr>
+            <p:cNvPr id="42" name="Object 41"/>
+            <p:cNvPicPr>
+              <a:picLocks noChangeAspect="1"/>
+            </p:cNvPicPr>
+            <p:nvPr/>
+          </p:nvPicPr>
+          <p:blipFill>
+            <a:blip r:embed="rId17" cstate="print"/>
+            <a:stretch>
+              <a:fillRect/>
+            </a:stretch>
+          </p:blipFill>
+          <p:spPr>
+            <a:xfrm>
+              <a:off x="690553" y="2553899"/>
+              <a:ext cx="476190" cy="476190"/>
+            </a:xfrm>
+            <a:prstGeom prst="rect">
+              <a:avLst/>
+            </a:prstGeom>
+          </p:spPr>
+        </p:pic>
+      </p:grpSp>
+      <p:grpSp>
+        <p:nvGrpSpPr>
+          <p:cNvPr id="1014" name="그룹 1014"/>
+          <p:cNvGrpSpPr/>
+          <p:nvPr/>
+        </p:nvGrpSpPr>
+        <p:grpSpPr>
+          <a:xfrm>
+            <a:off x="690553" y="6760939"/>
+            <a:ext cx="476190" cy="476190"/>
+            <a:chOff x="690553" y="6760939"/>
+            <a:chExt cx="476190" cy="476190"/>
+          </a:xfrm>
+        </p:grpSpPr>
+        <p:pic>
+          <p:nvPicPr>
+            <p:cNvPr id="45" name="Object 44"/>
+            <p:cNvPicPr>
+              <a:picLocks noChangeAspect="1"/>
+            </p:cNvPicPr>
+            <p:nvPr/>
+          </p:nvPicPr>
+          <p:blipFill>
+            <a:blip r:embed="rId18" cstate="print"/>
+            <a:stretch>
+              <a:fillRect/>
+            </a:stretch>
+          </p:blipFill>
+          <p:spPr>
+            <a:xfrm>
+              <a:off x="690553" y="6760939"/>
+              <a:ext cx="476190" cy="476190"/>
+            </a:xfrm>
+            <a:prstGeom prst="rect">
+              <a:avLst/>
+            </a:prstGeom>
+          </p:spPr>
+        </p:pic>
+      </p:grpSp>
+      <p:grpSp>
+        <p:nvGrpSpPr>
+          <p:cNvPr id="1015" name="그룹 1015"/>
+          <p:cNvGrpSpPr/>
+          <p:nvPr/>
+        </p:nvGrpSpPr>
+        <p:grpSpPr>
+          <a:xfrm>
+            <a:off x="690553" y="5910697"/>
+            <a:ext cx="476190" cy="476190"/>
+            <a:chOff x="690553" y="5910697"/>
+            <a:chExt cx="476190" cy="476190"/>
+          </a:xfrm>
+        </p:grpSpPr>
+        <p:pic>
+          <p:nvPicPr>
+            <p:cNvPr id="48" name="Object 47"/>
+            <p:cNvPicPr>
+              <a:picLocks noChangeAspect="1"/>
+            </p:cNvPicPr>
+            <p:nvPr/>
+          </p:nvPicPr>
+          <p:blipFill>
+            <a:blip r:embed="rId19" cstate="print"/>
+            <a:stretch>
+              <a:fillRect/>
+            </a:stretch>
+          </p:blipFill>
+          <p:spPr>
+            <a:xfrm>
+              <a:off x="690553" y="5910697"/>
+              <a:ext cx="476190" cy="476190"/>
+            </a:xfrm>
+            <a:prstGeom prst="rect">
+              <a:avLst/>
+            </a:prstGeom>
+          </p:spPr>
+        </p:pic>
+      </p:grpSp>
+      <p:grpSp>
+        <p:nvGrpSpPr>
+          <p:cNvPr id="1016" name="그룹 1016"/>
+          <p:cNvGrpSpPr/>
+          <p:nvPr/>
+        </p:nvGrpSpPr>
+        <p:grpSpPr>
+          <a:xfrm>
+            <a:off x="690553" y="5082540"/>
+            <a:ext cx="476190" cy="476190"/>
+            <a:chOff x="690553" y="5082540"/>
+            <a:chExt cx="476190" cy="476190"/>
+          </a:xfrm>
+        </p:grpSpPr>
+        <p:pic>
+          <p:nvPicPr>
+            <p:cNvPr id="51" name="Object 50"/>
+            <p:cNvPicPr>
+              <a:picLocks noChangeAspect="1"/>
+            </p:cNvPicPr>
+            <p:nvPr/>
+          </p:nvPicPr>
+          <p:blipFill>
+            <a:blip r:embed="rId20" cstate="print"/>
+            <a:stretch>
+              <a:fillRect/>
+            </a:stretch>
+          </p:blipFill>
+          <p:spPr>
+            <a:xfrm>
+              <a:off x="690553" y="5082540"/>
+              <a:ext cx="476190" cy="476190"/>
+            </a:xfrm>
+            <a:prstGeom prst="rect">
+              <a:avLst/>
+            </a:prstGeom>
+          </p:spPr>
+        </p:pic>
+      </p:grpSp>
+      <p:grpSp>
+        <p:nvGrpSpPr>
+          <p:cNvPr id="1017" name="그룹 1017"/>
+          <p:cNvGrpSpPr/>
+          <p:nvPr/>
+        </p:nvGrpSpPr>
+        <p:grpSpPr>
+          <a:xfrm>
+            <a:off x="690553" y="4232298"/>
+            <a:ext cx="476190" cy="476190"/>
+            <a:chOff x="690553" y="4232298"/>
+            <a:chExt cx="476190" cy="476190"/>
+          </a:xfrm>
+        </p:grpSpPr>
+        <p:pic>
+          <p:nvPicPr>
+            <p:cNvPr id="54" name="Object 53"/>
+            <p:cNvPicPr>
+              <a:picLocks noChangeAspect="1"/>
+            </p:cNvPicPr>
+            <p:nvPr/>
+          </p:nvPicPr>
+          <p:blipFill>
+            <a:blip r:embed="rId21" cstate="print"/>
+            <a:stretch>
+              <a:fillRect/>
+            </a:stretch>
+          </p:blipFill>
+          <p:spPr>
+            <a:xfrm>
+              <a:off x="690553" y="4232298"/>
+              <a:ext cx="476190" cy="476190"/>
+            </a:xfrm>
+            <a:prstGeom prst="rect">
+              <a:avLst/>
+            </a:prstGeom>
+          </p:spPr>
+        </p:pic>
+      </p:grpSp>
+      <p:grpSp>
+        <p:nvGrpSpPr>
+          <p:cNvPr id="1018" name="그룹 1018"/>
+          <p:cNvGrpSpPr/>
+          <p:nvPr/>
+        </p:nvGrpSpPr>
+        <p:grpSpPr>
+          <a:xfrm>
+            <a:off x="1967713" y="3088388"/>
+            <a:ext cx="7219962" cy="6530659"/>
+            <a:chOff x="1967713" y="3088388"/>
+            <a:chExt cx="7219962" cy="6530659"/>
+          </a:xfrm>
+        </p:grpSpPr>
+        <p:pic>
+          <p:nvPicPr>
+            <p:cNvPr id="57" name="Object 56"/>
+            <p:cNvPicPr>
+              <a:picLocks noChangeAspect="1"/>
+            </p:cNvPicPr>
+            <p:nvPr/>
+          </p:nvPicPr>
+          <p:blipFill>
+            <a:blip r:embed="rId22" cstate="print"/>
+            <a:stretch>
+              <a:fillRect/>
+            </a:stretch>
+          </p:blipFill>
+          <p:spPr>
+            <a:xfrm>
+              <a:off x="1967713" y="3088388"/>
+              <a:ext cx="7219962" cy="6530659"/>
+            </a:xfrm>
+            <a:prstGeom prst="rect">
+              <a:avLst/>
+            </a:prstGeom>
+          </p:spPr>
+        </p:pic>
+      </p:grpSp>
+      <p:grpSp>
+        <p:nvGrpSpPr>
+          <p:cNvPr id="1019" name="그룹 1019"/>
+          <p:cNvGrpSpPr/>
+          <p:nvPr/>
+        </p:nvGrpSpPr>
+        <p:grpSpPr>
+          <a:xfrm>
+            <a:off x="9616162" y="3088388"/>
+            <a:ext cx="7738241" cy="6530659"/>
+            <a:chOff x="9616162" y="3088388"/>
+            <a:chExt cx="7738241" cy="6530659"/>
+          </a:xfrm>
+        </p:grpSpPr>
+        <p:pic>
+          <p:nvPicPr>
+            <p:cNvPr id="60" name="Object 59"/>
+            <p:cNvPicPr>
+              <a:picLocks noChangeAspect="1"/>
+            </p:cNvPicPr>
+            <p:nvPr/>
+          </p:nvPicPr>
+          <p:blipFill>
+            <a:blip r:embed="rId23" cstate="print"/>
+            <a:stretch>
+              <a:fillRect/>
+            </a:stretch>
+          </p:blipFill>
+          <p:spPr>
+            <a:xfrm>
+              <a:off x="9616162" y="3088388"/>
+              <a:ext cx="7738241" cy="6530659"/>
+            </a:xfrm>
+            <a:prstGeom prst="rect">
+              <a:avLst/>
+            </a:prstGeom>
+          </p:spPr>
+        </p:pic>
+      </p:grpSp>
+      <p:grpSp>
+        <p:nvGrpSpPr>
+          <p:cNvPr id="1020" name="그룹 1020"/>
+          <p:cNvGrpSpPr/>
+          <p:nvPr/>
+        </p:nvGrpSpPr>
+        <p:grpSpPr>
+          <a:xfrm>
+            <a:off x="17502078" y="559365"/>
+            <a:ext cx="128890" cy="128890"/>
+            <a:chOff x="17502078" y="559365"/>
+            <a:chExt cx="128890" cy="128890"/>
+          </a:xfrm>
+        </p:grpSpPr>
+        <p:pic>
+          <p:nvPicPr>
+            <p:cNvPr id="63" name="Object 62"/>
+            <p:cNvPicPr>
+              <a:picLocks noChangeAspect="1"/>
+            </p:cNvPicPr>
+            <p:nvPr/>
+          </p:nvPicPr>
+          <p:blipFill>
+            <a:blip r:embed="rId24" cstate="print"/>
+            <a:stretch>
+              <a:fillRect/>
+            </a:stretch>
+          </p:blipFill>
+          <p:spPr>
+            <a:xfrm rot="10800000">
+              <a:off x="17502078" y="559365"/>
+              <a:ext cx="128890" cy="128890"/>
+            </a:xfrm>
+            <a:prstGeom prst="rect">
+              <a:avLst/>
+            </a:prstGeom>
+          </p:spPr>
+        </p:pic>
+      </p:grpSp>
+      <p:grpSp>
+        <p:nvGrpSpPr>
+          <p:cNvPr id="1021" name="그룹 1021"/>
+          <p:cNvGrpSpPr/>
+          <p:nvPr/>
+        </p:nvGrpSpPr>
+        <p:grpSpPr>
+          <a:xfrm>
+            <a:off x="17337328" y="559365"/>
+            <a:ext cx="128890" cy="128890"/>
+            <a:chOff x="17337328" y="559365"/>
+            <a:chExt cx="128890" cy="128890"/>
+          </a:xfrm>
+        </p:grpSpPr>
+        <p:pic>
+          <p:nvPicPr>
+            <p:cNvPr id="66" name="Object 65"/>
+            <p:cNvPicPr>
+              <a:picLocks noChangeAspect="1"/>
+            </p:cNvPicPr>
+            <p:nvPr/>
+          </p:nvPicPr>
+          <p:blipFill>
+            <a:blip r:embed="rId25" cstate="print"/>
+            <a:stretch>
+              <a:fillRect/>
+            </a:stretch>
+          </p:blipFill>
+          <p:spPr>
+            <a:xfrm rot="10800000">
+              <a:off x="17337328" y="559365"/>
+              <a:ext cx="128890" cy="128890"/>
+            </a:xfrm>
+            <a:prstGeom prst="rect">
+              <a:avLst/>
+            </a:prstGeom>
+          </p:spPr>
+        </p:pic>
+      </p:grpSp>
+      <p:grpSp>
+        <p:nvGrpSpPr>
+          <p:cNvPr id="1022" name="그룹 1022"/>
+          <p:cNvGrpSpPr/>
+          <p:nvPr/>
+        </p:nvGrpSpPr>
+        <p:grpSpPr>
+          <a:xfrm>
+            <a:off x="17172578" y="559365"/>
+            <a:ext cx="128890" cy="128890"/>
+            <a:chOff x="17172578" y="559365"/>
+            <a:chExt cx="128890" cy="128890"/>
+          </a:xfrm>
+        </p:grpSpPr>
+        <p:pic>
+          <p:nvPicPr>
+            <p:cNvPr id="69" name="Object 68"/>
+            <p:cNvPicPr>
+              <a:picLocks noChangeAspect="1"/>
+            </p:cNvPicPr>
+            <p:nvPr/>
+          </p:nvPicPr>
+          <p:blipFill>
+            <a:blip r:embed="rId26" cstate="print"/>
+            <a:stretch>
+              <a:fillRect/>
+            </a:stretch>
+          </p:blipFill>
+          <p:spPr>
+            <a:xfrm rot="10800000">
+              <a:off x="17172578" y="559365"/>
+              <a:ext cx="128890" cy="128890"/>
+            </a:xfrm>
+            <a:prstGeom prst="rect">
+              <a:avLst/>
+            </a:prstGeom>
+          </p:spPr>
+        </p:pic>
+      </p:grpSp>
+      <p:pic>
+        <p:nvPicPr>
+          <p:cNvPr id="71" name="Object 70"/>
+          <p:cNvPicPr>
+            <a:picLocks noChangeAspect="1"/>
+          </p:cNvPicPr>
+          <p:nvPr/>
+        </p:nvPicPr>
+        <p:blipFill>
+          <a:blip r:embed="rId27" cstate="print"/>
+          <a:stretch>
+            <a:fillRect/>
+          </a:stretch>
+        </p:blipFill>
+        <p:spPr>
+          <a:xfrm>
+            <a:off x="1751471" y="486342"/>
+            <a:ext cx="4852089" cy="1494660"/>
+          </a:xfrm>
+          <a:prstGeom prst="rect">
+            <a:avLst/>
+          </a:prstGeom>
+        </p:spPr>
+      </p:pic>
+      <p:pic>
+        <p:nvPicPr>
+          <p:cNvPr id="72" name="Object 71"/>
+          <p:cNvPicPr>
+            <a:picLocks noChangeAspect="1"/>
+          </p:cNvPicPr>
+          <p:nvPr/>
+        </p:nvPicPr>
+        <p:blipFill>
+          <a:blip r:embed="rId28" cstate="print"/>
+          <a:stretch>
+            <a:fillRect/>
+          </a:stretch>
+        </p:blipFill>
+        <p:spPr>
+          <a:xfrm>
+            <a:off x="1829564" y="1295697"/>
+            <a:ext cx="4423096" cy="749030"/>
+          </a:xfrm>
+          <a:prstGeom prst="rect">
+            <a:avLst/>
+          </a:prstGeom>
+        </p:spPr>
+      </p:pic>
+      <p:pic>
+        <p:nvPicPr>
+          <p:cNvPr id="73" name="Object 72"/>
+          <p:cNvPicPr>
+            <a:picLocks noChangeAspect="1"/>
+          </p:cNvPicPr>
+          <p:nvPr/>
+        </p:nvPicPr>
+        <p:blipFill>
+          <a:blip r:embed="rId29" cstate="print"/>
+          <a:stretch>
+            <a:fillRect/>
+          </a:stretch>
+        </p:blipFill>
+        <p:spPr>
+          <a:xfrm>
+            <a:off x="406028" y="511125"/>
+            <a:ext cx="1190040" cy="1152888"/>
+          </a:xfrm>
+          <a:prstGeom prst="rect">
+            <a:avLst/>
+          </a:prstGeom>
+        </p:spPr>
+      </p:pic>
+      <p:pic>
+        <p:nvPicPr>
+          <p:cNvPr id="74" name="Object 73"/>
+          <p:cNvPicPr>
+            <a:picLocks noChangeAspect="1"/>
+          </p:cNvPicPr>
+          <p:nvPr/>
+        </p:nvPicPr>
+        <p:blipFill>
+          <a:blip r:embed="rId30" cstate="print"/>
+          <a:stretch>
+            <a:fillRect/>
+          </a:stretch>
+        </p:blipFill>
+        <p:spPr>
+          <a:xfrm>
+            <a:off x="3176166" y="1953632"/>
+            <a:ext cx="4265413" cy="1342290"/>
+          </a:xfrm>
+          <a:prstGeom prst="rect">
+            <a:avLst/>
+          </a:prstGeom>
+        </p:spPr>
+      </p:pic>
+      <p:pic>
+        <p:nvPicPr>
+          <p:cNvPr id="75" name="Object 74"/>
+          <p:cNvPicPr>
+            <a:picLocks noChangeAspect="1"/>
+          </p:cNvPicPr>
+          <p:nvPr/>
+        </p:nvPicPr>
+        <p:blipFill>
+          <a:blip r:embed="rId31" cstate="print"/>
+          <a:stretch>
+            <a:fillRect/>
+          </a:stretch>
+        </p:blipFill>
+        <p:spPr>
+          <a:xfrm>
+            <a:off x="10842213" y="1875175"/>
+            <a:ext cx="6029870" cy="1415756"/>
+          </a:xfrm>
+          <a:prstGeom prst="rect">
+            <a:avLst/>
+          </a:prstGeom>
+        </p:spPr>
+      </p:pic>
+      <p:pic>
+        <p:nvPicPr>
+          <p:cNvPr id="76" name="Object 75"/>
+          <p:cNvPicPr>
+            <a:picLocks noChangeAspect="1"/>
+          </p:cNvPicPr>
+          <p:nvPr/>
+        </p:nvPicPr>
+        <p:blipFill>
+          <a:blip r:embed="rId32" cstate="print"/>
+          <a:stretch>
+            <a:fillRect/>
+          </a:stretch>
+        </p:blipFill>
+        <p:spPr>
+          <a:xfrm>
+            <a:off x="7639125" y="786856"/>
+            <a:ext cx="13607109" cy="423357"/>
+          </a:xfrm>
+          <a:prstGeom prst="rect">
+            <a:avLst/>
+          </a:prstGeom>
+        </p:spPr>
+      </p:pic>
+      <p:grpSp>
+        <p:nvGrpSpPr>
+          <p:cNvPr id="1023" name="그룹 1023"/>
+          <p:cNvGrpSpPr/>
+          <p:nvPr/>
+        </p:nvGrpSpPr>
+        <p:grpSpPr>
+          <a:xfrm>
+            <a:off x="10265149" y="3499486"/>
+            <a:ext cx="6171429" cy="5540260"/>
+            <a:chOff x="10265149" y="3499486"/>
+            <a:chExt cx="6171429" cy="5540260"/>
+          </a:xfrm>
+        </p:grpSpPr>
+        <p:pic>
+          <p:nvPicPr>
+            <p:cNvPr id="78" name="Object 77"/>
+            <p:cNvPicPr>
+              <a:picLocks noChangeAspect="1"/>
+            </p:cNvPicPr>
+            <p:nvPr/>
+          </p:nvPicPr>
+          <p:blipFill>
+            <a:blip r:embed="rId33" cstate="print"/>
+            <a:stretch>
+              <a:fillRect/>
+            </a:stretch>
+          </p:blipFill>
+          <p:spPr>
+            <a:xfrm>
+              <a:off x="10265149" y="3499486"/>
+              <a:ext cx="6171429" cy="5540260"/>
+            </a:xfrm>
+            <a:prstGeom prst="rect">
+              <a:avLst/>
+            </a:prstGeom>
+          </p:spPr>
+        </p:pic>
+      </p:grpSp>
+      <p:grpSp>
+        <p:nvGrpSpPr>
+          <p:cNvPr id="1024" name="그룹 1024"/>
+          <p:cNvGrpSpPr/>
+          <p:nvPr/>
+        </p:nvGrpSpPr>
+        <p:grpSpPr>
+          <a:xfrm>
+            <a:off x="2136232" y="4692986"/>
+            <a:ext cx="6882925" cy="3281501"/>
+            <a:chOff x="2136232" y="4692986"/>
+            <a:chExt cx="6882925" cy="3281501"/>
+          </a:xfrm>
+        </p:grpSpPr>
+        <p:pic>
+          <p:nvPicPr>
+            <p:cNvPr id="81" name="Object 80"/>
+            <p:cNvPicPr>
+              <a:picLocks noChangeAspect="1"/>
+            </p:cNvPicPr>
+            <p:nvPr/>
+          </p:nvPicPr>
+          <p:blipFill>
+            <a:blip r:embed="rId34" cstate="print"/>
+            <a:stretch>
+              <a:fillRect/>
+            </a:stretch>
+          </p:blipFill>
+          <p:spPr>
+            <a:xfrm>
+              <a:off x="2136232" y="4692986"/>
+              <a:ext cx="6882925" cy="3281501"/>
+            </a:xfrm>
+            <a:prstGeom prst="rect">
+              <a:avLst/>
+            </a:prstGeom>
+          </p:spPr>
+        </p:pic>
+      </p:grpSp>
+    </p:spTree>
+  </p:cSld>
+  <p:clrMapOvr>
+    <a:masterClrMapping/>
+  </p:clrMapOvr>
+</p:sld>
+</file>
+
+<file path=ppt/slides/slide13.xml><?xml version="1.0" encoding="utf-8"?>
+<p:sld xmlns:a="http://schemas.openxmlformats.org/drawingml/2006/main" xmlns:r="http://schemas.openxmlformats.org/officeDocument/2006/relationships" xmlns:p="http://schemas.openxmlformats.org/presentationml/2006/main">
+  <p:cSld name="Slide 13">
+    <p:bg>
+      <p:bgPr>
+        <a:solidFill>
+          <a:srgbClr val="F1F6FF"/>
+        </a:solidFill>
+        <a:effectLst/>
+      </p:bgPr>
+    </p:bg>
+    <p:spTree>
+      <p:nvGrpSpPr>
+        <p:cNvPr id="1" name=""/>
+        <p:cNvGrpSpPr/>
+        <p:nvPr/>
+      </p:nvGrpSpPr>
+      <p:grpSpPr>
+        <a:xfrm>
+          <a:off x="0" y="0"/>
+          <a:ext cx="0" cy="0"/>
+          <a:chOff x="0" y="0"/>
+          <a:chExt cx="0" cy="0"/>
+        </a:xfrm>
+      </p:grpSpPr>
+      <p:grpSp>
+        <p:nvGrpSpPr>
+          <p:cNvPr id="1001" name="그룹 1001"/>
+          <p:cNvGrpSpPr/>
+          <p:nvPr/>
+        </p:nvGrpSpPr>
+        <p:grpSpPr>
+          <a:xfrm>
+            <a:off x="373178" y="353741"/>
+            <a:ext cx="17539359" cy="9578231"/>
+            <a:chOff x="373178" y="353741"/>
+            <a:chExt cx="17539359" cy="9578231"/>
+          </a:xfrm>
+        </p:grpSpPr>
+        <p:pic>
+          <p:nvPicPr>
+            <p:cNvPr id="3" name="Object 2"/>
+            <p:cNvPicPr>
+              <a:picLocks noChangeAspect="1"/>
+            </p:cNvPicPr>
+            <p:nvPr/>
+          </p:nvPicPr>
+          <p:blipFill>
+            <a:blip r:embed="rId2" cstate="print"/>
+            <a:stretch>
+              <a:fillRect/>
+            </a:stretch>
+          </p:blipFill>
+          <p:spPr>
+            <a:xfrm>
+              <a:off x="-8396501" y="-4435374"/>
+              <a:ext cx="35078717" cy="19156463"/>
+            </a:xfrm>
+            <a:prstGeom prst="rect">
+              <a:avLst/>
+            </a:prstGeom>
+          </p:spPr>
+        </p:pic>
+        <p:pic>
+          <p:nvPicPr>
+            <p:cNvPr id="4" name="Object 3"/>
+            <p:cNvPicPr>
+              <a:picLocks noChangeAspect="1"/>
+            </p:cNvPicPr>
+            <p:nvPr/>
+          </p:nvPicPr>
+          <p:blipFill>
+            <a:blip r:embed="rId3" cstate="print"/>
+            <a:stretch>
+              <a:fillRect/>
+            </a:stretch>
+          </p:blipFill>
+          <p:spPr>
+            <a:xfrm>
+              <a:off x="373178" y="353741"/>
+              <a:ext cx="17539359" cy="9578231"/>
+            </a:xfrm>
+            <a:prstGeom prst="rect">
+              <a:avLst/>
+            </a:prstGeom>
+          </p:spPr>
+        </p:pic>
+      </p:grpSp>
+      <p:grpSp>
+        <p:nvGrpSpPr>
+          <p:cNvPr id="1002" name="그룹 1002"/>
+          <p:cNvGrpSpPr/>
+          <p:nvPr/>
+        </p:nvGrpSpPr>
+        <p:grpSpPr>
+          <a:xfrm>
+            <a:off x="716606" y="353741"/>
+            <a:ext cx="746682" cy="9578231"/>
+            <a:chOff x="716606" y="353741"/>
+            <a:chExt cx="746682" cy="9578231"/>
+          </a:xfrm>
+        </p:grpSpPr>
+        <p:pic>
+          <p:nvPicPr>
+            <p:cNvPr id="7" name="Object 6"/>
+            <p:cNvPicPr>
+              <a:picLocks noChangeAspect="1"/>
+            </p:cNvPicPr>
+            <p:nvPr/>
+          </p:nvPicPr>
+          <p:blipFill>
+            <a:blip r:embed="rId4" cstate="print"/>
+            <a:stretch>
+              <a:fillRect/>
+            </a:stretch>
+          </p:blipFill>
+          <p:spPr>
+            <a:xfrm>
+              <a:off x="343265" y="-4435374"/>
+              <a:ext cx="1493364" cy="19156463"/>
+            </a:xfrm>
+            <a:prstGeom prst="rect">
+              <a:avLst/>
+            </a:prstGeom>
+          </p:spPr>
+        </p:pic>
+        <p:pic>
+          <p:nvPicPr>
+            <p:cNvPr id="8" name="Object 7"/>
+            <p:cNvPicPr>
+              <a:picLocks noChangeAspect="1"/>
+            </p:cNvPicPr>
+            <p:nvPr/>
+          </p:nvPicPr>
+          <p:blipFill>
+            <a:blip r:embed="rId5" cstate="print"/>
+            <a:stretch>
+              <a:fillRect/>
+            </a:stretch>
+          </p:blipFill>
+          <p:spPr>
+            <a:xfrm>
+              <a:off x="716606" y="353741"/>
+              <a:ext cx="746682" cy="9578231"/>
+            </a:xfrm>
+            <a:prstGeom prst="rect">
+              <a:avLst/>
+            </a:prstGeom>
+          </p:spPr>
+        </p:pic>
+      </p:grpSp>
+      <p:grpSp>
+        <p:nvGrpSpPr>
+          <p:cNvPr id="1003" name="그룹 1003"/>
+          <p:cNvGrpSpPr/>
+          <p:nvPr/>
+        </p:nvGrpSpPr>
+        <p:grpSpPr>
+          <a:xfrm>
+            <a:off x="373178" y="353741"/>
+            <a:ext cx="890195" cy="9578231"/>
+            <a:chOff x="373178" y="353741"/>
+            <a:chExt cx="890195" cy="9578231"/>
+          </a:xfrm>
+        </p:grpSpPr>
+        <p:pic>
+          <p:nvPicPr>
+            <p:cNvPr id="11" name="Object 10"/>
+            <p:cNvPicPr>
+              <a:picLocks noChangeAspect="1"/>
+            </p:cNvPicPr>
+            <p:nvPr/>
+          </p:nvPicPr>
+          <p:blipFill>
+            <a:blip r:embed="rId6" cstate="print"/>
+            <a:stretch>
+              <a:fillRect/>
+            </a:stretch>
+          </p:blipFill>
+          <p:spPr>
+            <a:xfrm>
+              <a:off x="-71920" y="-4435374"/>
+              <a:ext cx="1780390" cy="19156463"/>
+            </a:xfrm>
+            <a:prstGeom prst="rect">
+              <a:avLst/>
+            </a:prstGeom>
+          </p:spPr>
+        </p:pic>
+        <p:pic>
+          <p:nvPicPr>
+            <p:cNvPr id="12" name="Object 11"/>
+            <p:cNvPicPr>
+              <a:picLocks noChangeAspect="1"/>
+            </p:cNvPicPr>
+            <p:nvPr/>
+          </p:nvPicPr>
+          <p:blipFill>
+            <a:blip r:embed="rId7" cstate="print"/>
+            <a:stretch>
+              <a:fillRect/>
+            </a:stretch>
+          </p:blipFill>
+          <p:spPr>
+            <a:xfrm>
+              <a:off x="373178" y="353741"/>
+              <a:ext cx="890195" cy="9578231"/>
+            </a:xfrm>
+            <a:prstGeom prst="rect">
+              <a:avLst/>
+            </a:prstGeom>
+          </p:spPr>
+        </p:pic>
+      </p:grpSp>
+      <p:grpSp>
+        <p:nvGrpSpPr>
+          <p:cNvPr id="1004" name="그룹 1004"/>
+          <p:cNvGrpSpPr/>
+          <p:nvPr/>
+        </p:nvGrpSpPr>
+        <p:grpSpPr>
+          <a:xfrm>
             <a:off x="636525" y="6704919"/>
             <a:ext cx="584245" cy="584245"/>
             <a:chOff x="636525" y="6704919"/>
@@ -6955,9 +8141,9 @@
 </p:sld>
 </file>
 
-<file path=ppt/slides/slide13.xml><?xml version="1.0" encoding="utf-8"?>
+<file path=ppt/slides/slide14.xml><?xml version="1.0" encoding="utf-8"?>
 <p:sld xmlns:a="http://schemas.openxmlformats.org/drawingml/2006/main" xmlns:r="http://schemas.openxmlformats.org/officeDocument/2006/relationships" xmlns:p="http://schemas.openxmlformats.org/presentationml/2006/main">
-  <p:cSld name="Slide 13">
+  <p:cSld name="Slide 14">
     <p:bg>
       <p:bgPr>
         <a:solidFill>
@@ -7501,279 +8687,6 @@
         </p:nvGrpSpPr>
         <p:grpSpPr>
           <a:xfrm>
-            <a:off x="601451" y="733929"/>
-            <a:ext cx="632310" cy="632310"/>
-            <a:chOff x="601451" y="733929"/>
-            <a:chExt cx="632310" cy="632310"/>
-          </a:xfrm>
-        </p:grpSpPr>
-        <p:pic>
-          <p:nvPicPr>
-            <p:cNvPr id="15" name="Object 14"/>
-            <p:cNvPicPr>
-              <a:picLocks noChangeAspect="1"/>
-            </p:cNvPicPr>
-            <p:nvPr/>
-          </p:nvPicPr>
-          <p:blipFill>
-            <a:blip r:embed="rId8" cstate="print"/>
-            <a:stretch>
-              <a:fillRect/>
-            </a:stretch>
-          </p:blipFill>
-          <p:spPr>
-            <a:xfrm>
-              <a:off x="601451" y="733929"/>
-              <a:ext cx="632310" cy="632310"/>
-            </a:xfrm>
-            <a:prstGeom prst="rect">
-              <a:avLst/>
-            </a:prstGeom>
-          </p:spPr>
-        </p:pic>
-      </p:grpSp>
-      <p:grpSp>
-        <p:nvGrpSpPr>
-          <p:cNvPr id="1005" name="그룹 1005"/>
-          <p:cNvGrpSpPr/>
-          <p:nvPr/>
-        </p:nvGrpSpPr>
-        <p:grpSpPr>
-          <a:xfrm>
-            <a:off x="636525" y="6704919"/>
-            <a:ext cx="584245" cy="584245"/>
-            <a:chOff x="636525" y="6704919"/>
-            <a:chExt cx="584245" cy="584245"/>
-          </a:xfrm>
-        </p:grpSpPr>
-        <p:pic>
-          <p:nvPicPr>
-            <p:cNvPr id="18" name="Object 17"/>
-            <p:cNvPicPr>
-              <a:picLocks noChangeAspect="1"/>
-            </p:cNvPicPr>
-            <p:nvPr/>
-          </p:nvPicPr>
-          <p:blipFill>
-            <a:blip r:embed="rId9" cstate="print"/>
-            <a:stretch>
-              <a:fillRect/>
-            </a:stretch>
-          </p:blipFill>
-          <p:spPr>
-            <a:xfrm>
-              <a:off x="636525" y="6704919"/>
-              <a:ext cx="584245" cy="584245"/>
-            </a:xfrm>
-            <a:prstGeom prst="rect">
-              <a:avLst/>
-            </a:prstGeom>
-          </p:spPr>
-        </p:pic>
-      </p:grpSp>
-      <p:grpSp>
-        <p:nvGrpSpPr>
-          <p:cNvPr id="1006" name="그룹 1006"/>
-          <p:cNvGrpSpPr/>
-          <p:nvPr/>
-        </p:nvGrpSpPr>
-        <p:grpSpPr>
-          <a:xfrm>
-            <a:off x="636525" y="2504143"/>
-            <a:ext cx="584245" cy="584245"/>
-            <a:chOff x="636525" y="2504143"/>
-            <a:chExt cx="584245" cy="584245"/>
-          </a:xfrm>
-        </p:grpSpPr>
-        <p:pic>
-          <p:nvPicPr>
-            <p:cNvPr id="21" name="Object 20"/>
-            <p:cNvPicPr>
-              <a:picLocks noChangeAspect="1"/>
-            </p:cNvPicPr>
-            <p:nvPr/>
-          </p:nvPicPr>
-          <p:blipFill>
-            <a:blip r:embed="rId10" cstate="print"/>
-            <a:stretch>
-              <a:fillRect/>
-            </a:stretch>
-          </p:blipFill>
-          <p:spPr>
-            <a:xfrm>
-              <a:off x="636525" y="2504143"/>
-              <a:ext cx="584245" cy="584245"/>
-            </a:xfrm>
-            <a:prstGeom prst="rect">
-              <a:avLst/>
-            </a:prstGeom>
-          </p:spPr>
-        </p:pic>
-      </p:grpSp>
-      <p:grpSp>
-        <p:nvGrpSpPr>
-          <p:cNvPr id="1007" name="그룹 1007"/>
-          <p:cNvGrpSpPr/>
-          <p:nvPr/>
-        </p:nvGrpSpPr>
-        <p:grpSpPr>
-          <a:xfrm>
-            <a:off x="636525" y="3347298"/>
-            <a:ext cx="584245" cy="584245"/>
-            <a:chOff x="636525" y="3347298"/>
-            <a:chExt cx="584245" cy="584245"/>
-          </a:xfrm>
-        </p:grpSpPr>
-        <p:pic>
-          <p:nvPicPr>
-            <p:cNvPr id="24" name="Object 23"/>
-            <p:cNvPicPr>
-              <a:picLocks noChangeAspect="1"/>
-            </p:cNvPicPr>
-            <p:nvPr/>
-          </p:nvPicPr>
-          <p:blipFill>
-            <a:blip r:embed="rId11" cstate="print"/>
-            <a:stretch>
-              <a:fillRect/>
-            </a:stretch>
-          </p:blipFill>
-          <p:spPr>
-            <a:xfrm>
-              <a:off x="636525" y="3347298"/>
-              <a:ext cx="584245" cy="584245"/>
-            </a:xfrm>
-            <a:prstGeom prst="rect">
-              <a:avLst/>
-            </a:prstGeom>
-          </p:spPr>
-        </p:pic>
-      </p:grpSp>
-      <p:grpSp>
-        <p:nvGrpSpPr>
-          <p:cNvPr id="1008" name="그룹 1008"/>
-          <p:cNvGrpSpPr/>
-          <p:nvPr/>
-        </p:nvGrpSpPr>
-        <p:grpSpPr>
-          <a:xfrm>
-            <a:off x="636525" y="5876761"/>
-            <a:ext cx="584245" cy="584245"/>
-            <a:chOff x="636525" y="5876761"/>
-            <a:chExt cx="584245" cy="584245"/>
-          </a:xfrm>
-        </p:grpSpPr>
-        <p:pic>
-          <p:nvPicPr>
-            <p:cNvPr id="27" name="Object 26"/>
-            <p:cNvPicPr>
-              <a:picLocks noChangeAspect="1"/>
-            </p:cNvPicPr>
-            <p:nvPr/>
-          </p:nvPicPr>
-          <p:blipFill>
-            <a:blip r:embed="rId12" cstate="print"/>
-            <a:stretch>
-              <a:fillRect/>
-            </a:stretch>
-          </p:blipFill>
-          <p:spPr>
-            <a:xfrm>
-              <a:off x="636525" y="5876761"/>
-              <a:ext cx="584245" cy="584245"/>
-            </a:xfrm>
-            <a:prstGeom prst="rect">
-              <a:avLst/>
-            </a:prstGeom>
-          </p:spPr>
-        </p:pic>
-      </p:grpSp>
-      <p:grpSp>
-        <p:nvGrpSpPr>
-          <p:cNvPr id="1009" name="그룹 1009"/>
-          <p:cNvGrpSpPr/>
-          <p:nvPr/>
-        </p:nvGrpSpPr>
-        <p:grpSpPr>
-          <a:xfrm>
-            <a:off x="636525" y="4190452"/>
-            <a:ext cx="584245" cy="584245"/>
-            <a:chOff x="636525" y="4190452"/>
-            <a:chExt cx="584245" cy="584245"/>
-          </a:xfrm>
-        </p:grpSpPr>
-        <p:pic>
-          <p:nvPicPr>
-            <p:cNvPr id="30" name="Object 29"/>
-            <p:cNvPicPr>
-              <a:picLocks noChangeAspect="1"/>
-            </p:cNvPicPr>
-            <p:nvPr/>
-          </p:nvPicPr>
-          <p:blipFill>
-            <a:blip r:embed="rId13" cstate="print"/>
-            <a:stretch>
-              <a:fillRect/>
-            </a:stretch>
-          </p:blipFill>
-          <p:spPr>
-            <a:xfrm>
-              <a:off x="636525" y="4190452"/>
-              <a:ext cx="584245" cy="584245"/>
-            </a:xfrm>
-            <a:prstGeom prst="rect">
-              <a:avLst/>
-            </a:prstGeom>
-          </p:spPr>
-        </p:pic>
-      </p:grpSp>
-      <p:grpSp>
-        <p:nvGrpSpPr>
-          <p:cNvPr id="1010" name="그룹 1010"/>
-          <p:cNvGrpSpPr/>
-          <p:nvPr/>
-        </p:nvGrpSpPr>
-        <p:grpSpPr>
-          <a:xfrm>
-            <a:off x="636525" y="5033607"/>
-            <a:ext cx="584245" cy="584245"/>
-            <a:chOff x="636525" y="5033607"/>
-            <a:chExt cx="584245" cy="584245"/>
-          </a:xfrm>
-        </p:grpSpPr>
-        <p:pic>
-          <p:nvPicPr>
-            <p:cNvPr id="33" name="Object 32"/>
-            <p:cNvPicPr>
-              <a:picLocks noChangeAspect="1"/>
-            </p:cNvPicPr>
-            <p:nvPr/>
-          </p:nvPicPr>
-          <p:blipFill>
-            <a:blip r:embed="rId14" cstate="print"/>
-            <a:stretch>
-              <a:fillRect/>
-            </a:stretch>
-          </p:blipFill>
-          <p:spPr>
-            <a:xfrm>
-              <a:off x="636525" y="5033607"/>
-              <a:ext cx="584245" cy="584245"/>
-            </a:xfrm>
-            <a:prstGeom prst="rect">
-              <a:avLst/>
-            </a:prstGeom>
-          </p:spPr>
-        </p:pic>
-      </p:grpSp>
-      <p:grpSp>
-        <p:nvGrpSpPr>
-          <p:cNvPr id="1011" name="그룹 1011"/>
-          <p:cNvGrpSpPr/>
-          <p:nvPr/>
-        </p:nvGrpSpPr>
-        <p:grpSpPr>
-          <a:xfrm>
             <a:off x="17502078" y="559365"/>
             <a:ext cx="128890" cy="128890"/>
             <a:chOff x="17502078" y="559365"/>
@@ -7782,14 +8695,14 @@
         </p:grpSpPr>
         <p:pic>
           <p:nvPicPr>
-            <p:cNvPr id="36" name="Object 35"/>
-            <p:cNvPicPr>
-              <a:picLocks noChangeAspect="1"/>
-            </p:cNvPicPr>
-            <p:nvPr/>
-          </p:nvPicPr>
-          <p:blipFill>
-            <a:blip r:embed="rId15" cstate="print"/>
+            <p:cNvPr id="15" name="Object 14"/>
+            <p:cNvPicPr>
+              <a:picLocks noChangeAspect="1"/>
+            </p:cNvPicPr>
+            <p:nvPr/>
+          </p:nvPicPr>
+          <p:blipFill>
+            <a:blip r:embed="rId8" cstate="print"/>
             <a:stretch>
               <a:fillRect/>
             </a:stretch>
@@ -7807,7 +8720,7 @@
       </p:grpSp>
       <p:grpSp>
         <p:nvGrpSpPr>
-          <p:cNvPr id="1012" name="그룹 1012"/>
+          <p:cNvPr id="1005" name="그룹 1005"/>
           <p:cNvGrpSpPr/>
           <p:nvPr/>
         </p:nvGrpSpPr>
@@ -7821,14 +8734,14 @@
         </p:grpSpPr>
         <p:pic>
           <p:nvPicPr>
-            <p:cNvPr id="39" name="Object 38"/>
-            <p:cNvPicPr>
-              <a:picLocks noChangeAspect="1"/>
-            </p:cNvPicPr>
-            <p:nvPr/>
-          </p:nvPicPr>
-          <p:blipFill>
-            <a:blip r:embed="rId16" cstate="print"/>
+            <p:cNvPr id="18" name="Object 17"/>
+            <p:cNvPicPr>
+              <a:picLocks noChangeAspect="1"/>
+            </p:cNvPicPr>
+            <p:nvPr/>
+          </p:nvPicPr>
+          <p:blipFill>
+            <a:blip r:embed="rId9" cstate="print"/>
             <a:stretch>
               <a:fillRect/>
             </a:stretch>
@@ -7846,7 +8759,7 @@
       </p:grpSp>
       <p:grpSp>
         <p:nvGrpSpPr>
-          <p:cNvPr id="1013" name="그룹 1013"/>
+          <p:cNvPr id="1006" name="그룹 1006"/>
           <p:cNvGrpSpPr/>
           <p:nvPr/>
         </p:nvGrpSpPr>
@@ -7860,14 +8773,14 @@
         </p:grpSpPr>
         <p:pic>
           <p:nvPicPr>
-            <p:cNvPr id="42" name="Object 41"/>
-            <p:cNvPicPr>
-              <a:picLocks noChangeAspect="1"/>
-            </p:cNvPicPr>
-            <p:nvPr/>
-          </p:nvPicPr>
-          <p:blipFill>
-            <a:blip r:embed="rId17" cstate="print"/>
+            <p:cNvPr id="21" name="Object 20"/>
+            <p:cNvPicPr>
+              <a:picLocks noChangeAspect="1"/>
+            </p:cNvPicPr>
+            <p:nvPr/>
+          </p:nvPicPr>
+          <p:blipFill>
+            <a:blip r:embed="rId10" cstate="print"/>
             <a:stretch>
               <a:fillRect/>
             </a:stretch>
@@ -7883,573 +8796,516 @@
           </p:spPr>
         </p:pic>
       </p:grpSp>
-      <p:grpSp>
-        <p:nvGrpSpPr>
-          <p:cNvPr id="1014" name="그룹 1014"/>
-          <p:cNvGrpSpPr/>
-          <p:nvPr/>
-        </p:nvGrpSpPr>
-        <p:grpSpPr>
-          <a:xfrm>
-            <a:off x="690553" y="3393099"/>
-            <a:ext cx="476190" cy="476190"/>
-            <a:chOff x="690553" y="3393099"/>
-            <a:chExt cx="476190" cy="476190"/>
-          </a:xfrm>
-        </p:grpSpPr>
-        <p:pic>
-          <p:nvPicPr>
-            <p:cNvPr id="45" name="Object 44"/>
-            <p:cNvPicPr>
-              <a:picLocks noChangeAspect="1"/>
-            </p:cNvPicPr>
-            <p:nvPr/>
-          </p:nvPicPr>
-          <p:blipFill>
-            <a:blip r:embed="rId18" cstate="print"/>
-            <a:stretch>
-              <a:fillRect/>
-            </a:stretch>
-          </p:blipFill>
-          <p:spPr>
-            <a:xfrm>
-              <a:off x="690553" y="3393099"/>
-              <a:ext cx="476190" cy="476190"/>
-            </a:xfrm>
-            <a:prstGeom prst="rect">
-              <a:avLst/>
-            </a:prstGeom>
-          </p:spPr>
-        </p:pic>
-      </p:grpSp>
-      <p:grpSp>
-        <p:nvGrpSpPr>
-          <p:cNvPr id="1015" name="그룹 1015"/>
-          <p:cNvGrpSpPr/>
-          <p:nvPr/>
-        </p:nvGrpSpPr>
-        <p:grpSpPr>
-          <a:xfrm>
-            <a:off x="690553" y="2553899"/>
-            <a:ext cx="476190" cy="476190"/>
-            <a:chOff x="690553" y="2553899"/>
-            <a:chExt cx="476190" cy="476190"/>
-          </a:xfrm>
-        </p:grpSpPr>
-        <p:pic>
-          <p:nvPicPr>
-            <p:cNvPr id="48" name="Object 47"/>
-            <p:cNvPicPr>
-              <a:picLocks noChangeAspect="1"/>
-            </p:cNvPicPr>
-            <p:nvPr/>
-          </p:nvPicPr>
-          <p:blipFill>
-            <a:blip r:embed="rId19" cstate="print"/>
-            <a:stretch>
-              <a:fillRect/>
-            </a:stretch>
-          </p:blipFill>
-          <p:spPr>
-            <a:xfrm>
-              <a:off x="690553" y="2553899"/>
-              <a:ext cx="476190" cy="476190"/>
-            </a:xfrm>
-            <a:prstGeom prst="rect">
-              <a:avLst/>
-            </a:prstGeom>
-          </p:spPr>
-        </p:pic>
-      </p:grpSp>
-      <p:grpSp>
-        <p:nvGrpSpPr>
-          <p:cNvPr id="1016" name="그룹 1016"/>
-          <p:cNvGrpSpPr/>
-          <p:nvPr/>
-        </p:nvGrpSpPr>
-        <p:grpSpPr>
-          <a:xfrm>
-            <a:off x="690553" y="6760939"/>
-            <a:ext cx="476190" cy="476190"/>
-            <a:chOff x="690553" y="6760939"/>
-            <a:chExt cx="476190" cy="476190"/>
-          </a:xfrm>
-        </p:grpSpPr>
-        <p:pic>
-          <p:nvPicPr>
-            <p:cNvPr id="51" name="Object 50"/>
-            <p:cNvPicPr>
-              <a:picLocks noChangeAspect="1"/>
-            </p:cNvPicPr>
-            <p:nvPr/>
-          </p:nvPicPr>
-          <p:blipFill>
-            <a:blip r:embed="rId20" cstate="print"/>
-            <a:stretch>
-              <a:fillRect/>
-            </a:stretch>
-          </p:blipFill>
-          <p:spPr>
-            <a:xfrm>
-              <a:off x="690553" y="6760939"/>
-              <a:ext cx="476190" cy="476190"/>
-            </a:xfrm>
-            <a:prstGeom prst="rect">
-              <a:avLst/>
-            </a:prstGeom>
-          </p:spPr>
-        </p:pic>
-      </p:grpSp>
-      <p:grpSp>
-        <p:nvGrpSpPr>
-          <p:cNvPr id="1017" name="그룹 1017"/>
-          <p:cNvGrpSpPr/>
-          <p:nvPr/>
-        </p:nvGrpSpPr>
-        <p:grpSpPr>
-          <a:xfrm>
-            <a:off x="690553" y="5910697"/>
-            <a:ext cx="476190" cy="476190"/>
-            <a:chOff x="690553" y="5910697"/>
-            <a:chExt cx="476190" cy="476190"/>
-          </a:xfrm>
-        </p:grpSpPr>
-        <p:pic>
-          <p:nvPicPr>
-            <p:cNvPr id="54" name="Object 53"/>
-            <p:cNvPicPr>
-              <a:picLocks noChangeAspect="1"/>
-            </p:cNvPicPr>
-            <p:nvPr/>
-          </p:nvPicPr>
-          <p:blipFill>
-            <a:blip r:embed="rId21" cstate="print"/>
-            <a:stretch>
-              <a:fillRect/>
-            </a:stretch>
-          </p:blipFill>
-          <p:spPr>
-            <a:xfrm>
-              <a:off x="690553" y="5910697"/>
-              <a:ext cx="476190" cy="476190"/>
-            </a:xfrm>
-            <a:prstGeom prst="rect">
-              <a:avLst/>
-            </a:prstGeom>
-          </p:spPr>
-        </p:pic>
-      </p:grpSp>
-      <p:grpSp>
-        <p:nvGrpSpPr>
-          <p:cNvPr id="1018" name="그룹 1018"/>
-          <p:cNvGrpSpPr/>
-          <p:nvPr/>
-        </p:nvGrpSpPr>
-        <p:grpSpPr>
-          <a:xfrm>
-            <a:off x="690553" y="5082540"/>
-            <a:ext cx="476190" cy="476190"/>
-            <a:chOff x="690553" y="5082540"/>
-            <a:chExt cx="476190" cy="476190"/>
-          </a:xfrm>
-        </p:grpSpPr>
-        <p:pic>
-          <p:nvPicPr>
-            <p:cNvPr id="57" name="Object 56"/>
-            <p:cNvPicPr>
-              <a:picLocks noChangeAspect="1"/>
-            </p:cNvPicPr>
-            <p:nvPr/>
-          </p:nvPicPr>
-          <p:blipFill>
-            <a:blip r:embed="rId22" cstate="print"/>
-            <a:stretch>
-              <a:fillRect/>
-            </a:stretch>
-          </p:blipFill>
-          <p:spPr>
-            <a:xfrm>
-              <a:off x="690553" y="5082540"/>
-              <a:ext cx="476190" cy="476190"/>
-            </a:xfrm>
-            <a:prstGeom prst="rect">
-              <a:avLst/>
-            </a:prstGeom>
-          </p:spPr>
-        </p:pic>
-      </p:grpSp>
-      <p:grpSp>
-        <p:nvGrpSpPr>
-          <p:cNvPr id="1019" name="그룹 1019"/>
-          <p:cNvGrpSpPr/>
-          <p:nvPr/>
-        </p:nvGrpSpPr>
-        <p:grpSpPr>
-          <a:xfrm>
-            <a:off x="690553" y="4232298"/>
-            <a:ext cx="476190" cy="476190"/>
-            <a:chOff x="690553" y="4232298"/>
-            <a:chExt cx="476190" cy="476190"/>
-          </a:xfrm>
-        </p:grpSpPr>
-        <p:pic>
-          <p:nvPicPr>
-            <p:cNvPr id="60" name="Object 59"/>
-            <p:cNvPicPr>
-              <a:picLocks noChangeAspect="1"/>
-            </p:cNvPicPr>
-            <p:nvPr/>
-          </p:nvPicPr>
-          <p:blipFill>
-            <a:blip r:embed="rId23" cstate="print"/>
-            <a:stretch>
-              <a:fillRect/>
-            </a:stretch>
-          </p:blipFill>
-          <p:spPr>
-            <a:xfrm>
-              <a:off x="690553" y="4232298"/>
-              <a:ext cx="476190" cy="476190"/>
-            </a:xfrm>
-            <a:prstGeom prst="rect">
-              <a:avLst/>
-            </a:prstGeom>
-          </p:spPr>
-        </p:pic>
-      </p:grpSp>
-      <p:grpSp>
-        <p:nvGrpSpPr>
-          <p:cNvPr id="1020" name="그룹 1020"/>
-          <p:cNvGrpSpPr/>
-          <p:nvPr/>
-        </p:nvGrpSpPr>
-        <p:grpSpPr>
-          <a:xfrm>
-            <a:off x="1840569" y="1767267"/>
-            <a:ext cx="7619048" cy="7556007"/>
-            <a:chOff x="1840569" y="1767267"/>
-            <a:chExt cx="7619048" cy="7556007"/>
-          </a:xfrm>
-        </p:grpSpPr>
-        <p:pic>
-          <p:nvPicPr>
-            <p:cNvPr id="63" name="Object 62"/>
-            <p:cNvPicPr>
-              <a:picLocks noChangeAspect="1"/>
-            </p:cNvPicPr>
-            <p:nvPr/>
-          </p:nvPicPr>
-          <p:blipFill>
-            <a:blip r:embed="rId24" cstate="print"/>
-            <a:stretch>
-              <a:fillRect/>
-            </a:stretch>
-          </p:blipFill>
-          <p:spPr>
-            <a:xfrm>
-              <a:off x="1840569" y="1767267"/>
-              <a:ext cx="7619048" cy="7556007"/>
-            </a:xfrm>
-            <a:prstGeom prst="rect">
-              <a:avLst/>
-            </a:prstGeom>
-          </p:spPr>
-        </p:pic>
-      </p:grpSp>
-      <p:grpSp>
-        <p:nvGrpSpPr>
-          <p:cNvPr id="1021" name="그룹 1021"/>
-          <p:cNvGrpSpPr/>
-          <p:nvPr/>
-        </p:nvGrpSpPr>
-        <p:grpSpPr>
-          <a:xfrm>
-            <a:off x="9857234" y="1748219"/>
-            <a:ext cx="7619048" cy="2571429"/>
-            <a:chOff x="9857234" y="1748219"/>
-            <a:chExt cx="7619048" cy="2571429"/>
-          </a:xfrm>
-        </p:grpSpPr>
-        <p:pic>
-          <p:nvPicPr>
-            <p:cNvPr id="66" name="Object 65"/>
-            <p:cNvPicPr>
-              <a:picLocks noChangeAspect="1"/>
-            </p:cNvPicPr>
-            <p:nvPr/>
-          </p:nvPicPr>
-          <p:blipFill>
-            <a:blip r:embed="rId25" cstate="print"/>
-            <a:stretch>
-              <a:fillRect/>
-            </a:stretch>
-          </p:blipFill>
-          <p:spPr>
-            <a:xfrm>
-              <a:off x="9857234" y="1748219"/>
-              <a:ext cx="7619048" cy="2571429"/>
-            </a:xfrm>
-            <a:prstGeom prst="rect">
-              <a:avLst/>
-            </a:prstGeom>
-          </p:spPr>
-        </p:pic>
-      </p:grpSp>
-      <p:grpSp>
-        <p:nvGrpSpPr>
-          <p:cNvPr id="1022" name="그룹 1022"/>
-          <p:cNvGrpSpPr/>
-          <p:nvPr/>
-        </p:nvGrpSpPr>
-        <p:grpSpPr>
-          <a:xfrm>
-            <a:off x="9857234" y="4440966"/>
-            <a:ext cx="7619048" cy="4882307"/>
-            <a:chOff x="9857234" y="4440966"/>
-            <a:chExt cx="7619048" cy="4882307"/>
-          </a:xfrm>
-        </p:grpSpPr>
-        <p:pic>
-          <p:nvPicPr>
-            <p:cNvPr id="69" name="Object 68"/>
-            <p:cNvPicPr>
-              <a:picLocks noChangeAspect="1"/>
-            </p:cNvPicPr>
-            <p:nvPr/>
-          </p:nvPicPr>
-          <p:blipFill>
-            <a:blip r:embed="rId26" cstate="print"/>
-            <a:stretch>
-              <a:fillRect/>
-            </a:stretch>
-          </p:blipFill>
-          <p:spPr>
-            <a:xfrm>
-              <a:off x="9857234" y="4440966"/>
-              <a:ext cx="7619048" cy="4882307"/>
-            </a:xfrm>
-            <a:prstGeom prst="rect">
-              <a:avLst/>
-            </a:prstGeom>
-          </p:spPr>
-        </p:pic>
-      </p:grpSp>
       <p:pic>
         <p:nvPicPr>
-          <p:cNvPr id="71" name="Object 70"/>
+          <p:cNvPr id="23" name="Object 22"/>
           <p:cNvPicPr>
             <a:picLocks noChangeAspect="1"/>
           </p:cNvPicPr>
           <p:nvPr/>
         </p:nvPicPr>
         <p:blipFill>
-          <a:blip r:embed="rId27" cstate="print"/>
+          <a:blip r:embed="rId11" cstate="print"/>
           <a:stretch>
             <a:fillRect/>
           </a:stretch>
         </p:blipFill>
         <p:spPr>
           <a:xfrm>
-            <a:off x="479017" y="511125"/>
-            <a:ext cx="1055583" cy="1152888"/>
+            <a:off x="1501976" y="-258329"/>
+            <a:ext cx="3393428" cy="3173171"/>
           </a:xfrm>
           <a:prstGeom prst="rect">
             <a:avLst/>
           </a:prstGeom>
         </p:spPr>
       </p:pic>
+      <p:grpSp>
+        <p:nvGrpSpPr>
+          <p:cNvPr id="1007" name="그룹 1007"/>
+          <p:cNvGrpSpPr/>
+          <p:nvPr/>
+        </p:nvGrpSpPr>
+        <p:grpSpPr>
+          <a:xfrm>
+            <a:off x="601451" y="733929"/>
+            <a:ext cx="632310" cy="632310"/>
+            <a:chOff x="601451" y="733929"/>
+            <a:chExt cx="632310" cy="632310"/>
+          </a:xfrm>
+        </p:grpSpPr>
+        <p:grpSp>
+          <p:nvGrpSpPr>
+            <p:cNvPr id="1008" name="그룹 1008"/>
+            <p:cNvGrpSpPr/>
+            <p:nvPr/>
+          </p:nvGrpSpPr>
+          <p:grpSpPr>
+            <a:xfrm>
+              <a:off x="601451" y="733929"/>
+              <a:ext cx="632310" cy="632310"/>
+              <a:chOff x="601451" y="733929"/>
+              <a:chExt cx="632310" cy="632310"/>
+            </a:xfrm>
+          </p:grpSpPr>
+          <p:pic>
+            <p:nvPicPr>
+              <p:cNvPr id="26" name="Object 25"/>
+              <p:cNvPicPr>
+                <a:picLocks noChangeAspect="1"/>
+              </p:cNvPicPr>
+              <p:nvPr/>
+            </p:nvPicPr>
+            <p:blipFill>
+              <a:blip r:embed="rId12" cstate="print"/>
+              <a:stretch>
+                <a:fillRect/>
+              </a:stretch>
+            </p:blipFill>
+            <p:spPr>
+              <a:xfrm>
+                <a:off x="601451" y="733929"/>
+                <a:ext cx="632310" cy="632310"/>
+              </a:xfrm>
+              <a:prstGeom prst="rect">
+                <a:avLst/>
+              </a:prstGeom>
+            </p:spPr>
+          </p:pic>
+        </p:grpSp>
+        <p:pic>
+          <p:nvPicPr>
+            <p:cNvPr id="28" name="Object 27"/>
+            <p:cNvPicPr>
+              <a:picLocks noChangeAspect="1"/>
+            </p:cNvPicPr>
+            <p:nvPr/>
+          </p:nvPicPr>
+          <p:blipFill>
+            <a:blip r:embed="rId13" cstate="print"/>
+            <a:stretch>
+              <a:fillRect/>
+            </a:stretch>
+          </p:blipFill>
+          <p:spPr>
+            <a:xfrm>
+              <a:off x="401560" y="511125"/>
+              <a:ext cx="1158955" cy="1152888"/>
+            </a:xfrm>
+            <a:prstGeom prst="rect">
+              <a:avLst/>
+            </a:prstGeom>
+          </p:spPr>
+        </p:pic>
+      </p:grpSp>
       <p:pic>
         <p:nvPicPr>
-          <p:cNvPr id="72" name="Object 71"/>
+          <p:cNvPr id="30" name="Object 29"/>
           <p:cNvPicPr>
             <a:picLocks noChangeAspect="1"/>
           </p:cNvPicPr>
           <p:nvPr/>
         </p:nvPicPr>
         <p:blipFill>
-          <a:blip r:embed="rId28" cstate="print"/>
+          <a:blip r:embed="rId14" cstate="print"/>
           <a:stretch>
             <a:fillRect/>
           </a:stretch>
         </p:blipFill>
         <p:spPr>
           <a:xfrm>
-            <a:off x="1741947" y="429199"/>
-            <a:ext cx="11618803" cy="1520431"/>
+            <a:off x="3714166" y="2478220"/>
+            <a:ext cx="2894909" cy="1315537"/>
           </a:xfrm>
           <a:prstGeom prst="rect">
             <a:avLst/>
           </a:prstGeom>
         </p:spPr>
       </p:pic>
+      <p:grpSp>
+        <p:nvGrpSpPr>
+          <p:cNvPr id="1009" name="그룹 1009"/>
+          <p:cNvGrpSpPr/>
+          <p:nvPr/>
+        </p:nvGrpSpPr>
+        <p:grpSpPr>
+          <a:xfrm>
+            <a:off x="2721473" y="2583513"/>
+            <a:ext cx="615981" cy="669455"/>
+            <a:chOff x="2721473" y="2583513"/>
+            <a:chExt cx="615981" cy="669455"/>
+          </a:xfrm>
+        </p:grpSpPr>
+        <p:pic>
+          <p:nvPicPr>
+            <p:cNvPr id="32" name="Object 31"/>
+            <p:cNvPicPr>
+              <a:picLocks noChangeAspect="1"/>
+            </p:cNvPicPr>
+            <p:nvPr/>
+          </p:nvPicPr>
+          <p:blipFill>
+            <a:blip r:embed="rId15" cstate="print"/>
+            <a:stretch>
+              <a:fillRect/>
+            </a:stretch>
+          </p:blipFill>
+          <p:spPr>
+            <a:xfrm>
+              <a:off x="2721473" y="2583513"/>
+              <a:ext cx="615981" cy="669455"/>
+            </a:xfrm>
+            <a:prstGeom prst="rect">
+              <a:avLst/>
+            </a:prstGeom>
+          </p:spPr>
+        </p:pic>
+      </p:grpSp>
+      <p:grpSp>
+        <p:nvGrpSpPr>
+          <p:cNvPr id="1010" name="그룹 1010"/>
+          <p:cNvGrpSpPr/>
+          <p:nvPr/>
+        </p:nvGrpSpPr>
+        <p:grpSpPr>
+          <a:xfrm>
+            <a:off x="2721473" y="7229301"/>
+            <a:ext cx="4789311" cy="753108"/>
+            <a:chOff x="2721473" y="7229301"/>
+            <a:chExt cx="4789311" cy="753108"/>
+          </a:xfrm>
+        </p:grpSpPr>
+        <p:pic>
+          <p:nvPicPr>
+            <p:cNvPr id="35" name="Object 34"/>
+            <p:cNvPicPr>
+              <a:picLocks noChangeAspect="1"/>
+            </p:cNvPicPr>
+            <p:nvPr/>
+          </p:nvPicPr>
+          <p:blipFill>
+            <a:blip r:embed="rId16" cstate="print"/>
+            <a:stretch>
+              <a:fillRect/>
+            </a:stretch>
+          </p:blipFill>
+          <p:spPr>
+            <a:xfrm>
+              <a:off x="3714166" y="7124001"/>
+              <a:ext cx="3328870" cy="1315537"/>
+            </a:xfrm>
+            <a:prstGeom prst="rect">
+              <a:avLst/>
+            </a:prstGeom>
+          </p:spPr>
+        </p:pic>
+        <p:grpSp>
+          <p:nvGrpSpPr>
+            <p:cNvPr id="1011" name="그룹 1011"/>
+            <p:cNvGrpSpPr/>
+            <p:nvPr/>
+          </p:nvGrpSpPr>
+          <p:grpSpPr>
+            <a:xfrm>
+              <a:off x="2721473" y="7229301"/>
+              <a:ext cx="615981" cy="669455"/>
+              <a:chOff x="2721473" y="7229301"/>
+              <a:chExt cx="615981" cy="669455"/>
+            </a:xfrm>
+          </p:grpSpPr>
+          <p:pic>
+            <p:nvPicPr>
+              <p:cNvPr id="37" name="Object 36"/>
+              <p:cNvPicPr>
+                <a:picLocks noChangeAspect="1"/>
+              </p:cNvPicPr>
+              <p:nvPr/>
+            </p:nvPicPr>
+            <p:blipFill>
+              <a:blip r:embed="rId17" cstate="print"/>
+              <a:stretch>
+                <a:fillRect/>
+              </a:stretch>
+            </p:blipFill>
+            <p:spPr>
+              <a:xfrm>
+                <a:off x="2721473" y="7229301"/>
+                <a:ext cx="615981" cy="669455"/>
+              </a:xfrm>
+              <a:prstGeom prst="rect">
+                <a:avLst/>
+              </a:prstGeom>
+            </p:spPr>
+          </p:pic>
+        </p:grpSp>
+      </p:grpSp>
+      <p:grpSp>
+        <p:nvGrpSpPr>
+          <p:cNvPr id="1012" name="그룹 1012"/>
+          <p:cNvGrpSpPr/>
+          <p:nvPr/>
+        </p:nvGrpSpPr>
+        <p:grpSpPr>
+          <a:xfrm>
+            <a:off x="2721473" y="6038095"/>
+            <a:ext cx="4789311" cy="753114"/>
+            <a:chOff x="2721473" y="6038095"/>
+            <a:chExt cx="4789311" cy="753114"/>
+          </a:xfrm>
+        </p:grpSpPr>
+        <p:pic>
+          <p:nvPicPr>
+            <p:cNvPr id="41" name="Object 40"/>
+            <p:cNvPicPr>
+              <a:picLocks noChangeAspect="1"/>
+            </p:cNvPicPr>
+            <p:nvPr/>
+          </p:nvPicPr>
+          <p:blipFill>
+            <a:blip r:embed="rId18" cstate="print"/>
+            <a:stretch>
+              <a:fillRect/>
+            </a:stretch>
+          </p:blipFill>
+          <p:spPr>
+            <a:xfrm>
+              <a:off x="3695118" y="5882010"/>
+              <a:ext cx="3332680" cy="1371404"/>
+            </a:xfrm>
+            <a:prstGeom prst="rect">
+              <a:avLst/>
+            </a:prstGeom>
+          </p:spPr>
+        </p:pic>
+        <p:grpSp>
+          <p:nvGrpSpPr>
+            <p:cNvPr id="1013" name="그룹 1013"/>
+            <p:cNvGrpSpPr/>
+            <p:nvPr/>
+          </p:nvGrpSpPr>
+          <p:grpSpPr>
+            <a:xfrm>
+              <a:off x="2721473" y="6038095"/>
+              <a:ext cx="615981" cy="669455"/>
+              <a:chOff x="2721473" y="6038095"/>
+              <a:chExt cx="615981" cy="669455"/>
+            </a:xfrm>
+          </p:grpSpPr>
+          <p:pic>
+            <p:nvPicPr>
+              <p:cNvPr id="43" name="Object 42"/>
+              <p:cNvPicPr>
+                <a:picLocks noChangeAspect="1"/>
+              </p:cNvPicPr>
+              <p:nvPr/>
+            </p:nvPicPr>
+            <p:blipFill>
+              <a:blip r:embed="rId19" cstate="print"/>
+              <a:stretch>
+                <a:fillRect/>
+              </a:stretch>
+            </p:blipFill>
+            <p:spPr>
+              <a:xfrm>
+                <a:off x="2721473" y="6038095"/>
+                <a:ext cx="615981" cy="669455"/>
+              </a:xfrm>
+              <a:prstGeom prst="rect">
+                <a:avLst/>
+              </a:prstGeom>
+            </p:spPr>
+          </p:pic>
+        </p:grpSp>
+      </p:grpSp>
       <p:pic>
         <p:nvPicPr>
-          <p:cNvPr id="73" name="Object 72"/>
+          <p:cNvPr id="46" name="Object 45"/>
           <p:cNvPicPr>
             <a:picLocks noChangeAspect="1"/>
           </p:cNvPicPr>
           <p:nvPr/>
         </p:nvPicPr>
         <p:blipFill>
-          <a:blip r:embed="rId29" cstate="print"/>
+          <a:blip r:embed="rId20" cstate="print"/>
           <a:stretch>
             <a:fillRect/>
           </a:stretch>
         </p:blipFill>
         <p:spPr>
           <a:xfrm>
-            <a:off x="2058519" y="1877090"/>
-            <a:ext cx="3160773" cy="1483897"/>
+            <a:off x="3714166" y="4743543"/>
+            <a:ext cx="6098718" cy="1315537"/>
           </a:xfrm>
           <a:prstGeom prst="rect">
             <a:avLst/>
           </a:prstGeom>
         </p:spPr>
       </p:pic>
+      <p:grpSp>
+        <p:nvGrpSpPr>
+          <p:cNvPr id="1014" name="그룹 1014"/>
+          <p:cNvGrpSpPr/>
+          <p:nvPr/>
+        </p:nvGrpSpPr>
+        <p:grpSpPr>
+          <a:xfrm>
+            <a:off x="2721473" y="4848841"/>
+            <a:ext cx="615981" cy="669455"/>
+            <a:chOff x="2721473" y="4848841"/>
+            <a:chExt cx="615981" cy="669455"/>
+          </a:xfrm>
+        </p:grpSpPr>
+        <p:pic>
+          <p:nvPicPr>
+            <p:cNvPr id="48" name="Object 47"/>
+            <p:cNvPicPr>
+              <a:picLocks noChangeAspect="1"/>
+            </p:cNvPicPr>
+            <p:nvPr/>
+          </p:nvPicPr>
+          <p:blipFill>
+            <a:blip r:embed="rId21" cstate="print"/>
+            <a:stretch>
+              <a:fillRect/>
+            </a:stretch>
+          </p:blipFill>
+          <p:spPr>
+            <a:xfrm>
+              <a:off x="2721473" y="4848841"/>
+              <a:ext cx="615981" cy="669455"/>
+            </a:xfrm>
+            <a:prstGeom prst="rect">
+              <a:avLst/>
+            </a:prstGeom>
+          </p:spPr>
+        </p:pic>
+      </p:grpSp>
       <p:pic>
         <p:nvPicPr>
-          <p:cNvPr id="74" name="Object 73"/>
+          <p:cNvPr id="50" name="Object 49"/>
           <p:cNvPicPr>
             <a:picLocks noChangeAspect="1"/>
           </p:cNvPicPr>
           <p:nvPr/>
         </p:nvPicPr>
         <p:blipFill>
-          <a:blip r:embed="rId30" cstate="print"/>
+          <a:blip r:embed="rId22" cstate="print"/>
           <a:stretch>
             <a:fillRect/>
           </a:stretch>
         </p:blipFill>
         <p:spPr>
           <a:xfrm>
-            <a:off x="2706117" y="2836307"/>
-            <a:ext cx="5929581" cy="2781523"/>
+            <a:off x="3714166" y="3635134"/>
+            <a:ext cx="4648242" cy="1315537"/>
           </a:xfrm>
           <a:prstGeom prst="rect">
             <a:avLst/>
           </a:prstGeom>
         </p:spPr>
       </p:pic>
+      <p:grpSp>
+        <p:nvGrpSpPr>
+          <p:cNvPr id="1015" name="그룹 1015"/>
+          <p:cNvGrpSpPr/>
+          <p:nvPr/>
+        </p:nvGrpSpPr>
+        <p:grpSpPr>
+          <a:xfrm>
+            <a:off x="2721473" y="3740433"/>
+            <a:ext cx="615981" cy="669455"/>
+            <a:chOff x="2721473" y="3740433"/>
+            <a:chExt cx="615981" cy="669455"/>
+          </a:xfrm>
+        </p:grpSpPr>
+        <p:pic>
+          <p:nvPicPr>
+            <p:cNvPr id="52" name="Object 51"/>
+            <p:cNvPicPr>
+              <a:picLocks noChangeAspect="1"/>
+            </p:cNvPicPr>
+            <p:nvPr/>
+          </p:nvPicPr>
+          <p:blipFill>
+            <a:blip r:embed="rId23" cstate="print"/>
+            <a:stretch>
+              <a:fillRect/>
+            </a:stretch>
+          </p:blipFill>
+          <p:spPr>
+            <a:xfrm>
+              <a:off x="2721473" y="3740433"/>
+              <a:ext cx="615981" cy="669455"/>
+            </a:xfrm>
+            <a:prstGeom prst="rect">
+              <a:avLst/>
+            </a:prstGeom>
+          </p:spPr>
+        </p:pic>
+      </p:grpSp>
       <p:pic>
         <p:nvPicPr>
-          <p:cNvPr id="75" name="Object 74"/>
+          <p:cNvPr id="54" name="Object 53"/>
           <p:cNvPicPr>
             <a:picLocks noChangeAspect="1"/>
           </p:cNvPicPr>
           <p:nvPr/>
         </p:nvPicPr>
         <p:blipFill>
-          <a:blip r:embed="rId31" cstate="print"/>
+          <a:blip r:embed="rId24" cstate="print"/>
           <a:stretch>
             <a:fillRect/>
           </a:stretch>
         </p:blipFill>
         <p:spPr>
           <a:xfrm>
-            <a:off x="10078099" y="1872633"/>
-            <a:ext cx="3856307" cy="1483897"/>
+            <a:off x="3739566" y="8313261"/>
+            <a:ext cx="8499347" cy="1315537"/>
           </a:xfrm>
           <a:prstGeom prst="rect">
             <a:avLst/>
           </a:prstGeom>
         </p:spPr>
       </p:pic>
-      <p:pic>
-        <p:nvPicPr>
-          <p:cNvPr id="76" name="Object 75"/>
-          <p:cNvPicPr>
-            <a:picLocks noChangeAspect="1"/>
-          </p:cNvPicPr>
-          <p:nvPr/>
-        </p:nvPicPr>
-        <p:blipFill>
-          <a:blip r:embed="rId32" cstate="print"/>
-          <a:stretch>
-            <a:fillRect/>
-          </a:stretch>
-        </p:blipFill>
-        <p:spPr>
-          <a:xfrm>
-            <a:off x="10725698" y="2836307"/>
-            <a:ext cx="6443714" cy="1345362"/>
-          </a:xfrm>
-          <a:prstGeom prst="rect">
-            <a:avLst/>
-          </a:prstGeom>
-        </p:spPr>
-      </p:pic>
-      <p:pic>
-        <p:nvPicPr>
-          <p:cNvPr id="77" name="Object 76"/>
-          <p:cNvPicPr>
-            <a:picLocks noChangeAspect="1"/>
-          </p:cNvPicPr>
-          <p:nvPr/>
-        </p:nvPicPr>
-        <p:blipFill>
-          <a:blip r:embed="rId33" cstate="print"/>
-          <a:stretch>
-            <a:fillRect/>
-          </a:stretch>
-        </p:blipFill>
-        <p:spPr>
-          <a:xfrm>
-            <a:off x="10078099" y="4626747"/>
-            <a:ext cx="4326612" cy="1483897"/>
-          </a:xfrm>
-          <a:prstGeom prst="rect">
-            <a:avLst/>
-          </a:prstGeom>
-        </p:spPr>
-      </p:pic>
-      <p:pic>
-        <p:nvPicPr>
-          <p:cNvPr id="78" name="Object 77"/>
-          <p:cNvPicPr>
-            <a:picLocks noChangeAspect="1"/>
-          </p:cNvPicPr>
-          <p:nvPr/>
-        </p:nvPicPr>
-        <p:blipFill>
-          <a:blip r:embed="rId34" cstate="print"/>
-          <a:stretch>
-            <a:fillRect/>
-          </a:stretch>
-        </p:blipFill>
-        <p:spPr>
-          <a:xfrm>
-            <a:off x="10725698" y="5541069"/>
-            <a:ext cx="6360857" cy="3260238"/>
-          </a:xfrm>
-          <a:prstGeom prst="rect">
-            <a:avLst/>
-          </a:prstGeom>
-        </p:spPr>
-      </p:pic>
-      <p:pic>
-        <p:nvPicPr>
-          <p:cNvPr id="79" name="Object 78"/>
-          <p:cNvPicPr>
-            <a:picLocks noChangeAspect="1"/>
-          </p:cNvPicPr>
-          <p:nvPr/>
-        </p:nvPicPr>
-        <p:blipFill>
-          <a:blip r:embed="rId35" cstate="print"/>
-          <a:stretch>
-            <a:fillRect/>
-          </a:stretch>
-        </p:blipFill>
-        <p:spPr>
-          <a:xfrm>
-            <a:off x="7639125" y="786856"/>
-            <a:ext cx="13607109" cy="423357"/>
-          </a:xfrm>
-          <a:prstGeom prst="rect">
-            <a:avLst/>
-          </a:prstGeom>
-        </p:spPr>
-      </p:pic>
+      <p:grpSp>
+        <p:nvGrpSpPr>
+          <p:cNvPr id="1016" name="그룹 1016"/>
+          <p:cNvGrpSpPr/>
+          <p:nvPr/>
+        </p:nvGrpSpPr>
+        <p:grpSpPr>
+          <a:xfrm>
+            <a:off x="2746870" y="8418554"/>
+            <a:ext cx="615981" cy="669455"/>
+            <a:chOff x="2746870" y="8418554"/>
+            <a:chExt cx="615981" cy="669455"/>
+          </a:xfrm>
+        </p:grpSpPr>
+        <p:pic>
+          <p:nvPicPr>
+            <p:cNvPr id="56" name="Object 55"/>
+            <p:cNvPicPr>
+              <a:picLocks noChangeAspect="1"/>
+            </p:cNvPicPr>
+            <p:nvPr/>
+          </p:nvPicPr>
+          <p:blipFill>
+            <a:blip r:embed="rId25" cstate="print"/>
+            <a:stretch>
+              <a:fillRect/>
+            </a:stretch>
+          </p:blipFill>
+          <p:spPr>
+            <a:xfrm>
+              <a:off x="2746870" y="8418554"/>
+              <a:ext cx="615981" cy="669455"/>
+            </a:xfrm>
+            <a:prstGeom prst="rect">
+              <a:avLst/>
+            </a:prstGeom>
+          </p:spPr>
+        </p:pic>
+      </p:grpSp>
     </p:spTree>
   </p:cSld>
   <p:clrMapOvr>
@@ -8680,6 +9536,279 @@
         </p:nvGrpSpPr>
         <p:grpSpPr>
           <a:xfrm>
+            <a:off x="601451" y="733929"/>
+            <a:ext cx="632310" cy="632310"/>
+            <a:chOff x="601451" y="733929"/>
+            <a:chExt cx="632310" cy="632310"/>
+          </a:xfrm>
+        </p:grpSpPr>
+        <p:pic>
+          <p:nvPicPr>
+            <p:cNvPr id="15" name="Object 14"/>
+            <p:cNvPicPr>
+              <a:picLocks noChangeAspect="1"/>
+            </p:cNvPicPr>
+            <p:nvPr/>
+          </p:nvPicPr>
+          <p:blipFill>
+            <a:blip r:embed="rId8" cstate="print"/>
+            <a:stretch>
+              <a:fillRect/>
+            </a:stretch>
+          </p:blipFill>
+          <p:spPr>
+            <a:xfrm>
+              <a:off x="601451" y="733929"/>
+              <a:ext cx="632310" cy="632310"/>
+            </a:xfrm>
+            <a:prstGeom prst="rect">
+              <a:avLst/>
+            </a:prstGeom>
+          </p:spPr>
+        </p:pic>
+      </p:grpSp>
+      <p:grpSp>
+        <p:nvGrpSpPr>
+          <p:cNvPr id="1005" name="그룹 1005"/>
+          <p:cNvGrpSpPr/>
+          <p:nvPr/>
+        </p:nvGrpSpPr>
+        <p:grpSpPr>
+          <a:xfrm>
+            <a:off x="636525" y="6704919"/>
+            <a:ext cx="584245" cy="584245"/>
+            <a:chOff x="636525" y="6704919"/>
+            <a:chExt cx="584245" cy="584245"/>
+          </a:xfrm>
+        </p:grpSpPr>
+        <p:pic>
+          <p:nvPicPr>
+            <p:cNvPr id="18" name="Object 17"/>
+            <p:cNvPicPr>
+              <a:picLocks noChangeAspect="1"/>
+            </p:cNvPicPr>
+            <p:nvPr/>
+          </p:nvPicPr>
+          <p:blipFill>
+            <a:blip r:embed="rId9" cstate="print"/>
+            <a:stretch>
+              <a:fillRect/>
+            </a:stretch>
+          </p:blipFill>
+          <p:spPr>
+            <a:xfrm>
+              <a:off x="636525" y="6704919"/>
+              <a:ext cx="584245" cy="584245"/>
+            </a:xfrm>
+            <a:prstGeom prst="rect">
+              <a:avLst/>
+            </a:prstGeom>
+          </p:spPr>
+        </p:pic>
+      </p:grpSp>
+      <p:grpSp>
+        <p:nvGrpSpPr>
+          <p:cNvPr id="1006" name="그룹 1006"/>
+          <p:cNvGrpSpPr/>
+          <p:nvPr/>
+        </p:nvGrpSpPr>
+        <p:grpSpPr>
+          <a:xfrm>
+            <a:off x="636525" y="2504143"/>
+            <a:ext cx="584245" cy="584245"/>
+            <a:chOff x="636525" y="2504143"/>
+            <a:chExt cx="584245" cy="584245"/>
+          </a:xfrm>
+        </p:grpSpPr>
+        <p:pic>
+          <p:nvPicPr>
+            <p:cNvPr id="21" name="Object 20"/>
+            <p:cNvPicPr>
+              <a:picLocks noChangeAspect="1"/>
+            </p:cNvPicPr>
+            <p:nvPr/>
+          </p:nvPicPr>
+          <p:blipFill>
+            <a:blip r:embed="rId10" cstate="print"/>
+            <a:stretch>
+              <a:fillRect/>
+            </a:stretch>
+          </p:blipFill>
+          <p:spPr>
+            <a:xfrm>
+              <a:off x="636525" y="2504143"/>
+              <a:ext cx="584245" cy="584245"/>
+            </a:xfrm>
+            <a:prstGeom prst="rect">
+              <a:avLst/>
+            </a:prstGeom>
+          </p:spPr>
+        </p:pic>
+      </p:grpSp>
+      <p:grpSp>
+        <p:nvGrpSpPr>
+          <p:cNvPr id="1007" name="그룹 1007"/>
+          <p:cNvGrpSpPr/>
+          <p:nvPr/>
+        </p:nvGrpSpPr>
+        <p:grpSpPr>
+          <a:xfrm>
+            <a:off x="636525" y="3347298"/>
+            <a:ext cx="584245" cy="584245"/>
+            <a:chOff x="636525" y="3347298"/>
+            <a:chExt cx="584245" cy="584245"/>
+          </a:xfrm>
+        </p:grpSpPr>
+        <p:pic>
+          <p:nvPicPr>
+            <p:cNvPr id="24" name="Object 23"/>
+            <p:cNvPicPr>
+              <a:picLocks noChangeAspect="1"/>
+            </p:cNvPicPr>
+            <p:nvPr/>
+          </p:nvPicPr>
+          <p:blipFill>
+            <a:blip r:embed="rId11" cstate="print"/>
+            <a:stretch>
+              <a:fillRect/>
+            </a:stretch>
+          </p:blipFill>
+          <p:spPr>
+            <a:xfrm>
+              <a:off x="636525" y="3347298"/>
+              <a:ext cx="584245" cy="584245"/>
+            </a:xfrm>
+            <a:prstGeom prst="rect">
+              <a:avLst/>
+            </a:prstGeom>
+          </p:spPr>
+        </p:pic>
+      </p:grpSp>
+      <p:grpSp>
+        <p:nvGrpSpPr>
+          <p:cNvPr id="1008" name="그룹 1008"/>
+          <p:cNvGrpSpPr/>
+          <p:nvPr/>
+        </p:nvGrpSpPr>
+        <p:grpSpPr>
+          <a:xfrm>
+            <a:off x="636525" y="5876761"/>
+            <a:ext cx="584245" cy="584245"/>
+            <a:chOff x="636525" y="5876761"/>
+            <a:chExt cx="584245" cy="584245"/>
+          </a:xfrm>
+        </p:grpSpPr>
+        <p:pic>
+          <p:nvPicPr>
+            <p:cNvPr id="27" name="Object 26"/>
+            <p:cNvPicPr>
+              <a:picLocks noChangeAspect="1"/>
+            </p:cNvPicPr>
+            <p:nvPr/>
+          </p:nvPicPr>
+          <p:blipFill>
+            <a:blip r:embed="rId12" cstate="print"/>
+            <a:stretch>
+              <a:fillRect/>
+            </a:stretch>
+          </p:blipFill>
+          <p:spPr>
+            <a:xfrm>
+              <a:off x="636525" y="5876761"/>
+              <a:ext cx="584245" cy="584245"/>
+            </a:xfrm>
+            <a:prstGeom prst="rect">
+              <a:avLst/>
+            </a:prstGeom>
+          </p:spPr>
+        </p:pic>
+      </p:grpSp>
+      <p:grpSp>
+        <p:nvGrpSpPr>
+          <p:cNvPr id="1009" name="그룹 1009"/>
+          <p:cNvGrpSpPr/>
+          <p:nvPr/>
+        </p:nvGrpSpPr>
+        <p:grpSpPr>
+          <a:xfrm>
+            <a:off x="636525" y="4190452"/>
+            <a:ext cx="584245" cy="584245"/>
+            <a:chOff x="636525" y="4190452"/>
+            <a:chExt cx="584245" cy="584245"/>
+          </a:xfrm>
+        </p:grpSpPr>
+        <p:pic>
+          <p:nvPicPr>
+            <p:cNvPr id="30" name="Object 29"/>
+            <p:cNvPicPr>
+              <a:picLocks noChangeAspect="1"/>
+            </p:cNvPicPr>
+            <p:nvPr/>
+          </p:nvPicPr>
+          <p:blipFill>
+            <a:blip r:embed="rId13" cstate="print"/>
+            <a:stretch>
+              <a:fillRect/>
+            </a:stretch>
+          </p:blipFill>
+          <p:spPr>
+            <a:xfrm>
+              <a:off x="636525" y="4190452"/>
+              <a:ext cx="584245" cy="584245"/>
+            </a:xfrm>
+            <a:prstGeom prst="rect">
+              <a:avLst/>
+            </a:prstGeom>
+          </p:spPr>
+        </p:pic>
+      </p:grpSp>
+      <p:grpSp>
+        <p:nvGrpSpPr>
+          <p:cNvPr id="1010" name="그룹 1010"/>
+          <p:cNvGrpSpPr/>
+          <p:nvPr/>
+        </p:nvGrpSpPr>
+        <p:grpSpPr>
+          <a:xfrm>
+            <a:off x="636525" y="5033607"/>
+            <a:ext cx="584245" cy="584245"/>
+            <a:chOff x="636525" y="5033607"/>
+            <a:chExt cx="584245" cy="584245"/>
+          </a:xfrm>
+        </p:grpSpPr>
+        <p:pic>
+          <p:nvPicPr>
+            <p:cNvPr id="33" name="Object 32"/>
+            <p:cNvPicPr>
+              <a:picLocks noChangeAspect="1"/>
+            </p:cNvPicPr>
+            <p:nvPr/>
+          </p:nvPicPr>
+          <p:blipFill>
+            <a:blip r:embed="rId14" cstate="print"/>
+            <a:stretch>
+              <a:fillRect/>
+            </a:stretch>
+          </p:blipFill>
+          <p:spPr>
+            <a:xfrm>
+              <a:off x="636525" y="5033607"/>
+              <a:ext cx="584245" cy="584245"/>
+            </a:xfrm>
+            <a:prstGeom prst="rect">
+              <a:avLst/>
+            </a:prstGeom>
+          </p:spPr>
+        </p:pic>
+      </p:grpSp>
+      <p:grpSp>
+        <p:nvGrpSpPr>
+          <p:cNvPr id="1011" name="그룹 1011"/>
+          <p:cNvGrpSpPr/>
+          <p:nvPr/>
+        </p:nvGrpSpPr>
+        <p:grpSpPr>
+          <a:xfrm>
             <a:off x="17502078" y="559365"/>
             <a:ext cx="128890" cy="128890"/>
             <a:chOff x="17502078" y="559365"/>
@@ -8688,14 +9817,14 @@
         </p:grpSpPr>
         <p:pic>
           <p:nvPicPr>
-            <p:cNvPr id="15" name="Object 14"/>
-            <p:cNvPicPr>
-              <a:picLocks noChangeAspect="1"/>
-            </p:cNvPicPr>
-            <p:nvPr/>
-          </p:nvPicPr>
-          <p:blipFill>
-            <a:blip r:embed="rId8" cstate="print"/>
+            <p:cNvPr id="36" name="Object 35"/>
+            <p:cNvPicPr>
+              <a:picLocks noChangeAspect="1"/>
+            </p:cNvPicPr>
+            <p:nvPr/>
+          </p:nvPicPr>
+          <p:blipFill>
+            <a:blip r:embed="rId15" cstate="print"/>
             <a:stretch>
               <a:fillRect/>
             </a:stretch>
@@ -8713,7 +9842,7 @@
       </p:grpSp>
       <p:grpSp>
         <p:nvGrpSpPr>
-          <p:cNvPr id="1005" name="그룹 1005"/>
+          <p:cNvPr id="1012" name="그룹 1012"/>
           <p:cNvGrpSpPr/>
           <p:nvPr/>
         </p:nvGrpSpPr>
@@ -8727,14 +9856,14 @@
         </p:grpSpPr>
         <p:pic>
           <p:nvPicPr>
-            <p:cNvPr id="18" name="Object 17"/>
-            <p:cNvPicPr>
-              <a:picLocks noChangeAspect="1"/>
-            </p:cNvPicPr>
-            <p:nvPr/>
-          </p:nvPicPr>
-          <p:blipFill>
-            <a:blip r:embed="rId9" cstate="print"/>
+            <p:cNvPr id="39" name="Object 38"/>
+            <p:cNvPicPr>
+              <a:picLocks noChangeAspect="1"/>
+            </p:cNvPicPr>
+            <p:nvPr/>
+          </p:nvPicPr>
+          <p:blipFill>
+            <a:blip r:embed="rId16" cstate="print"/>
             <a:stretch>
               <a:fillRect/>
             </a:stretch>
@@ -8752,7 +9881,7 @@
       </p:grpSp>
       <p:grpSp>
         <p:nvGrpSpPr>
-          <p:cNvPr id="1006" name="그룹 1006"/>
+          <p:cNvPr id="1013" name="그룹 1013"/>
           <p:cNvGrpSpPr/>
           <p:nvPr/>
         </p:nvGrpSpPr>
@@ -8766,14 +9895,14 @@
         </p:grpSpPr>
         <p:pic>
           <p:nvPicPr>
-            <p:cNvPr id="21" name="Object 20"/>
-            <p:cNvPicPr>
-              <a:picLocks noChangeAspect="1"/>
-            </p:cNvPicPr>
-            <p:nvPr/>
-          </p:nvPicPr>
-          <p:blipFill>
-            <a:blip r:embed="rId10" cstate="print"/>
+            <p:cNvPr id="42" name="Object 41"/>
+            <p:cNvPicPr>
+              <a:picLocks noChangeAspect="1"/>
+            </p:cNvPicPr>
+            <p:nvPr/>
+          </p:nvPicPr>
+          <p:blipFill>
+            <a:blip r:embed="rId17" cstate="print"/>
             <a:stretch>
               <a:fillRect/>
             </a:stretch>
@@ -8791,241 +9920,7 @@
       </p:grpSp>
       <p:grpSp>
         <p:nvGrpSpPr>
-          <p:cNvPr id="1007" name="그룹 1007"/>
-          <p:cNvGrpSpPr/>
-          <p:nvPr/>
-        </p:nvGrpSpPr>
-        <p:grpSpPr>
-          <a:xfrm>
-            <a:off x="636525" y="6704919"/>
-            <a:ext cx="584245" cy="584245"/>
-            <a:chOff x="636525" y="6704919"/>
-            <a:chExt cx="584245" cy="584245"/>
-          </a:xfrm>
-        </p:grpSpPr>
-        <p:pic>
-          <p:nvPicPr>
-            <p:cNvPr id="24" name="Object 23"/>
-            <p:cNvPicPr>
-              <a:picLocks noChangeAspect="1"/>
-            </p:cNvPicPr>
-            <p:nvPr/>
-          </p:nvPicPr>
-          <p:blipFill>
-            <a:blip r:embed="rId11" cstate="print"/>
-            <a:stretch>
-              <a:fillRect/>
-            </a:stretch>
-          </p:blipFill>
-          <p:spPr>
-            <a:xfrm>
-              <a:off x="636525" y="6704919"/>
-              <a:ext cx="584245" cy="584245"/>
-            </a:xfrm>
-            <a:prstGeom prst="rect">
-              <a:avLst/>
-            </a:prstGeom>
-          </p:spPr>
-        </p:pic>
-      </p:grpSp>
-      <p:grpSp>
-        <p:nvGrpSpPr>
-          <p:cNvPr id="1008" name="그룹 1008"/>
-          <p:cNvGrpSpPr/>
-          <p:nvPr/>
-        </p:nvGrpSpPr>
-        <p:grpSpPr>
-          <a:xfrm>
-            <a:off x="636525" y="2504143"/>
-            <a:ext cx="584245" cy="584245"/>
-            <a:chOff x="636525" y="2504143"/>
-            <a:chExt cx="584245" cy="584245"/>
-          </a:xfrm>
-        </p:grpSpPr>
-        <p:pic>
-          <p:nvPicPr>
-            <p:cNvPr id="27" name="Object 26"/>
-            <p:cNvPicPr>
-              <a:picLocks noChangeAspect="1"/>
-            </p:cNvPicPr>
-            <p:nvPr/>
-          </p:nvPicPr>
-          <p:blipFill>
-            <a:blip r:embed="rId12" cstate="print"/>
-            <a:stretch>
-              <a:fillRect/>
-            </a:stretch>
-          </p:blipFill>
-          <p:spPr>
-            <a:xfrm>
-              <a:off x="636525" y="2504143"/>
-              <a:ext cx="584245" cy="584245"/>
-            </a:xfrm>
-            <a:prstGeom prst="rect">
-              <a:avLst/>
-            </a:prstGeom>
-          </p:spPr>
-        </p:pic>
-      </p:grpSp>
-      <p:grpSp>
-        <p:nvGrpSpPr>
-          <p:cNvPr id="1009" name="그룹 1009"/>
-          <p:cNvGrpSpPr/>
-          <p:nvPr/>
-        </p:nvGrpSpPr>
-        <p:grpSpPr>
-          <a:xfrm>
-            <a:off x="636525" y="3347298"/>
-            <a:ext cx="584245" cy="584245"/>
-            <a:chOff x="636525" y="3347298"/>
-            <a:chExt cx="584245" cy="584245"/>
-          </a:xfrm>
-        </p:grpSpPr>
-        <p:pic>
-          <p:nvPicPr>
-            <p:cNvPr id="30" name="Object 29"/>
-            <p:cNvPicPr>
-              <a:picLocks noChangeAspect="1"/>
-            </p:cNvPicPr>
-            <p:nvPr/>
-          </p:nvPicPr>
-          <p:blipFill>
-            <a:blip r:embed="rId13" cstate="print"/>
-            <a:stretch>
-              <a:fillRect/>
-            </a:stretch>
-          </p:blipFill>
-          <p:spPr>
-            <a:xfrm>
-              <a:off x="636525" y="3347298"/>
-              <a:ext cx="584245" cy="584245"/>
-            </a:xfrm>
-            <a:prstGeom prst="rect">
-              <a:avLst/>
-            </a:prstGeom>
-          </p:spPr>
-        </p:pic>
-      </p:grpSp>
-      <p:grpSp>
-        <p:nvGrpSpPr>
-          <p:cNvPr id="1010" name="그룹 1010"/>
-          <p:cNvGrpSpPr/>
-          <p:nvPr/>
-        </p:nvGrpSpPr>
-        <p:grpSpPr>
-          <a:xfrm>
-            <a:off x="636525" y="5876761"/>
-            <a:ext cx="584245" cy="584245"/>
-            <a:chOff x="636525" y="5876761"/>
-            <a:chExt cx="584245" cy="584245"/>
-          </a:xfrm>
-        </p:grpSpPr>
-        <p:pic>
-          <p:nvPicPr>
-            <p:cNvPr id="33" name="Object 32"/>
-            <p:cNvPicPr>
-              <a:picLocks noChangeAspect="1"/>
-            </p:cNvPicPr>
-            <p:nvPr/>
-          </p:nvPicPr>
-          <p:blipFill>
-            <a:blip r:embed="rId14" cstate="print"/>
-            <a:stretch>
-              <a:fillRect/>
-            </a:stretch>
-          </p:blipFill>
-          <p:spPr>
-            <a:xfrm>
-              <a:off x="636525" y="5876761"/>
-              <a:ext cx="584245" cy="584245"/>
-            </a:xfrm>
-            <a:prstGeom prst="rect">
-              <a:avLst/>
-            </a:prstGeom>
-          </p:spPr>
-        </p:pic>
-      </p:grpSp>
-      <p:grpSp>
-        <p:nvGrpSpPr>
-          <p:cNvPr id="1011" name="그룹 1011"/>
-          <p:cNvGrpSpPr/>
-          <p:nvPr/>
-        </p:nvGrpSpPr>
-        <p:grpSpPr>
-          <a:xfrm>
-            <a:off x="636525" y="4190452"/>
-            <a:ext cx="584245" cy="584245"/>
-            <a:chOff x="636525" y="4190452"/>
-            <a:chExt cx="584245" cy="584245"/>
-          </a:xfrm>
-        </p:grpSpPr>
-        <p:pic>
-          <p:nvPicPr>
-            <p:cNvPr id="36" name="Object 35"/>
-            <p:cNvPicPr>
-              <a:picLocks noChangeAspect="1"/>
-            </p:cNvPicPr>
-            <p:nvPr/>
-          </p:nvPicPr>
-          <p:blipFill>
-            <a:blip r:embed="rId15" cstate="print"/>
-            <a:stretch>
-              <a:fillRect/>
-            </a:stretch>
-          </p:blipFill>
-          <p:spPr>
-            <a:xfrm>
-              <a:off x="636525" y="4190452"/>
-              <a:ext cx="584245" cy="584245"/>
-            </a:xfrm>
-            <a:prstGeom prst="rect">
-              <a:avLst/>
-            </a:prstGeom>
-          </p:spPr>
-        </p:pic>
-      </p:grpSp>
-      <p:grpSp>
-        <p:nvGrpSpPr>
-          <p:cNvPr id="1012" name="그룹 1012"/>
-          <p:cNvGrpSpPr/>
-          <p:nvPr/>
-        </p:nvGrpSpPr>
-        <p:grpSpPr>
-          <a:xfrm>
-            <a:off x="636525" y="5033607"/>
-            <a:ext cx="584245" cy="584245"/>
-            <a:chOff x="636525" y="5033607"/>
-            <a:chExt cx="584245" cy="584245"/>
-          </a:xfrm>
-        </p:grpSpPr>
-        <p:pic>
-          <p:nvPicPr>
-            <p:cNvPr id="39" name="Object 38"/>
-            <p:cNvPicPr>
-              <a:picLocks noChangeAspect="1"/>
-            </p:cNvPicPr>
-            <p:nvPr/>
-          </p:nvPicPr>
-          <p:blipFill>
-            <a:blip r:embed="rId16" cstate="print"/>
-            <a:stretch>
-              <a:fillRect/>
-            </a:stretch>
-          </p:blipFill>
-          <p:spPr>
-            <a:xfrm>
-              <a:off x="636525" y="5033607"/>
-              <a:ext cx="584245" cy="584245"/>
-            </a:xfrm>
-            <a:prstGeom prst="rect">
-              <a:avLst/>
-            </a:prstGeom>
-          </p:spPr>
-        </p:pic>
-      </p:grpSp>
-      <p:grpSp>
-        <p:nvGrpSpPr>
-          <p:cNvPr id="1013" name="그룹 1013"/>
+          <p:cNvPr id="1014" name="그룹 1014"/>
           <p:cNvGrpSpPr/>
           <p:nvPr/>
         </p:nvGrpSpPr>
@@ -9039,14 +9934,14 @@
         </p:grpSpPr>
         <p:pic>
           <p:nvPicPr>
-            <p:cNvPr id="42" name="Object 41"/>
-            <p:cNvPicPr>
-              <a:picLocks noChangeAspect="1"/>
-            </p:cNvPicPr>
-            <p:nvPr/>
-          </p:nvPicPr>
-          <p:blipFill>
-            <a:blip r:embed="rId17" cstate="print"/>
+            <p:cNvPr id="45" name="Object 44"/>
+            <p:cNvPicPr>
+              <a:picLocks noChangeAspect="1"/>
+            </p:cNvPicPr>
+            <p:nvPr/>
+          </p:nvPicPr>
+          <p:blipFill>
+            <a:blip r:embed="rId18" cstate="print"/>
             <a:stretch>
               <a:fillRect/>
             </a:stretch>
@@ -9064,7 +9959,7 @@
       </p:grpSp>
       <p:grpSp>
         <p:nvGrpSpPr>
-          <p:cNvPr id="1014" name="그룹 1014"/>
+          <p:cNvPr id="1015" name="그룹 1015"/>
           <p:cNvGrpSpPr/>
           <p:nvPr/>
         </p:nvGrpSpPr>
@@ -9078,14 +9973,14 @@
         </p:grpSpPr>
         <p:pic>
           <p:nvPicPr>
-            <p:cNvPr id="45" name="Object 44"/>
-            <p:cNvPicPr>
-              <a:picLocks noChangeAspect="1"/>
-            </p:cNvPicPr>
-            <p:nvPr/>
-          </p:nvPicPr>
-          <p:blipFill>
-            <a:blip r:embed="rId18" cstate="print"/>
+            <p:cNvPr id="48" name="Object 47"/>
+            <p:cNvPicPr>
+              <a:picLocks noChangeAspect="1"/>
+            </p:cNvPicPr>
+            <p:nvPr/>
+          </p:nvPicPr>
+          <p:blipFill>
+            <a:blip r:embed="rId19" cstate="print"/>
             <a:stretch>
               <a:fillRect/>
             </a:stretch>
@@ -9103,7 +9998,7 @@
       </p:grpSp>
       <p:grpSp>
         <p:nvGrpSpPr>
-          <p:cNvPr id="1015" name="그룹 1015"/>
+          <p:cNvPr id="1016" name="그룹 1016"/>
           <p:cNvGrpSpPr/>
           <p:nvPr/>
         </p:nvGrpSpPr>
@@ -9117,14 +10012,14 @@
         </p:grpSpPr>
         <p:pic>
           <p:nvPicPr>
-            <p:cNvPr id="48" name="Object 47"/>
-            <p:cNvPicPr>
-              <a:picLocks noChangeAspect="1"/>
-            </p:cNvPicPr>
-            <p:nvPr/>
-          </p:nvPicPr>
-          <p:blipFill>
-            <a:blip r:embed="rId19" cstate="print"/>
+            <p:cNvPr id="51" name="Object 50"/>
+            <p:cNvPicPr>
+              <a:picLocks noChangeAspect="1"/>
+            </p:cNvPicPr>
+            <p:nvPr/>
+          </p:nvPicPr>
+          <p:blipFill>
+            <a:blip r:embed="rId20" cstate="print"/>
             <a:stretch>
               <a:fillRect/>
             </a:stretch>
@@ -9142,7 +10037,7 @@
       </p:grpSp>
       <p:grpSp>
         <p:nvGrpSpPr>
-          <p:cNvPr id="1016" name="그룹 1016"/>
+          <p:cNvPr id="1017" name="그룹 1017"/>
           <p:cNvGrpSpPr/>
           <p:nvPr/>
         </p:nvGrpSpPr>
@@ -9156,14 +10051,14 @@
         </p:grpSpPr>
         <p:pic>
           <p:nvPicPr>
-            <p:cNvPr id="51" name="Object 50"/>
-            <p:cNvPicPr>
-              <a:picLocks noChangeAspect="1"/>
-            </p:cNvPicPr>
-            <p:nvPr/>
-          </p:nvPicPr>
-          <p:blipFill>
-            <a:blip r:embed="rId20" cstate="print"/>
+            <p:cNvPr id="54" name="Object 53"/>
+            <p:cNvPicPr>
+              <a:picLocks noChangeAspect="1"/>
+            </p:cNvPicPr>
+            <p:nvPr/>
+          </p:nvPicPr>
+          <p:blipFill>
+            <a:blip r:embed="rId21" cstate="print"/>
             <a:stretch>
               <a:fillRect/>
             </a:stretch>
@@ -9181,7 +10076,7 @@
       </p:grpSp>
       <p:grpSp>
         <p:nvGrpSpPr>
-          <p:cNvPr id="1017" name="그룹 1017"/>
+          <p:cNvPr id="1018" name="그룹 1018"/>
           <p:cNvGrpSpPr/>
           <p:nvPr/>
         </p:nvGrpSpPr>
@@ -9195,14 +10090,14 @@
         </p:grpSpPr>
         <p:pic>
           <p:nvPicPr>
-            <p:cNvPr id="54" name="Object 53"/>
-            <p:cNvPicPr>
-              <a:picLocks noChangeAspect="1"/>
-            </p:cNvPicPr>
-            <p:nvPr/>
-          </p:nvPicPr>
-          <p:blipFill>
-            <a:blip r:embed="rId21" cstate="print"/>
+            <p:cNvPr id="57" name="Object 56"/>
+            <p:cNvPicPr>
+              <a:picLocks noChangeAspect="1"/>
+            </p:cNvPicPr>
+            <p:nvPr/>
+          </p:nvPicPr>
+          <p:blipFill>
+            <a:blip r:embed="rId22" cstate="print"/>
             <a:stretch>
               <a:fillRect/>
             </a:stretch>
@@ -9220,7 +10115,7 @@
       </p:grpSp>
       <p:grpSp>
         <p:nvGrpSpPr>
-          <p:cNvPr id="1018" name="그룹 1018"/>
+          <p:cNvPr id="1019" name="그룹 1019"/>
           <p:cNvGrpSpPr/>
           <p:nvPr/>
         </p:nvGrpSpPr>
@@ -9234,14 +10129,14 @@
         </p:grpSpPr>
         <p:pic>
           <p:nvPicPr>
-            <p:cNvPr id="57" name="Object 56"/>
-            <p:cNvPicPr>
-              <a:picLocks noChangeAspect="1"/>
-            </p:cNvPicPr>
-            <p:nvPr/>
-          </p:nvPicPr>
-          <p:blipFill>
-            <a:blip r:embed="rId22" cstate="print"/>
+            <p:cNvPr id="60" name="Object 59"/>
+            <p:cNvPicPr>
+              <a:picLocks noChangeAspect="1"/>
+            </p:cNvPicPr>
+            <p:nvPr/>
+          </p:nvPicPr>
+          <p:blipFill>
+            <a:blip r:embed="rId23" cstate="print"/>
             <a:stretch>
               <a:fillRect/>
             </a:stretch>
@@ -9259,55 +10154,16 @@
       </p:grpSp>
       <p:grpSp>
         <p:nvGrpSpPr>
-          <p:cNvPr id="1019" name="그룹 1019"/>
-          <p:cNvGrpSpPr/>
-          <p:nvPr/>
-        </p:nvGrpSpPr>
-        <p:grpSpPr>
-          <a:xfrm>
-            <a:off x="601451" y="733929"/>
-            <a:ext cx="632310" cy="632310"/>
-            <a:chOff x="601451" y="733929"/>
-            <a:chExt cx="632310" cy="632310"/>
-          </a:xfrm>
-        </p:grpSpPr>
-        <p:pic>
-          <p:nvPicPr>
-            <p:cNvPr id="60" name="Object 59"/>
-            <p:cNvPicPr>
-              <a:picLocks noChangeAspect="1"/>
-            </p:cNvPicPr>
-            <p:nvPr/>
-          </p:nvPicPr>
-          <p:blipFill>
-            <a:blip r:embed="rId23" cstate="print"/>
-            <a:stretch>
-              <a:fillRect/>
-            </a:stretch>
-          </p:blipFill>
-          <p:spPr>
-            <a:xfrm>
-              <a:off x="601451" y="733929"/>
-              <a:ext cx="632310" cy="632310"/>
-            </a:xfrm>
-            <a:prstGeom prst="rect">
-              <a:avLst/>
-            </a:prstGeom>
-          </p:spPr>
-        </p:pic>
-      </p:grpSp>
-      <p:grpSp>
-        <p:nvGrpSpPr>
           <p:cNvPr id="1020" name="그룹 1020"/>
           <p:cNvGrpSpPr/>
           <p:nvPr/>
         </p:nvGrpSpPr>
         <p:grpSpPr>
           <a:xfrm>
-            <a:off x="1287122" y="2613013"/>
-            <a:ext cx="352332" cy="352332"/>
-            <a:chOff x="1287122" y="2613013"/>
-            <a:chExt cx="352332" cy="352332"/>
+            <a:off x="1840569" y="1767267"/>
+            <a:ext cx="7619048" cy="7556007"/>
+            <a:chOff x="1840569" y="1767267"/>
+            <a:chExt cx="7619048" cy="7556007"/>
           </a:xfrm>
         </p:grpSpPr>
         <p:pic>
@@ -9326,8 +10182,86 @@
           </p:blipFill>
           <p:spPr>
             <a:xfrm>
-              <a:off x="1287122" y="2613013"/>
-              <a:ext cx="352332" cy="352332"/>
+              <a:off x="1840569" y="1767267"/>
+              <a:ext cx="7619048" cy="7556007"/>
+            </a:xfrm>
+            <a:prstGeom prst="rect">
+              <a:avLst/>
+            </a:prstGeom>
+          </p:spPr>
+        </p:pic>
+      </p:grpSp>
+      <p:grpSp>
+        <p:nvGrpSpPr>
+          <p:cNvPr id="1021" name="그룹 1021"/>
+          <p:cNvGrpSpPr/>
+          <p:nvPr/>
+        </p:nvGrpSpPr>
+        <p:grpSpPr>
+          <a:xfrm>
+            <a:off x="9857234" y="1748219"/>
+            <a:ext cx="7619048" cy="2571429"/>
+            <a:chOff x="9857234" y="1748219"/>
+            <a:chExt cx="7619048" cy="2571429"/>
+          </a:xfrm>
+        </p:grpSpPr>
+        <p:pic>
+          <p:nvPicPr>
+            <p:cNvPr id="66" name="Object 65"/>
+            <p:cNvPicPr>
+              <a:picLocks noChangeAspect="1"/>
+            </p:cNvPicPr>
+            <p:nvPr/>
+          </p:nvPicPr>
+          <p:blipFill>
+            <a:blip r:embed="rId25" cstate="print"/>
+            <a:stretch>
+              <a:fillRect/>
+            </a:stretch>
+          </p:blipFill>
+          <p:spPr>
+            <a:xfrm>
+              <a:off x="9857234" y="1748219"/>
+              <a:ext cx="7619048" cy="2571429"/>
+            </a:xfrm>
+            <a:prstGeom prst="rect">
+              <a:avLst/>
+            </a:prstGeom>
+          </p:spPr>
+        </p:pic>
+      </p:grpSp>
+      <p:grpSp>
+        <p:nvGrpSpPr>
+          <p:cNvPr id="1022" name="그룹 1022"/>
+          <p:cNvGrpSpPr/>
+          <p:nvPr/>
+        </p:nvGrpSpPr>
+        <p:grpSpPr>
+          <a:xfrm>
+            <a:off x="9857234" y="4440966"/>
+            <a:ext cx="7619048" cy="4882307"/>
+            <a:chOff x="9857234" y="4440966"/>
+            <a:chExt cx="7619048" cy="4882307"/>
+          </a:xfrm>
+        </p:grpSpPr>
+        <p:pic>
+          <p:nvPicPr>
+            <p:cNvPr id="69" name="Object 68"/>
+            <p:cNvPicPr>
+              <a:picLocks noChangeAspect="1"/>
+            </p:cNvPicPr>
+            <p:nvPr/>
+          </p:nvPicPr>
+          <p:blipFill>
+            <a:blip r:embed="rId26" cstate="print"/>
+            <a:stretch>
+              <a:fillRect/>
+            </a:stretch>
+          </p:blipFill>
+          <p:spPr>
+            <a:xfrm>
+              <a:off x="9857234" y="4440966"/>
+              <a:ext cx="7619048" cy="4882307"/>
             </a:xfrm>
             <a:prstGeom prst="rect">
               <a:avLst/>
@@ -9337,55 +10271,7 @@
       </p:grpSp>
       <p:pic>
         <p:nvPicPr>
-          <p:cNvPr id="65" name="Object 64"/>
-          <p:cNvPicPr>
-            <a:picLocks noChangeAspect="1"/>
-          </p:cNvPicPr>
-          <p:nvPr/>
-        </p:nvPicPr>
-        <p:blipFill>
-          <a:blip r:embed="rId25" cstate="print"/>
-          <a:stretch>
-            <a:fillRect/>
-          </a:stretch>
-        </p:blipFill>
-        <p:spPr>
-          <a:xfrm>
-            <a:off x="484619" y="538162"/>
-            <a:ext cx="1055583" cy="1152888"/>
-          </a:xfrm>
-          <a:prstGeom prst="rect">
-            <a:avLst/>
-          </a:prstGeom>
-        </p:spPr>
-      </p:pic>
-      <p:pic>
-        <p:nvPicPr>
-          <p:cNvPr id="66" name="Object 65"/>
-          <p:cNvPicPr>
-            <a:picLocks noChangeAspect="1"/>
-          </p:cNvPicPr>
-          <p:nvPr/>
-        </p:nvPicPr>
-        <p:blipFill>
-          <a:blip r:embed="rId26" cstate="print"/>
-          <a:stretch>
-            <a:fillRect/>
-          </a:stretch>
-        </p:blipFill>
-        <p:spPr>
-          <a:xfrm>
-            <a:off x="1722899" y="202055"/>
-            <a:ext cx="1858422" cy="1652879"/>
-          </a:xfrm>
-          <a:prstGeom prst="rect">
-            <a:avLst/>
-          </a:prstGeom>
-        </p:spPr>
-      </p:pic>
-      <p:pic>
-        <p:nvPicPr>
-          <p:cNvPr id="67" name="Object 66"/>
+          <p:cNvPr id="71" name="Object 70"/>
           <p:cNvPicPr>
             <a:picLocks noChangeAspect="1"/>
           </p:cNvPicPr>
@@ -9399,8 +10285,8 @@
         </p:blipFill>
         <p:spPr>
           <a:xfrm>
-            <a:off x="1839088" y="1321888"/>
-            <a:ext cx="4450306" cy="722839"/>
+            <a:off x="479017" y="511125"/>
+            <a:ext cx="1055583" cy="1152888"/>
           </a:xfrm>
           <a:prstGeom prst="rect">
             <a:avLst/>
@@ -9409,7 +10295,7 @@
       </p:pic>
       <p:pic>
         <p:nvPicPr>
-          <p:cNvPr id="68" name="Object 67"/>
+          <p:cNvPr id="72" name="Object 71"/>
           <p:cNvPicPr>
             <a:picLocks noChangeAspect="1"/>
           </p:cNvPicPr>
@@ -9423,53 +10309,182 @@
         </p:blipFill>
         <p:spPr>
           <a:xfrm>
-            <a:off x="7639125" y="786856"/>
-            <a:ext cx="13607109" cy="423357"/>
+            <a:off x="1741947" y="429199"/>
+            <a:ext cx="11618803" cy="1520431"/>
           </a:xfrm>
           <a:prstGeom prst="rect">
             <a:avLst/>
           </a:prstGeom>
         </p:spPr>
       </p:pic>
-      <p:grpSp>
-        <p:nvGrpSpPr>
-          <p:cNvPr id="1021" name="그룹 1021"/>
-          <p:cNvGrpSpPr/>
-          <p:nvPr/>
-        </p:nvGrpSpPr>
-        <p:grpSpPr>
-          <a:xfrm>
-            <a:off x="3997184" y="2004552"/>
-            <a:ext cx="10784343" cy="7475511"/>
-            <a:chOff x="3997184" y="2004552"/>
-            <a:chExt cx="10784343" cy="7475511"/>
-          </a:xfrm>
-        </p:grpSpPr>
-        <p:pic>
-          <p:nvPicPr>
-            <p:cNvPr id="70" name="Object 69"/>
-            <p:cNvPicPr>
-              <a:picLocks noChangeAspect="1"/>
-            </p:cNvPicPr>
-            <p:nvPr/>
-          </p:nvPicPr>
-          <p:blipFill>
-            <a:blip r:embed="rId29" cstate="print"/>
-            <a:stretch>
-              <a:fillRect/>
-            </a:stretch>
-          </p:blipFill>
-          <p:spPr>
-            <a:xfrm>
-              <a:off x="3997184" y="2004552"/>
-              <a:ext cx="10784343" cy="7475511"/>
-            </a:xfrm>
-            <a:prstGeom prst="rect">
-              <a:avLst/>
-            </a:prstGeom>
-          </p:spPr>
-        </p:pic>
-      </p:grpSp>
+      <p:pic>
+        <p:nvPicPr>
+          <p:cNvPr id="73" name="Object 72"/>
+          <p:cNvPicPr>
+            <a:picLocks noChangeAspect="1"/>
+          </p:cNvPicPr>
+          <p:nvPr/>
+        </p:nvPicPr>
+        <p:blipFill>
+          <a:blip r:embed="rId29" cstate="print"/>
+          <a:stretch>
+            <a:fillRect/>
+          </a:stretch>
+        </p:blipFill>
+        <p:spPr>
+          <a:xfrm>
+            <a:off x="2058519" y="1877090"/>
+            <a:ext cx="3160773" cy="1483897"/>
+          </a:xfrm>
+          <a:prstGeom prst="rect">
+            <a:avLst/>
+          </a:prstGeom>
+        </p:spPr>
+      </p:pic>
+      <p:pic>
+        <p:nvPicPr>
+          <p:cNvPr id="74" name="Object 73"/>
+          <p:cNvPicPr>
+            <a:picLocks noChangeAspect="1"/>
+          </p:cNvPicPr>
+          <p:nvPr/>
+        </p:nvPicPr>
+        <p:blipFill>
+          <a:blip r:embed="rId30" cstate="print"/>
+          <a:stretch>
+            <a:fillRect/>
+          </a:stretch>
+        </p:blipFill>
+        <p:spPr>
+          <a:xfrm>
+            <a:off x="2706117" y="2836307"/>
+            <a:ext cx="5929581" cy="2781523"/>
+          </a:xfrm>
+          <a:prstGeom prst="rect">
+            <a:avLst/>
+          </a:prstGeom>
+        </p:spPr>
+      </p:pic>
+      <p:pic>
+        <p:nvPicPr>
+          <p:cNvPr id="75" name="Object 74"/>
+          <p:cNvPicPr>
+            <a:picLocks noChangeAspect="1"/>
+          </p:cNvPicPr>
+          <p:nvPr/>
+        </p:nvPicPr>
+        <p:blipFill>
+          <a:blip r:embed="rId31" cstate="print"/>
+          <a:stretch>
+            <a:fillRect/>
+          </a:stretch>
+        </p:blipFill>
+        <p:spPr>
+          <a:xfrm>
+            <a:off x="10078099" y="1872633"/>
+            <a:ext cx="3856307" cy="1483897"/>
+          </a:xfrm>
+          <a:prstGeom prst="rect">
+            <a:avLst/>
+          </a:prstGeom>
+        </p:spPr>
+      </p:pic>
+      <p:pic>
+        <p:nvPicPr>
+          <p:cNvPr id="76" name="Object 75"/>
+          <p:cNvPicPr>
+            <a:picLocks noChangeAspect="1"/>
+          </p:cNvPicPr>
+          <p:nvPr/>
+        </p:nvPicPr>
+        <p:blipFill>
+          <a:blip r:embed="rId32" cstate="print"/>
+          <a:stretch>
+            <a:fillRect/>
+          </a:stretch>
+        </p:blipFill>
+        <p:spPr>
+          <a:xfrm>
+            <a:off x="10725698" y="2836307"/>
+            <a:ext cx="6443714" cy="1345362"/>
+          </a:xfrm>
+          <a:prstGeom prst="rect">
+            <a:avLst/>
+          </a:prstGeom>
+        </p:spPr>
+      </p:pic>
+      <p:pic>
+        <p:nvPicPr>
+          <p:cNvPr id="77" name="Object 76"/>
+          <p:cNvPicPr>
+            <a:picLocks noChangeAspect="1"/>
+          </p:cNvPicPr>
+          <p:nvPr/>
+        </p:nvPicPr>
+        <p:blipFill>
+          <a:blip r:embed="rId33" cstate="print"/>
+          <a:stretch>
+            <a:fillRect/>
+          </a:stretch>
+        </p:blipFill>
+        <p:spPr>
+          <a:xfrm>
+            <a:off x="10078099" y="4626747"/>
+            <a:ext cx="4326612" cy="1483897"/>
+          </a:xfrm>
+          <a:prstGeom prst="rect">
+            <a:avLst/>
+          </a:prstGeom>
+        </p:spPr>
+      </p:pic>
+      <p:pic>
+        <p:nvPicPr>
+          <p:cNvPr id="78" name="Object 77"/>
+          <p:cNvPicPr>
+            <a:picLocks noChangeAspect="1"/>
+          </p:cNvPicPr>
+          <p:nvPr/>
+        </p:nvPicPr>
+        <p:blipFill>
+          <a:blip r:embed="rId34" cstate="print"/>
+          <a:stretch>
+            <a:fillRect/>
+          </a:stretch>
+        </p:blipFill>
+        <p:spPr>
+          <a:xfrm>
+            <a:off x="10725698" y="5541069"/>
+            <a:ext cx="6360857" cy="3260238"/>
+          </a:xfrm>
+          <a:prstGeom prst="rect">
+            <a:avLst/>
+          </a:prstGeom>
+        </p:spPr>
+      </p:pic>
+      <p:pic>
+        <p:nvPicPr>
+          <p:cNvPr id="79" name="Object 78"/>
+          <p:cNvPicPr>
+            <a:picLocks noChangeAspect="1"/>
+          </p:cNvPicPr>
+          <p:nvPr/>
+        </p:nvPicPr>
+        <p:blipFill>
+          <a:blip r:embed="rId35" cstate="print"/>
+          <a:stretch>
+            <a:fillRect/>
+          </a:stretch>
+        </p:blipFill>
+        <p:spPr>
+          <a:xfrm>
+            <a:off x="7639125" y="786856"/>
+            <a:ext cx="13607109" cy="423357"/>
+          </a:xfrm>
+          <a:prstGeom prst="rect">
+            <a:avLst/>
+          </a:prstGeom>
+        </p:spPr>
+      </p:pic>
     </p:spTree>
   </p:cSld>
   <p:clrMapOvr>
@@ -9700,6 +10715,591 @@
         </p:nvGrpSpPr>
         <p:grpSpPr>
           <a:xfrm>
+            <a:off x="17502078" y="559365"/>
+            <a:ext cx="128890" cy="128890"/>
+            <a:chOff x="17502078" y="559365"/>
+            <a:chExt cx="128890" cy="128890"/>
+          </a:xfrm>
+        </p:grpSpPr>
+        <p:pic>
+          <p:nvPicPr>
+            <p:cNvPr id="15" name="Object 14"/>
+            <p:cNvPicPr>
+              <a:picLocks noChangeAspect="1"/>
+            </p:cNvPicPr>
+            <p:nvPr/>
+          </p:nvPicPr>
+          <p:blipFill>
+            <a:blip r:embed="rId8" cstate="print"/>
+            <a:stretch>
+              <a:fillRect/>
+            </a:stretch>
+          </p:blipFill>
+          <p:spPr>
+            <a:xfrm rot="10800000">
+              <a:off x="17502078" y="559365"/>
+              <a:ext cx="128890" cy="128890"/>
+            </a:xfrm>
+            <a:prstGeom prst="rect">
+              <a:avLst/>
+            </a:prstGeom>
+          </p:spPr>
+        </p:pic>
+      </p:grpSp>
+      <p:grpSp>
+        <p:nvGrpSpPr>
+          <p:cNvPr id="1005" name="그룹 1005"/>
+          <p:cNvGrpSpPr/>
+          <p:nvPr/>
+        </p:nvGrpSpPr>
+        <p:grpSpPr>
+          <a:xfrm>
+            <a:off x="17337328" y="559365"/>
+            <a:ext cx="128890" cy="128890"/>
+            <a:chOff x="17337328" y="559365"/>
+            <a:chExt cx="128890" cy="128890"/>
+          </a:xfrm>
+        </p:grpSpPr>
+        <p:pic>
+          <p:nvPicPr>
+            <p:cNvPr id="18" name="Object 17"/>
+            <p:cNvPicPr>
+              <a:picLocks noChangeAspect="1"/>
+            </p:cNvPicPr>
+            <p:nvPr/>
+          </p:nvPicPr>
+          <p:blipFill>
+            <a:blip r:embed="rId9" cstate="print"/>
+            <a:stretch>
+              <a:fillRect/>
+            </a:stretch>
+          </p:blipFill>
+          <p:spPr>
+            <a:xfrm rot="10800000">
+              <a:off x="17337328" y="559365"/>
+              <a:ext cx="128890" cy="128890"/>
+            </a:xfrm>
+            <a:prstGeom prst="rect">
+              <a:avLst/>
+            </a:prstGeom>
+          </p:spPr>
+        </p:pic>
+      </p:grpSp>
+      <p:grpSp>
+        <p:nvGrpSpPr>
+          <p:cNvPr id="1006" name="그룹 1006"/>
+          <p:cNvGrpSpPr/>
+          <p:nvPr/>
+        </p:nvGrpSpPr>
+        <p:grpSpPr>
+          <a:xfrm>
+            <a:off x="17172578" y="559365"/>
+            <a:ext cx="128890" cy="128890"/>
+            <a:chOff x="17172578" y="559365"/>
+            <a:chExt cx="128890" cy="128890"/>
+          </a:xfrm>
+        </p:grpSpPr>
+        <p:pic>
+          <p:nvPicPr>
+            <p:cNvPr id="21" name="Object 20"/>
+            <p:cNvPicPr>
+              <a:picLocks noChangeAspect="1"/>
+            </p:cNvPicPr>
+            <p:nvPr/>
+          </p:nvPicPr>
+          <p:blipFill>
+            <a:blip r:embed="rId10" cstate="print"/>
+            <a:stretch>
+              <a:fillRect/>
+            </a:stretch>
+          </p:blipFill>
+          <p:spPr>
+            <a:xfrm rot="10800000">
+              <a:off x="17172578" y="559365"/>
+              <a:ext cx="128890" cy="128890"/>
+            </a:xfrm>
+            <a:prstGeom prst="rect">
+              <a:avLst/>
+            </a:prstGeom>
+          </p:spPr>
+        </p:pic>
+      </p:grpSp>
+      <p:grpSp>
+        <p:nvGrpSpPr>
+          <p:cNvPr id="1007" name="그룹 1007"/>
+          <p:cNvGrpSpPr/>
+          <p:nvPr/>
+        </p:nvGrpSpPr>
+        <p:grpSpPr>
+          <a:xfrm>
+            <a:off x="636525" y="6704919"/>
+            <a:ext cx="584245" cy="584245"/>
+            <a:chOff x="636525" y="6704919"/>
+            <a:chExt cx="584245" cy="584245"/>
+          </a:xfrm>
+        </p:grpSpPr>
+        <p:pic>
+          <p:nvPicPr>
+            <p:cNvPr id="24" name="Object 23"/>
+            <p:cNvPicPr>
+              <a:picLocks noChangeAspect="1"/>
+            </p:cNvPicPr>
+            <p:nvPr/>
+          </p:nvPicPr>
+          <p:blipFill>
+            <a:blip r:embed="rId11" cstate="print"/>
+            <a:stretch>
+              <a:fillRect/>
+            </a:stretch>
+          </p:blipFill>
+          <p:spPr>
+            <a:xfrm>
+              <a:off x="636525" y="6704919"/>
+              <a:ext cx="584245" cy="584245"/>
+            </a:xfrm>
+            <a:prstGeom prst="rect">
+              <a:avLst/>
+            </a:prstGeom>
+          </p:spPr>
+        </p:pic>
+      </p:grpSp>
+      <p:grpSp>
+        <p:nvGrpSpPr>
+          <p:cNvPr id="1008" name="그룹 1008"/>
+          <p:cNvGrpSpPr/>
+          <p:nvPr/>
+        </p:nvGrpSpPr>
+        <p:grpSpPr>
+          <a:xfrm>
+            <a:off x="636525" y="2504143"/>
+            <a:ext cx="584245" cy="584245"/>
+            <a:chOff x="636525" y="2504143"/>
+            <a:chExt cx="584245" cy="584245"/>
+          </a:xfrm>
+        </p:grpSpPr>
+        <p:pic>
+          <p:nvPicPr>
+            <p:cNvPr id="27" name="Object 26"/>
+            <p:cNvPicPr>
+              <a:picLocks noChangeAspect="1"/>
+            </p:cNvPicPr>
+            <p:nvPr/>
+          </p:nvPicPr>
+          <p:blipFill>
+            <a:blip r:embed="rId12" cstate="print"/>
+            <a:stretch>
+              <a:fillRect/>
+            </a:stretch>
+          </p:blipFill>
+          <p:spPr>
+            <a:xfrm>
+              <a:off x="636525" y="2504143"/>
+              <a:ext cx="584245" cy="584245"/>
+            </a:xfrm>
+            <a:prstGeom prst="rect">
+              <a:avLst/>
+            </a:prstGeom>
+          </p:spPr>
+        </p:pic>
+      </p:grpSp>
+      <p:grpSp>
+        <p:nvGrpSpPr>
+          <p:cNvPr id="1009" name="그룹 1009"/>
+          <p:cNvGrpSpPr/>
+          <p:nvPr/>
+        </p:nvGrpSpPr>
+        <p:grpSpPr>
+          <a:xfrm>
+            <a:off x="636525" y="3347298"/>
+            <a:ext cx="584245" cy="584245"/>
+            <a:chOff x="636525" y="3347298"/>
+            <a:chExt cx="584245" cy="584245"/>
+          </a:xfrm>
+        </p:grpSpPr>
+        <p:pic>
+          <p:nvPicPr>
+            <p:cNvPr id="30" name="Object 29"/>
+            <p:cNvPicPr>
+              <a:picLocks noChangeAspect="1"/>
+            </p:cNvPicPr>
+            <p:nvPr/>
+          </p:nvPicPr>
+          <p:blipFill>
+            <a:blip r:embed="rId13" cstate="print"/>
+            <a:stretch>
+              <a:fillRect/>
+            </a:stretch>
+          </p:blipFill>
+          <p:spPr>
+            <a:xfrm>
+              <a:off x="636525" y="3347298"/>
+              <a:ext cx="584245" cy="584245"/>
+            </a:xfrm>
+            <a:prstGeom prst="rect">
+              <a:avLst/>
+            </a:prstGeom>
+          </p:spPr>
+        </p:pic>
+      </p:grpSp>
+      <p:grpSp>
+        <p:nvGrpSpPr>
+          <p:cNvPr id="1010" name="그룹 1010"/>
+          <p:cNvGrpSpPr/>
+          <p:nvPr/>
+        </p:nvGrpSpPr>
+        <p:grpSpPr>
+          <a:xfrm>
+            <a:off x="636525" y="5876761"/>
+            <a:ext cx="584245" cy="584245"/>
+            <a:chOff x="636525" y="5876761"/>
+            <a:chExt cx="584245" cy="584245"/>
+          </a:xfrm>
+        </p:grpSpPr>
+        <p:pic>
+          <p:nvPicPr>
+            <p:cNvPr id="33" name="Object 32"/>
+            <p:cNvPicPr>
+              <a:picLocks noChangeAspect="1"/>
+            </p:cNvPicPr>
+            <p:nvPr/>
+          </p:nvPicPr>
+          <p:blipFill>
+            <a:blip r:embed="rId14" cstate="print"/>
+            <a:stretch>
+              <a:fillRect/>
+            </a:stretch>
+          </p:blipFill>
+          <p:spPr>
+            <a:xfrm>
+              <a:off x="636525" y="5876761"/>
+              <a:ext cx="584245" cy="584245"/>
+            </a:xfrm>
+            <a:prstGeom prst="rect">
+              <a:avLst/>
+            </a:prstGeom>
+          </p:spPr>
+        </p:pic>
+      </p:grpSp>
+      <p:grpSp>
+        <p:nvGrpSpPr>
+          <p:cNvPr id="1011" name="그룹 1011"/>
+          <p:cNvGrpSpPr/>
+          <p:nvPr/>
+        </p:nvGrpSpPr>
+        <p:grpSpPr>
+          <a:xfrm>
+            <a:off x="636525" y="4190452"/>
+            <a:ext cx="584245" cy="584245"/>
+            <a:chOff x="636525" y="4190452"/>
+            <a:chExt cx="584245" cy="584245"/>
+          </a:xfrm>
+        </p:grpSpPr>
+        <p:pic>
+          <p:nvPicPr>
+            <p:cNvPr id="36" name="Object 35"/>
+            <p:cNvPicPr>
+              <a:picLocks noChangeAspect="1"/>
+            </p:cNvPicPr>
+            <p:nvPr/>
+          </p:nvPicPr>
+          <p:blipFill>
+            <a:blip r:embed="rId15" cstate="print"/>
+            <a:stretch>
+              <a:fillRect/>
+            </a:stretch>
+          </p:blipFill>
+          <p:spPr>
+            <a:xfrm>
+              <a:off x="636525" y="4190452"/>
+              <a:ext cx="584245" cy="584245"/>
+            </a:xfrm>
+            <a:prstGeom prst="rect">
+              <a:avLst/>
+            </a:prstGeom>
+          </p:spPr>
+        </p:pic>
+      </p:grpSp>
+      <p:grpSp>
+        <p:nvGrpSpPr>
+          <p:cNvPr id="1012" name="그룹 1012"/>
+          <p:cNvGrpSpPr/>
+          <p:nvPr/>
+        </p:nvGrpSpPr>
+        <p:grpSpPr>
+          <a:xfrm>
+            <a:off x="636525" y="5033607"/>
+            <a:ext cx="584245" cy="584245"/>
+            <a:chOff x="636525" y="5033607"/>
+            <a:chExt cx="584245" cy="584245"/>
+          </a:xfrm>
+        </p:grpSpPr>
+        <p:pic>
+          <p:nvPicPr>
+            <p:cNvPr id="39" name="Object 38"/>
+            <p:cNvPicPr>
+              <a:picLocks noChangeAspect="1"/>
+            </p:cNvPicPr>
+            <p:nvPr/>
+          </p:nvPicPr>
+          <p:blipFill>
+            <a:blip r:embed="rId16" cstate="print"/>
+            <a:stretch>
+              <a:fillRect/>
+            </a:stretch>
+          </p:blipFill>
+          <p:spPr>
+            <a:xfrm>
+              <a:off x="636525" y="5033607"/>
+              <a:ext cx="584245" cy="584245"/>
+            </a:xfrm>
+            <a:prstGeom prst="rect">
+              <a:avLst/>
+            </a:prstGeom>
+          </p:spPr>
+        </p:pic>
+      </p:grpSp>
+      <p:grpSp>
+        <p:nvGrpSpPr>
+          <p:cNvPr id="1013" name="그룹 1013"/>
+          <p:cNvGrpSpPr/>
+          <p:nvPr/>
+        </p:nvGrpSpPr>
+        <p:grpSpPr>
+          <a:xfrm>
+            <a:off x="690553" y="3393099"/>
+            <a:ext cx="476190" cy="476190"/>
+            <a:chOff x="690553" y="3393099"/>
+            <a:chExt cx="476190" cy="476190"/>
+          </a:xfrm>
+        </p:grpSpPr>
+        <p:pic>
+          <p:nvPicPr>
+            <p:cNvPr id="42" name="Object 41"/>
+            <p:cNvPicPr>
+              <a:picLocks noChangeAspect="1"/>
+            </p:cNvPicPr>
+            <p:nvPr/>
+          </p:nvPicPr>
+          <p:blipFill>
+            <a:blip r:embed="rId17" cstate="print"/>
+            <a:stretch>
+              <a:fillRect/>
+            </a:stretch>
+          </p:blipFill>
+          <p:spPr>
+            <a:xfrm>
+              <a:off x="690553" y="3393099"/>
+              <a:ext cx="476190" cy="476190"/>
+            </a:xfrm>
+            <a:prstGeom prst="rect">
+              <a:avLst/>
+            </a:prstGeom>
+          </p:spPr>
+        </p:pic>
+      </p:grpSp>
+      <p:grpSp>
+        <p:nvGrpSpPr>
+          <p:cNvPr id="1014" name="그룹 1014"/>
+          <p:cNvGrpSpPr/>
+          <p:nvPr/>
+        </p:nvGrpSpPr>
+        <p:grpSpPr>
+          <a:xfrm>
+            <a:off x="690553" y="2553899"/>
+            <a:ext cx="476190" cy="476190"/>
+            <a:chOff x="690553" y="2553899"/>
+            <a:chExt cx="476190" cy="476190"/>
+          </a:xfrm>
+        </p:grpSpPr>
+        <p:pic>
+          <p:nvPicPr>
+            <p:cNvPr id="45" name="Object 44"/>
+            <p:cNvPicPr>
+              <a:picLocks noChangeAspect="1"/>
+            </p:cNvPicPr>
+            <p:nvPr/>
+          </p:nvPicPr>
+          <p:blipFill>
+            <a:blip r:embed="rId18" cstate="print"/>
+            <a:stretch>
+              <a:fillRect/>
+            </a:stretch>
+          </p:blipFill>
+          <p:spPr>
+            <a:xfrm>
+              <a:off x="690553" y="2553899"/>
+              <a:ext cx="476190" cy="476190"/>
+            </a:xfrm>
+            <a:prstGeom prst="rect">
+              <a:avLst/>
+            </a:prstGeom>
+          </p:spPr>
+        </p:pic>
+      </p:grpSp>
+      <p:grpSp>
+        <p:nvGrpSpPr>
+          <p:cNvPr id="1015" name="그룹 1015"/>
+          <p:cNvGrpSpPr/>
+          <p:nvPr/>
+        </p:nvGrpSpPr>
+        <p:grpSpPr>
+          <a:xfrm>
+            <a:off x="690553" y="6760939"/>
+            <a:ext cx="476190" cy="476190"/>
+            <a:chOff x="690553" y="6760939"/>
+            <a:chExt cx="476190" cy="476190"/>
+          </a:xfrm>
+        </p:grpSpPr>
+        <p:pic>
+          <p:nvPicPr>
+            <p:cNvPr id="48" name="Object 47"/>
+            <p:cNvPicPr>
+              <a:picLocks noChangeAspect="1"/>
+            </p:cNvPicPr>
+            <p:nvPr/>
+          </p:nvPicPr>
+          <p:blipFill>
+            <a:blip r:embed="rId19" cstate="print"/>
+            <a:stretch>
+              <a:fillRect/>
+            </a:stretch>
+          </p:blipFill>
+          <p:spPr>
+            <a:xfrm>
+              <a:off x="690553" y="6760939"/>
+              <a:ext cx="476190" cy="476190"/>
+            </a:xfrm>
+            <a:prstGeom prst="rect">
+              <a:avLst/>
+            </a:prstGeom>
+          </p:spPr>
+        </p:pic>
+      </p:grpSp>
+      <p:grpSp>
+        <p:nvGrpSpPr>
+          <p:cNvPr id="1016" name="그룹 1016"/>
+          <p:cNvGrpSpPr/>
+          <p:nvPr/>
+        </p:nvGrpSpPr>
+        <p:grpSpPr>
+          <a:xfrm>
+            <a:off x="690553" y="5910697"/>
+            <a:ext cx="476190" cy="476190"/>
+            <a:chOff x="690553" y="5910697"/>
+            <a:chExt cx="476190" cy="476190"/>
+          </a:xfrm>
+        </p:grpSpPr>
+        <p:pic>
+          <p:nvPicPr>
+            <p:cNvPr id="51" name="Object 50"/>
+            <p:cNvPicPr>
+              <a:picLocks noChangeAspect="1"/>
+            </p:cNvPicPr>
+            <p:nvPr/>
+          </p:nvPicPr>
+          <p:blipFill>
+            <a:blip r:embed="rId20" cstate="print"/>
+            <a:stretch>
+              <a:fillRect/>
+            </a:stretch>
+          </p:blipFill>
+          <p:spPr>
+            <a:xfrm>
+              <a:off x="690553" y="5910697"/>
+              <a:ext cx="476190" cy="476190"/>
+            </a:xfrm>
+            <a:prstGeom prst="rect">
+              <a:avLst/>
+            </a:prstGeom>
+          </p:spPr>
+        </p:pic>
+      </p:grpSp>
+      <p:grpSp>
+        <p:nvGrpSpPr>
+          <p:cNvPr id="1017" name="그룹 1017"/>
+          <p:cNvGrpSpPr/>
+          <p:nvPr/>
+        </p:nvGrpSpPr>
+        <p:grpSpPr>
+          <a:xfrm>
+            <a:off x="690553" y="5082540"/>
+            <a:ext cx="476190" cy="476190"/>
+            <a:chOff x="690553" y="5082540"/>
+            <a:chExt cx="476190" cy="476190"/>
+          </a:xfrm>
+        </p:grpSpPr>
+        <p:pic>
+          <p:nvPicPr>
+            <p:cNvPr id="54" name="Object 53"/>
+            <p:cNvPicPr>
+              <a:picLocks noChangeAspect="1"/>
+            </p:cNvPicPr>
+            <p:nvPr/>
+          </p:nvPicPr>
+          <p:blipFill>
+            <a:blip r:embed="rId21" cstate="print"/>
+            <a:stretch>
+              <a:fillRect/>
+            </a:stretch>
+          </p:blipFill>
+          <p:spPr>
+            <a:xfrm>
+              <a:off x="690553" y="5082540"/>
+              <a:ext cx="476190" cy="476190"/>
+            </a:xfrm>
+            <a:prstGeom prst="rect">
+              <a:avLst/>
+            </a:prstGeom>
+          </p:spPr>
+        </p:pic>
+      </p:grpSp>
+      <p:grpSp>
+        <p:nvGrpSpPr>
+          <p:cNvPr id="1018" name="그룹 1018"/>
+          <p:cNvGrpSpPr/>
+          <p:nvPr/>
+        </p:nvGrpSpPr>
+        <p:grpSpPr>
+          <a:xfrm>
+            <a:off x="690553" y="4232298"/>
+            <a:ext cx="476190" cy="476190"/>
+            <a:chOff x="690553" y="4232298"/>
+            <a:chExt cx="476190" cy="476190"/>
+          </a:xfrm>
+        </p:grpSpPr>
+        <p:pic>
+          <p:nvPicPr>
+            <p:cNvPr id="57" name="Object 56"/>
+            <p:cNvPicPr>
+              <a:picLocks noChangeAspect="1"/>
+            </p:cNvPicPr>
+            <p:nvPr/>
+          </p:nvPicPr>
+          <p:blipFill>
+            <a:blip r:embed="rId22" cstate="print"/>
+            <a:stretch>
+              <a:fillRect/>
+            </a:stretch>
+          </p:blipFill>
+          <p:spPr>
+            <a:xfrm>
+              <a:off x="690553" y="4232298"/>
+              <a:ext cx="476190" cy="476190"/>
+            </a:xfrm>
+            <a:prstGeom prst="rect">
+              <a:avLst/>
+            </a:prstGeom>
+          </p:spPr>
+        </p:pic>
+      </p:grpSp>
+      <p:grpSp>
+        <p:nvGrpSpPr>
+          <p:cNvPr id="1019" name="그룹 1019"/>
+          <p:cNvGrpSpPr/>
+          <p:nvPr/>
+        </p:nvGrpSpPr>
+        <p:grpSpPr>
+          <a:xfrm>
             <a:off x="601451" y="733929"/>
             <a:ext cx="632310" cy="632310"/>
             <a:chOff x="601451" y="733929"/>
@@ -9708,14 +11308,14 @@
         </p:grpSpPr>
         <p:pic>
           <p:nvPicPr>
-            <p:cNvPr id="15" name="Object 14"/>
-            <p:cNvPicPr>
-              <a:picLocks noChangeAspect="1"/>
-            </p:cNvPicPr>
-            <p:nvPr/>
-          </p:nvPicPr>
-          <p:blipFill>
-            <a:blip r:embed="rId8" cstate="print"/>
+            <p:cNvPr id="60" name="Object 59"/>
+            <p:cNvPicPr>
+              <a:picLocks noChangeAspect="1"/>
+            </p:cNvPicPr>
+            <p:nvPr/>
+          </p:nvPicPr>
+          <p:blipFill>
+            <a:blip r:embed="rId23" cstate="print"/>
             <a:stretch>
               <a:fillRect/>
             </a:stretch>
@@ -9733,621 +11333,36 @@
       </p:grpSp>
       <p:grpSp>
         <p:nvGrpSpPr>
-          <p:cNvPr id="1005" name="그룹 1005"/>
-          <p:cNvGrpSpPr/>
-          <p:nvPr/>
-        </p:nvGrpSpPr>
-        <p:grpSpPr>
-          <a:xfrm>
-            <a:off x="636525" y="6704919"/>
-            <a:ext cx="584245" cy="584245"/>
-            <a:chOff x="636525" y="6704919"/>
-            <a:chExt cx="584245" cy="584245"/>
-          </a:xfrm>
-        </p:grpSpPr>
-        <p:pic>
-          <p:nvPicPr>
-            <p:cNvPr id="18" name="Object 17"/>
-            <p:cNvPicPr>
-              <a:picLocks noChangeAspect="1"/>
-            </p:cNvPicPr>
-            <p:nvPr/>
-          </p:nvPicPr>
-          <p:blipFill>
-            <a:blip r:embed="rId9" cstate="print"/>
-            <a:stretch>
-              <a:fillRect/>
-            </a:stretch>
-          </p:blipFill>
-          <p:spPr>
-            <a:xfrm>
-              <a:off x="636525" y="6704919"/>
-              <a:ext cx="584245" cy="584245"/>
-            </a:xfrm>
-            <a:prstGeom prst="rect">
-              <a:avLst/>
-            </a:prstGeom>
-          </p:spPr>
-        </p:pic>
-      </p:grpSp>
-      <p:grpSp>
-        <p:nvGrpSpPr>
-          <p:cNvPr id="1006" name="그룹 1006"/>
-          <p:cNvGrpSpPr/>
-          <p:nvPr/>
-        </p:nvGrpSpPr>
-        <p:grpSpPr>
-          <a:xfrm>
-            <a:off x="636525" y="2504143"/>
-            <a:ext cx="584245" cy="584245"/>
-            <a:chOff x="636525" y="2504143"/>
-            <a:chExt cx="584245" cy="584245"/>
-          </a:xfrm>
-        </p:grpSpPr>
-        <p:pic>
-          <p:nvPicPr>
-            <p:cNvPr id="21" name="Object 20"/>
-            <p:cNvPicPr>
-              <a:picLocks noChangeAspect="1"/>
-            </p:cNvPicPr>
-            <p:nvPr/>
-          </p:nvPicPr>
-          <p:blipFill>
-            <a:blip r:embed="rId10" cstate="print"/>
-            <a:stretch>
-              <a:fillRect/>
-            </a:stretch>
-          </p:blipFill>
-          <p:spPr>
-            <a:xfrm>
-              <a:off x="636525" y="2504143"/>
-              <a:ext cx="584245" cy="584245"/>
-            </a:xfrm>
-            <a:prstGeom prst="rect">
-              <a:avLst/>
-            </a:prstGeom>
-          </p:spPr>
-        </p:pic>
-      </p:grpSp>
-      <p:grpSp>
-        <p:nvGrpSpPr>
-          <p:cNvPr id="1007" name="그룹 1007"/>
-          <p:cNvGrpSpPr/>
-          <p:nvPr/>
-        </p:nvGrpSpPr>
-        <p:grpSpPr>
-          <a:xfrm>
-            <a:off x="636525" y="3347298"/>
-            <a:ext cx="584245" cy="584245"/>
-            <a:chOff x="636525" y="3347298"/>
-            <a:chExt cx="584245" cy="584245"/>
-          </a:xfrm>
-        </p:grpSpPr>
-        <p:pic>
-          <p:nvPicPr>
-            <p:cNvPr id="24" name="Object 23"/>
-            <p:cNvPicPr>
-              <a:picLocks noChangeAspect="1"/>
-            </p:cNvPicPr>
-            <p:nvPr/>
-          </p:nvPicPr>
-          <p:blipFill>
-            <a:blip r:embed="rId11" cstate="print"/>
-            <a:stretch>
-              <a:fillRect/>
-            </a:stretch>
-          </p:blipFill>
-          <p:spPr>
-            <a:xfrm>
-              <a:off x="636525" y="3347298"/>
-              <a:ext cx="584245" cy="584245"/>
-            </a:xfrm>
-            <a:prstGeom prst="rect">
-              <a:avLst/>
-            </a:prstGeom>
-          </p:spPr>
-        </p:pic>
-      </p:grpSp>
-      <p:grpSp>
-        <p:nvGrpSpPr>
-          <p:cNvPr id="1008" name="그룹 1008"/>
-          <p:cNvGrpSpPr/>
-          <p:nvPr/>
-        </p:nvGrpSpPr>
-        <p:grpSpPr>
-          <a:xfrm>
-            <a:off x="636525" y="5876761"/>
-            <a:ext cx="584245" cy="584245"/>
-            <a:chOff x="636525" y="5876761"/>
-            <a:chExt cx="584245" cy="584245"/>
-          </a:xfrm>
-        </p:grpSpPr>
-        <p:pic>
-          <p:nvPicPr>
-            <p:cNvPr id="27" name="Object 26"/>
-            <p:cNvPicPr>
-              <a:picLocks noChangeAspect="1"/>
-            </p:cNvPicPr>
-            <p:nvPr/>
-          </p:nvPicPr>
-          <p:blipFill>
-            <a:blip r:embed="rId12" cstate="print"/>
-            <a:stretch>
-              <a:fillRect/>
-            </a:stretch>
-          </p:blipFill>
-          <p:spPr>
-            <a:xfrm>
-              <a:off x="636525" y="5876761"/>
-              <a:ext cx="584245" cy="584245"/>
-            </a:xfrm>
-            <a:prstGeom prst="rect">
-              <a:avLst/>
-            </a:prstGeom>
-          </p:spPr>
-        </p:pic>
-      </p:grpSp>
-      <p:grpSp>
-        <p:nvGrpSpPr>
-          <p:cNvPr id="1009" name="그룹 1009"/>
-          <p:cNvGrpSpPr/>
-          <p:nvPr/>
-        </p:nvGrpSpPr>
-        <p:grpSpPr>
-          <a:xfrm>
-            <a:off x="636525" y="4190452"/>
-            <a:ext cx="584245" cy="584245"/>
-            <a:chOff x="636525" y="4190452"/>
-            <a:chExt cx="584245" cy="584245"/>
-          </a:xfrm>
-        </p:grpSpPr>
-        <p:pic>
-          <p:nvPicPr>
-            <p:cNvPr id="30" name="Object 29"/>
-            <p:cNvPicPr>
-              <a:picLocks noChangeAspect="1"/>
-            </p:cNvPicPr>
-            <p:nvPr/>
-          </p:nvPicPr>
-          <p:blipFill>
-            <a:blip r:embed="rId13" cstate="print"/>
-            <a:stretch>
-              <a:fillRect/>
-            </a:stretch>
-          </p:blipFill>
-          <p:spPr>
-            <a:xfrm>
-              <a:off x="636525" y="4190452"/>
-              <a:ext cx="584245" cy="584245"/>
-            </a:xfrm>
-            <a:prstGeom prst="rect">
-              <a:avLst/>
-            </a:prstGeom>
-          </p:spPr>
-        </p:pic>
-      </p:grpSp>
-      <p:grpSp>
-        <p:nvGrpSpPr>
-          <p:cNvPr id="1010" name="그룹 1010"/>
-          <p:cNvGrpSpPr/>
-          <p:nvPr/>
-        </p:nvGrpSpPr>
-        <p:grpSpPr>
-          <a:xfrm>
-            <a:off x="636525" y="5033607"/>
-            <a:ext cx="584245" cy="584245"/>
-            <a:chOff x="636525" y="5033607"/>
-            <a:chExt cx="584245" cy="584245"/>
-          </a:xfrm>
-        </p:grpSpPr>
-        <p:pic>
-          <p:nvPicPr>
-            <p:cNvPr id="33" name="Object 32"/>
-            <p:cNvPicPr>
-              <a:picLocks noChangeAspect="1"/>
-            </p:cNvPicPr>
-            <p:nvPr/>
-          </p:nvPicPr>
-          <p:blipFill>
-            <a:blip r:embed="rId14" cstate="print"/>
-            <a:stretch>
-              <a:fillRect/>
-            </a:stretch>
-          </p:blipFill>
-          <p:spPr>
-            <a:xfrm>
-              <a:off x="636525" y="5033607"/>
-              <a:ext cx="584245" cy="584245"/>
-            </a:xfrm>
-            <a:prstGeom prst="rect">
-              <a:avLst/>
-            </a:prstGeom>
-          </p:spPr>
-        </p:pic>
-      </p:grpSp>
-      <p:grpSp>
-        <p:nvGrpSpPr>
-          <p:cNvPr id="1011" name="그룹 1011"/>
-          <p:cNvGrpSpPr/>
-          <p:nvPr/>
-        </p:nvGrpSpPr>
-        <p:grpSpPr>
-          <a:xfrm>
-            <a:off x="690553" y="3393099"/>
-            <a:ext cx="476190" cy="476190"/>
-            <a:chOff x="690553" y="3393099"/>
-            <a:chExt cx="476190" cy="476190"/>
-          </a:xfrm>
-        </p:grpSpPr>
-        <p:pic>
-          <p:nvPicPr>
-            <p:cNvPr id="36" name="Object 35"/>
-            <p:cNvPicPr>
-              <a:picLocks noChangeAspect="1"/>
-            </p:cNvPicPr>
-            <p:nvPr/>
-          </p:nvPicPr>
-          <p:blipFill>
-            <a:blip r:embed="rId15" cstate="print"/>
-            <a:stretch>
-              <a:fillRect/>
-            </a:stretch>
-          </p:blipFill>
-          <p:spPr>
-            <a:xfrm>
-              <a:off x="690553" y="3393099"/>
-              <a:ext cx="476190" cy="476190"/>
-            </a:xfrm>
-            <a:prstGeom prst="rect">
-              <a:avLst/>
-            </a:prstGeom>
-          </p:spPr>
-        </p:pic>
-      </p:grpSp>
-      <p:grpSp>
-        <p:nvGrpSpPr>
-          <p:cNvPr id="1012" name="그룹 1012"/>
-          <p:cNvGrpSpPr/>
-          <p:nvPr/>
-        </p:nvGrpSpPr>
-        <p:grpSpPr>
-          <a:xfrm>
-            <a:off x="690553" y="2553899"/>
-            <a:ext cx="476190" cy="476190"/>
-            <a:chOff x="690553" y="2553899"/>
-            <a:chExt cx="476190" cy="476190"/>
-          </a:xfrm>
-        </p:grpSpPr>
-        <p:pic>
-          <p:nvPicPr>
-            <p:cNvPr id="39" name="Object 38"/>
-            <p:cNvPicPr>
-              <a:picLocks noChangeAspect="1"/>
-            </p:cNvPicPr>
-            <p:nvPr/>
-          </p:nvPicPr>
-          <p:blipFill>
-            <a:blip r:embed="rId16" cstate="print"/>
-            <a:stretch>
-              <a:fillRect/>
-            </a:stretch>
-          </p:blipFill>
-          <p:spPr>
-            <a:xfrm>
-              <a:off x="690553" y="2553899"/>
-              <a:ext cx="476190" cy="476190"/>
-            </a:xfrm>
-            <a:prstGeom prst="rect">
-              <a:avLst/>
-            </a:prstGeom>
-          </p:spPr>
-        </p:pic>
-      </p:grpSp>
-      <p:grpSp>
-        <p:nvGrpSpPr>
-          <p:cNvPr id="1013" name="그룹 1013"/>
-          <p:cNvGrpSpPr/>
-          <p:nvPr/>
-        </p:nvGrpSpPr>
-        <p:grpSpPr>
-          <a:xfrm>
-            <a:off x="690553" y="6760939"/>
-            <a:ext cx="476190" cy="476190"/>
-            <a:chOff x="690553" y="6760939"/>
-            <a:chExt cx="476190" cy="476190"/>
-          </a:xfrm>
-        </p:grpSpPr>
-        <p:pic>
-          <p:nvPicPr>
-            <p:cNvPr id="42" name="Object 41"/>
-            <p:cNvPicPr>
-              <a:picLocks noChangeAspect="1"/>
-            </p:cNvPicPr>
-            <p:nvPr/>
-          </p:nvPicPr>
-          <p:blipFill>
-            <a:blip r:embed="rId17" cstate="print"/>
-            <a:stretch>
-              <a:fillRect/>
-            </a:stretch>
-          </p:blipFill>
-          <p:spPr>
-            <a:xfrm>
-              <a:off x="690553" y="6760939"/>
-              <a:ext cx="476190" cy="476190"/>
-            </a:xfrm>
-            <a:prstGeom prst="rect">
-              <a:avLst/>
-            </a:prstGeom>
-          </p:spPr>
-        </p:pic>
-      </p:grpSp>
-      <p:grpSp>
-        <p:nvGrpSpPr>
-          <p:cNvPr id="1014" name="그룹 1014"/>
-          <p:cNvGrpSpPr/>
-          <p:nvPr/>
-        </p:nvGrpSpPr>
-        <p:grpSpPr>
-          <a:xfrm>
-            <a:off x="690553" y="5910697"/>
-            <a:ext cx="476190" cy="476190"/>
-            <a:chOff x="690553" y="5910697"/>
-            <a:chExt cx="476190" cy="476190"/>
-          </a:xfrm>
-        </p:grpSpPr>
-        <p:pic>
-          <p:nvPicPr>
-            <p:cNvPr id="45" name="Object 44"/>
-            <p:cNvPicPr>
-              <a:picLocks noChangeAspect="1"/>
-            </p:cNvPicPr>
-            <p:nvPr/>
-          </p:nvPicPr>
-          <p:blipFill>
-            <a:blip r:embed="rId18" cstate="print"/>
-            <a:stretch>
-              <a:fillRect/>
-            </a:stretch>
-          </p:blipFill>
-          <p:spPr>
-            <a:xfrm>
-              <a:off x="690553" y="5910697"/>
-              <a:ext cx="476190" cy="476190"/>
-            </a:xfrm>
-            <a:prstGeom prst="rect">
-              <a:avLst/>
-            </a:prstGeom>
-          </p:spPr>
-        </p:pic>
-      </p:grpSp>
-      <p:grpSp>
-        <p:nvGrpSpPr>
-          <p:cNvPr id="1015" name="그룹 1015"/>
-          <p:cNvGrpSpPr/>
-          <p:nvPr/>
-        </p:nvGrpSpPr>
-        <p:grpSpPr>
-          <a:xfrm>
-            <a:off x="690553" y="5082540"/>
-            <a:ext cx="476190" cy="476190"/>
-            <a:chOff x="690553" y="5082540"/>
-            <a:chExt cx="476190" cy="476190"/>
-          </a:xfrm>
-        </p:grpSpPr>
-        <p:pic>
-          <p:nvPicPr>
-            <p:cNvPr id="48" name="Object 47"/>
-            <p:cNvPicPr>
-              <a:picLocks noChangeAspect="1"/>
-            </p:cNvPicPr>
-            <p:nvPr/>
-          </p:nvPicPr>
-          <p:blipFill>
-            <a:blip r:embed="rId19" cstate="print"/>
-            <a:stretch>
-              <a:fillRect/>
-            </a:stretch>
-          </p:blipFill>
-          <p:spPr>
-            <a:xfrm>
-              <a:off x="690553" y="5082540"/>
-              <a:ext cx="476190" cy="476190"/>
-            </a:xfrm>
-            <a:prstGeom prst="rect">
-              <a:avLst/>
-            </a:prstGeom>
-          </p:spPr>
-        </p:pic>
-      </p:grpSp>
-      <p:grpSp>
-        <p:nvGrpSpPr>
-          <p:cNvPr id="1016" name="그룹 1016"/>
-          <p:cNvGrpSpPr/>
-          <p:nvPr/>
-        </p:nvGrpSpPr>
-        <p:grpSpPr>
-          <a:xfrm>
-            <a:off x="690553" y="4232298"/>
-            <a:ext cx="476190" cy="476190"/>
-            <a:chOff x="690553" y="4232298"/>
-            <a:chExt cx="476190" cy="476190"/>
-          </a:xfrm>
-        </p:grpSpPr>
-        <p:pic>
-          <p:nvPicPr>
-            <p:cNvPr id="51" name="Object 50"/>
-            <p:cNvPicPr>
-              <a:picLocks noChangeAspect="1"/>
-            </p:cNvPicPr>
-            <p:nvPr/>
-          </p:nvPicPr>
-          <p:blipFill>
-            <a:blip r:embed="rId20" cstate="print"/>
-            <a:stretch>
-              <a:fillRect/>
-            </a:stretch>
-          </p:blipFill>
-          <p:spPr>
-            <a:xfrm>
-              <a:off x="690553" y="4232298"/>
-              <a:ext cx="476190" cy="476190"/>
-            </a:xfrm>
-            <a:prstGeom prst="rect">
-              <a:avLst/>
-            </a:prstGeom>
-          </p:spPr>
-        </p:pic>
-      </p:grpSp>
-      <p:grpSp>
-        <p:nvGrpSpPr>
-          <p:cNvPr id="1017" name="그룹 1017"/>
-          <p:cNvGrpSpPr/>
-          <p:nvPr/>
-        </p:nvGrpSpPr>
-        <p:grpSpPr>
-          <a:xfrm>
-            <a:off x="1287122" y="3463254"/>
+          <p:cNvPr id="1020" name="그룹 1020"/>
+          <p:cNvGrpSpPr/>
+          <p:nvPr/>
+        </p:nvGrpSpPr>
+        <p:grpSpPr>
+          <a:xfrm>
+            <a:off x="1287122" y="2613013"/>
             <a:ext cx="352332" cy="352332"/>
-            <a:chOff x="1287122" y="3463254"/>
+            <a:chOff x="1287122" y="2613013"/>
             <a:chExt cx="352332" cy="352332"/>
           </a:xfrm>
         </p:grpSpPr>
         <p:pic>
           <p:nvPicPr>
-            <p:cNvPr id="54" name="Object 53"/>
-            <p:cNvPicPr>
-              <a:picLocks noChangeAspect="1"/>
-            </p:cNvPicPr>
-            <p:nvPr/>
-          </p:nvPicPr>
-          <p:blipFill>
-            <a:blip r:embed="rId21" cstate="print"/>
-            <a:stretch>
-              <a:fillRect/>
-            </a:stretch>
-          </p:blipFill>
-          <p:spPr>
-            <a:xfrm>
-              <a:off x="1287122" y="3463254"/>
+            <p:cNvPr id="63" name="Object 62"/>
+            <p:cNvPicPr>
+              <a:picLocks noChangeAspect="1"/>
+            </p:cNvPicPr>
+            <p:nvPr/>
+          </p:nvPicPr>
+          <p:blipFill>
+            <a:blip r:embed="rId24" cstate="print"/>
+            <a:stretch>
+              <a:fillRect/>
+            </a:stretch>
+          </p:blipFill>
+          <p:spPr>
+            <a:xfrm>
+              <a:off x="1287122" y="2613013"/>
               <a:ext cx="352332" cy="352332"/>
-            </a:xfrm>
-            <a:prstGeom prst="rect">
-              <a:avLst/>
-            </a:prstGeom>
-          </p:spPr>
-        </p:pic>
-      </p:grpSp>
-      <p:grpSp>
-        <p:nvGrpSpPr>
-          <p:cNvPr id="1018" name="그룹 1018"/>
-          <p:cNvGrpSpPr/>
-          <p:nvPr/>
-        </p:nvGrpSpPr>
-        <p:grpSpPr>
-          <a:xfrm>
-            <a:off x="17502078" y="559365"/>
-            <a:ext cx="128890" cy="128890"/>
-            <a:chOff x="17502078" y="559365"/>
-            <a:chExt cx="128890" cy="128890"/>
-          </a:xfrm>
-        </p:grpSpPr>
-        <p:pic>
-          <p:nvPicPr>
-            <p:cNvPr id="57" name="Object 56"/>
-            <p:cNvPicPr>
-              <a:picLocks noChangeAspect="1"/>
-            </p:cNvPicPr>
-            <p:nvPr/>
-          </p:nvPicPr>
-          <p:blipFill>
-            <a:blip r:embed="rId22" cstate="print"/>
-            <a:stretch>
-              <a:fillRect/>
-            </a:stretch>
-          </p:blipFill>
-          <p:spPr>
-            <a:xfrm rot="10800000">
-              <a:off x="17502078" y="559365"/>
-              <a:ext cx="128890" cy="128890"/>
-            </a:xfrm>
-            <a:prstGeom prst="rect">
-              <a:avLst/>
-            </a:prstGeom>
-          </p:spPr>
-        </p:pic>
-      </p:grpSp>
-      <p:grpSp>
-        <p:nvGrpSpPr>
-          <p:cNvPr id="1019" name="그룹 1019"/>
-          <p:cNvGrpSpPr/>
-          <p:nvPr/>
-        </p:nvGrpSpPr>
-        <p:grpSpPr>
-          <a:xfrm>
-            <a:off x="17337328" y="559365"/>
-            <a:ext cx="128890" cy="128890"/>
-            <a:chOff x="17337328" y="559365"/>
-            <a:chExt cx="128890" cy="128890"/>
-          </a:xfrm>
-        </p:grpSpPr>
-        <p:pic>
-          <p:nvPicPr>
-            <p:cNvPr id="60" name="Object 59"/>
-            <p:cNvPicPr>
-              <a:picLocks noChangeAspect="1"/>
-            </p:cNvPicPr>
-            <p:nvPr/>
-          </p:nvPicPr>
-          <p:blipFill>
-            <a:blip r:embed="rId23" cstate="print"/>
-            <a:stretch>
-              <a:fillRect/>
-            </a:stretch>
-          </p:blipFill>
-          <p:spPr>
-            <a:xfrm rot="10800000">
-              <a:off x="17337328" y="559365"/>
-              <a:ext cx="128890" cy="128890"/>
-            </a:xfrm>
-            <a:prstGeom prst="rect">
-              <a:avLst/>
-            </a:prstGeom>
-          </p:spPr>
-        </p:pic>
-      </p:grpSp>
-      <p:grpSp>
-        <p:nvGrpSpPr>
-          <p:cNvPr id="1020" name="그룹 1020"/>
-          <p:cNvGrpSpPr/>
-          <p:nvPr/>
-        </p:nvGrpSpPr>
-        <p:grpSpPr>
-          <a:xfrm>
-            <a:off x="17172578" y="559365"/>
-            <a:ext cx="128890" cy="128890"/>
-            <a:chOff x="17172578" y="559365"/>
-            <a:chExt cx="128890" cy="128890"/>
-          </a:xfrm>
-        </p:grpSpPr>
-        <p:pic>
-          <p:nvPicPr>
-            <p:cNvPr id="63" name="Object 62"/>
-            <p:cNvPicPr>
-              <a:picLocks noChangeAspect="1"/>
-            </p:cNvPicPr>
-            <p:nvPr/>
-          </p:nvPicPr>
-          <p:blipFill>
-            <a:blip r:embed="rId24" cstate="print"/>
-            <a:stretch>
-              <a:fillRect/>
-            </a:stretch>
-          </p:blipFill>
-          <p:spPr>
-            <a:xfrm rot="10800000">
-              <a:off x="17172578" y="559365"/>
-              <a:ext cx="128890" cy="128890"/>
             </a:xfrm>
             <a:prstGeom prst="rect">
               <a:avLst/>
@@ -10371,8 +11386,8 @@
         </p:blipFill>
         <p:spPr>
           <a:xfrm>
-            <a:off x="1722899" y="429199"/>
-            <a:ext cx="6772117" cy="1520431"/>
+            <a:off x="484619" y="538162"/>
+            <a:ext cx="1055583" cy="1152888"/>
           </a:xfrm>
           <a:prstGeom prst="rect">
             <a:avLst/>
@@ -10395,8 +11410,8 @@
         </p:blipFill>
         <p:spPr>
           <a:xfrm>
-            <a:off x="258951" y="511125"/>
-            <a:ext cx="1353926" cy="1152888"/>
+            <a:off x="1722899" y="202055"/>
+            <a:ext cx="1858422" cy="1652879"/>
           </a:xfrm>
           <a:prstGeom prst="rect">
             <a:avLst/>
@@ -10419,77 +11434,77 @@
         </p:blipFill>
         <p:spPr>
           <a:xfrm>
-            <a:off x="7639125" y="786856"/>
-            <a:ext cx="13607109" cy="423357"/>
+            <a:off x="1839088" y="1321888"/>
+            <a:ext cx="4450306" cy="722839"/>
           </a:xfrm>
           <a:prstGeom prst="rect">
             <a:avLst/>
           </a:prstGeom>
         </p:spPr>
       </p:pic>
-      <p:grpSp>
-        <p:nvGrpSpPr>
-          <p:cNvPr id="1021" name="그룹 1021"/>
-          <p:cNvGrpSpPr/>
-          <p:nvPr/>
-        </p:nvGrpSpPr>
-        <p:grpSpPr>
-          <a:xfrm>
-            <a:off x="3696516" y="2020900"/>
-            <a:ext cx="11987774" cy="7711723"/>
-            <a:chOff x="3696516" y="2020900"/>
-            <a:chExt cx="11987774" cy="7711723"/>
-          </a:xfrm>
-        </p:grpSpPr>
-        <p:pic>
-          <p:nvPicPr>
-            <p:cNvPr id="69" name="Object 68"/>
-            <p:cNvPicPr>
-              <a:picLocks noChangeAspect="1"/>
-            </p:cNvPicPr>
-            <p:nvPr/>
-          </p:nvPicPr>
-          <p:blipFill>
-            <a:blip r:embed="rId28" cstate="print"/>
-            <a:stretch>
-              <a:fillRect/>
-            </a:stretch>
-          </p:blipFill>
-          <p:spPr>
-            <a:xfrm>
-              <a:off x="3696516" y="2020900"/>
-              <a:ext cx="11987774" cy="7711723"/>
-            </a:xfrm>
-            <a:prstGeom prst="rect">
-              <a:avLst/>
-            </a:prstGeom>
-          </p:spPr>
-        </p:pic>
-      </p:grpSp>
       <p:pic>
         <p:nvPicPr>
-          <p:cNvPr id="71" name="Object 70"/>
+          <p:cNvPr id="68" name="Object 67"/>
           <p:cNvPicPr>
             <a:picLocks noChangeAspect="1"/>
           </p:cNvPicPr>
           <p:nvPr/>
         </p:nvPicPr>
         <p:blipFill>
-          <a:blip r:embed="rId29" cstate="print"/>
+          <a:blip r:embed="rId28" cstate="print"/>
           <a:stretch>
             <a:fillRect/>
           </a:stretch>
         </p:blipFill>
         <p:spPr>
           <a:xfrm>
-            <a:off x="1839088" y="1382920"/>
-            <a:ext cx="3985868" cy="722839"/>
+            <a:off x="7639125" y="786856"/>
+            <a:ext cx="13607109" cy="423357"/>
           </a:xfrm>
           <a:prstGeom prst="rect">
             <a:avLst/>
           </a:prstGeom>
         </p:spPr>
       </p:pic>
+      <p:grpSp>
+        <p:nvGrpSpPr>
+          <p:cNvPr id="1021" name="그룹 1021"/>
+          <p:cNvGrpSpPr/>
+          <p:nvPr/>
+        </p:nvGrpSpPr>
+        <p:grpSpPr>
+          <a:xfrm>
+            <a:off x="3997184" y="2004552"/>
+            <a:ext cx="10784343" cy="7475511"/>
+            <a:chOff x="3997184" y="2004552"/>
+            <a:chExt cx="10784343" cy="7475511"/>
+          </a:xfrm>
+        </p:grpSpPr>
+        <p:pic>
+          <p:nvPicPr>
+            <p:cNvPr id="70" name="Object 69"/>
+            <p:cNvPicPr>
+              <a:picLocks noChangeAspect="1"/>
+            </p:cNvPicPr>
+            <p:nvPr/>
+          </p:nvPicPr>
+          <p:blipFill>
+            <a:blip r:embed="rId29" cstate="print"/>
+            <a:stretch>
+              <a:fillRect/>
+            </a:stretch>
+          </p:blipFill>
+          <p:spPr>
+            <a:xfrm>
+              <a:off x="3997184" y="2004552"/>
+              <a:ext cx="10784343" cy="7475511"/>
+            </a:xfrm>
+            <a:prstGeom prst="rect">
+              <a:avLst/>
+            </a:prstGeom>
+          </p:spPr>
+        </p:pic>
+      </p:grpSp>
     </p:spTree>
   </p:cSld>
   <p:clrMapOvr>
@@ -10759,45 +11774,6 @@
         </p:nvGrpSpPr>
         <p:grpSpPr>
           <a:xfrm>
-            <a:off x="1287122" y="4325090"/>
-            <a:ext cx="352332" cy="352332"/>
-            <a:chOff x="1287122" y="4325090"/>
-            <a:chExt cx="352332" cy="352332"/>
-          </a:xfrm>
-        </p:grpSpPr>
-        <p:pic>
-          <p:nvPicPr>
-            <p:cNvPr id="18" name="Object 17"/>
-            <p:cNvPicPr>
-              <a:picLocks noChangeAspect="1"/>
-            </p:cNvPicPr>
-            <p:nvPr/>
-          </p:nvPicPr>
-          <p:blipFill>
-            <a:blip r:embed="rId9" cstate="print"/>
-            <a:stretch>
-              <a:fillRect/>
-            </a:stretch>
-          </p:blipFill>
-          <p:spPr>
-            <a:xfrm>
-              <a:off x="1287122" y="4325090"/>
-              <a:ext cx="352332" cy="352332"/>
-            </a:xfrm>
-            <a:prstGeom prst="rect">
-              <a:avLst/>
-            </a:prstGeom>
-          </p:spPr>
-        </p:pic>
-      </p:grpSp>
-      <p:grpSp>
-        <p:nvGrpSpPr>
-          <p:cNvPr id="1006" name="그룹 1006"/>
-          <p:cNvGrpSpPr/>
-          <p:nvPr/>
-        </p:nvGrpSpPr>
-        <p:grpSpPr>
-          <a:xfrm>
             <a:off x="636525" y="6704919"/>
             <a:ext cx="584245" cy="584245"/>
             <a:chOff x="636525" y="6704919"/>
@@ -10806,14 +11782,14 @@
         </p:grpSpPr>
         <p:pic>
           <p:nvPicPr>
-            <p:cNvPr id="21" name="Object 20"/>
-            <p:cNvPicPr>
-              <a:picLocks noChangeAspect="1"/>
-            </p:cNvPicPr>
-            <p:nvPr/>
-          </p:nvPicPr>
-          <p:blipFill>
-            <a:blip r:embed="rId10" cstate="print"/>
+            <p:cNvPr id="18" name="Object 17"/>
+            <p:cNvPicPr>
+              <a:picLocks noChangeAspect="1"/>
+            </p:cNvPicPr>
+            <p:nvPr/>
+          </p:nvPicPr>
+          <p:blipFill>
+            <a:blip r:embed="rId9" cstate="print"/>
             <a:stretch>
               <a:fillRect/>
             </a:stretch>
@@ -10831,7 +11807,7 @@
       </p:grpSp>
       <p:grpSp>
         <p:nvGrpSpPr>
-          <p:cNvPr id="1007" name="그룹 1007"/>
+          <p:cNvPr id="1006" name="그룹 1006"/>
           <p:cNvGrpSpPr/>
           <p:nvPr/>
         </p:nvGrpSpPr>
@@ -10845,14 +11821,14 @@
         </p:grpSpPr>
         <p:pic>
           <p:nvPicPr>
-            <p:cNvPr id="24" name="Object 23"/>
-            <p:cNvPicPr>
-              <a:picLocks noChangeAspect="1"/>
-            </p:cNvPicPr>
-            <p:nvPr/>
-          </p:nvPicPr>
-          <p:blipFill>
-            <a:blip r:embed="rId11" cstate="print"/>
+            <p:cNvPr id="21" name="Object 20"/>
+            <p:cNvPicPr>
+              <a:picLocks noChangeAspect="1"/>
+            </p:cNvPicPr>
+            <p:nvPr/>
+          </p:nvPicPr>
+          <p:blipFill>
+            <a:blip r:embed="rId10" cstate="print"/>
             <a:stretch>
               <a:fillRect/>
             </a:stretch>
@@ -10870,7 +11846,7 @@
       </p:grpSp>
       <p:grpSp>
         <p:nvGrpSpPr>
-          <p:cNvPr id="1008" name="그룹 1008"/>
+          <p:cNvPr id="1007" name="그룹 1007"/>
           <p:cNvGrpSpPr/>
           <p:nvPr/>
         </p:nvGrpSpPr>
@@ -10884,14 +11860,14 @@
         </p:grpSpPr>
         <p:pic>
           <p:nvPicPr>
-            <p:cNvPr id="27" name="Object 26"/>
-            <p:cNvPicPr>
-              <a:picLocks noChangeAspect="1"/>
-            </p:cNvPicPr>
-            <p:nvPr/>
-          </p:nvPicPr>
-          <p:blipFill>
-            <a:blip r:embed="rId12" cstate="print"/>
+            <p:cNvPr id="24" name="Object 23"/>
+            <p:cNvPicPr>
+              <a:picLocks noChangeAspect="1"/>
+            </p:cNvPicPr>
+            <p:nvPr/>
+          </p:nvPicPr>
+          <p:blipFill>
+            <a:blip r:embed="rId11" cstate="print"/>
             <a:stretch>
               <a:fillRect/>
             </a:stretch>
@@ -10909,7 +11885,7 @@
       </p:grpSp>
       <p:grpSp>
         <p:nvGrpSpPr>
-          <p:cNvPr id="1009" name="그룹 1009"/>
+          <p:cNvPr id="1008" name="그룹 1008"/>
           <p:cNvGrpSpPr/>
           <p:nvPr/>
         </p:nvGrpSpPr>
@@ -10923,14 +11899,14 @@
         </p:grpSpPr>
         <p:pic>
           <p:nvPicPr>
-            <p:cNvPr id="30" name="Object 29"/>
-            <p:cNvPicPr>
-              <a:picLocks noChangeAspect="1"/>
-            </p:cNvPicPr>
-            <p:nvPr/>
-          </p:nvPicPr>
-          <p:blipFill>
-            <a:blip r:embed="rId13" cstate="print"/>
+            <p:cNvPr id="27" name="Object 26"/>
+            <p:cNvPicPr>
+              <a:picLocks noChangeAspect="1"/>
+            </p:cNvPicPr>
+            <p:nvPr/>
+          </p:nvPicPr>
+          <p:blipFill>
+            <a:blip r:embed="rId12" cstate="print"/>
             <a:stretch>
               <a:fillRect/>
             </a:stretch>
@@ -10948,7 +11924,7 @@
       </p:grpSp>
       <p:grpSp>
         <p:nvGrpSpPr>
-          <p:cNvPr id="1010" name="그룹 1010"/>
+          <p:cNvPr id="1009" name="그룹 1009"/>
           <p:cNvGrpSpPr/>
           <p:nvPr/>
         </p:nvGrpSpPr>
@@ -10962,14 +11938,14 @@
         </p:grpSpPr>
         <p:pic>
           <p:nvPicPr>
-            <p:cNvPr id="33" name="Object 32"/>
-            <p:cNvPicPr>
-              <a:picLocks noChangeAspect="1"/>
-            </p:cNvPicPr>
-            <p:nvPr/>
-          </p:nvPicPr>
-          <p:blipFill>
-            <a:blip r:embed="rId14" cstate="print"/>
+            <p:cNvPr id="30" name="Object 29"/>
+            <p:cNvPicPr>
+              <a:picLocks noChangeAspect="1"/>
+            </p:cNvPicPr>
+            <p:nvPr/>
+          </p:nvPicPr>
+          <p:blipFill>
+            <a:blip r:embed="rId13" cstate="print"/>
             <a:stretch>
               <a:fillRect/>
             </a:stretch>
@@ -10987,7 +11963,7 @@
       </p:grpSp>
       <p:grpSp>
         <p:nvGrpSpPr>
-          <p:cNvPr id="1011" name="그룹 1011"/>
+          <p:cNvPr id="1010" name="그룹 1010"/>
           <p:cNvGrpSpPr/>
           <p:nvPr/>
         </p:nvGrpSpPr>
@@ -11001,14 +11977,14 @@
         </p:grpSpPr>
         <p:pic>
           <p:nvPicPr>
-            <p:cNvPr id="36" name="Object 35"/>
-            <p:cNvPicPr>
-              <a:picLocks noChangeAspect="1"/>
-            </p:cNvPicPr>
-            <p:nvPr/>
-          </p:nvPicPr>
-          <p:blipFill>
-            <a:blip r:embed="rId15" cstate="print"/>
+            <p:cNvPr id="33" name="Object 32"/>
+            <p:cNvPicPr>
+              <a:picLocks noChangeAspect="1"/>
+            </p:cNvPicPr>
+            <p:nvPr/>
+          </p:nvPicPr>
+          <p:blipFill>
+            <a:blip r:embed="rId14" cstate="print"/>
             <a:stretch>
               <a:fillRect/>
             </a:stretch>
@@ -11026,7 +12002,7 @@
       </p:grpSp>
       <p:grpSp>
         <p:nvGrpSpPr>
-          <p:cNvPr id="1012" name="그룹 1012"/>
+          <p:cNvPr id="1011" name="그룹 1011"/>
           <p:cNvGrpSpPr/>
           <p:nvPr/>
         </p:nvGrpSpPr>
@@ -11040,14 +12016,14 @@
         </p:grpSpPr>
         <p:pic>
           <p:nvPicPr>
-            <p:cNvPr id="39" name="Object 38"/>
-            <p:cNvPicPr>
-              <a:picLocks noChangeAspect="1"/>
-            </p:cNvPicPr>
-            <p:nvPr/>
-          </p:nvPicPr>
-          <p:blipFill>
-            <a:blip r:embed="rId16" cstate="print"/>
+            <p:cNvPr id="36" name="Object 35"/>
+            <p:cNvPicPr>
+              <a:picLocks noChangeAspect="1"/>
+            </p:cNvPicPr>
+            <p:nvPr/>
+          </p:nvPicPr>
+          <p:blipFill>
+            <a:blip r:embed="rId15" cstate="print"/>
             <a:stretch>
               <a:fillRect/>
             </a:stretch>
@@ -11065,7 +12041,7 @@
       </p:grpSp>
       <p:grpSp>
         <p:nvGrpSpPr>
-          <p:cNvPr id="1013" name="그룹 1013"/>
+          <p:cNvPr id="1012" name="그룹 1012"/>
           <p:cNvGrpSpPr/>
           <p:nvPr/>
         </p:nvGrpSpPr>
@@ -11079,14 +12055,14 @@
         </p:grpSpPr>
         <p:pic>
           <p:nvPicPr>
-            <p:cNvPr id="42" name="Object 41"/>
-            <p:cNvPicPr>
-              <a:picLocks noChangeAspect="1"/>
-            </p:cNvPicPr>
-            <p:nvPr/>
-          </p:nvPicPr>
-          <p:blipFill>
-            <a:blip r:embed="rId17" cstate="print"/>
+            <p:cNvPr id="39" name="Object 38"/>
+            <p:cNvPicPr>
+              <a:picLocks noChangeAspect="1"/>
+            </p:cNvPicPr>
+            <p:nvPr/>
+          </p:nvPicPr>
+          <p:blipFill>
+            <a:blip r:embed="rId16" cstate="print"/>
             <a:stretch>
               <a:fillRect/>
             </a:stretch>
@@ -11104,7 +12080,7 @@
       </p:grpSp>
       <p:grpSp>
         <p:nvGrpSpPr>
-          <p:cNvPr id="1014" name="그룹 1014"/>
+          <p:cNvPr id="1013" name="그룹 1013"/>
           <p:cNvGrpSpPr/>
           <p:nvPr/>
         </p:nvGrpSpPr>
@@ -11118,14 +12094,14 @@
         </p:grpSpPr>
         <p:pic>
           <p:nvPicPr>
-            <p:cNvPr id="45" name="Object 44"/>
-            <p:cNvPicPr>
-              <a:picLocks noChangeAspect="1"/>
-            </p:cNvPicPr>
-            <p:nvPr/>
-          </p:nvPicPr>
-          <p:blipFill>
-            <a:blip r:embed="rId18" cstate="print"/>
+            <p:cNvPr id="42" name="Object 41"/>
+            <p:cNvPicPr>
+              <a:picLocks noChangeAspect="1"/>
+            </p:cNvPicPr>
+            <p:nvPr/>
+          </p:nvPicPr>
+          <p:blipFill>
+            <a:blip r:embed="rId17" cstate="print"/>
             <a:stretch>
               <a:fillRect/>
             </a:stretch>
@@ -11143,7 +12119,7 @@
       </p:grpSp>
       <p:grpSp>
         <p:nvGrpSpPr>
-          <p:cNvPr id="1015" name="그룹 1015"/>
+          <p:cNvPr id="1014" name="그룹 1014"/>
           <p:cNvGrpSpPr/>
           <p:nvPr/>
         </p:nvGrpSpPr>
@@ -11157,14 +12133,14 @@
         </p:grpSpPr>
         <p:pic>
           <p:nvPicPr>
-            <p:cNvPr id="48" name="Object 47"/>
-            <p:cNvPicPr>
-              <a:picLocks noChangeAspect="1"/>
-            </p:cNvPicPr>
-            <p:nvPr/>
-          </p:nvPicPr>
-          <p:blipFill>
-            <a:blip r:embed="rId19" cstate="print"/>
+            <p:cNvPr id="45" name="Object 44"/>
+            <p:cNvPicPr>
+              <a:picLocks noChangeAspect="1"/>
+            </p:cNvPicPr>
+            <p:nvPr/>
+          </p:nvPicPr>
+          <p:blipFill>
+            <a:blip r:embed="rId18" cstate="print"/>
             <a:stretch>
               <a:fillRect/>
             </a:stretch>
@@ -11182,7 +12158,7 @@
       </p:grpSp>
       <p:grpSp>
         <p:nvGrpSpPr>
-          <p:cNvPr id="1016" name="그룹 1016"/>
+          <p:cNvPr id="1015" name="그룹 1015"/>
           <p:cNvGrpSpPr/>
           <p:nvPr/>
         </p:nvGrpSpPr>
@@ -11196,14 +12172,14 @@
         </p:grpSpPr>
         <p:pic>
           <p:nvPicPr>
-            <p:cNvPr id="51" name="Object 50"/>
-            <p:cNvPicPr>
-              <a:picLocks noChangeAspect="1"/>
-            </p:cNvPicPr>
-            <p:nvPr/>
-          </p:nvPicPr>
-          <p:blipFill>
-            <a:blip r:embed="rId20" cstate="print"/>
+            <p:cNvPr id="48" name="Object 47"/>
+            <p:cNvPicPr>
+              <a:picLocks noChangeAspect="1"/>
+            </p:cNvPicPr>
+            <p:nvPr/>
+          </p:nvPicPr>
+          <p:blipFill>
+            <a:blip r:embed="rId19" cstate="print"/>
             <a:stretch>
               <a:fillRect/>
             </a:stretch>
@@ -11221,7 +12197,7 @@
       </p:grpSp>
       <p:grpSp>
         <p:nvGrpSpPr>
-          <p:cNvPr id="1017" name="그룹 1017"/>
+          <p:cNvPr id="1016" name="그룹 1016"/>
           <p:cNvGrpSpPr/>
           <p:nvPr/>
         </p:nvGrpSpPr>
@@ -11235,14 +12211,14 @@
         </p:grpSpPr>
         <p:pic>
           <p:nvPicPr>
-            <p:cNvPr id="54" name="Object 53"/>
-            <p:cNvPicPr>
-              <a:picLocks noChangeAspect="1"/>
-            </p:cNvPicPr>
-            <p:nvPr/>
-          </p:nvPicPr>
-          <p:blipFill>
-            <a:blip r:embed="rId21" cstate="print"/>
+            <p:cNvPr id="51" name="Object 50"/>
+            <p:cNvPicPr>
+              <a:picLocks noChangeAspect="1"/>
+            </p:cNvPicPr>
+            <p:nvPr/>
+          </p:nvPicPr>
+          <p:blipFill>
+            <a:blip r:embed="rId20" cstate="print"/>
             <a:stretch>
               <a:fillRect/>
             </a:stretch>
@@ -11251,6 +12227,45 @@
             <a:xfrm>
               <a:off x="690553" y="4232298"/>
               <a:ext cx="476190" cy="476190"/>
+            </a:xfrm>
+            <a:prstGeom prst="rect">
+              <a:avLst/>
+            </a:prstGeom>
+          </p:spPr>
+        </p:pic>
+      </p:grpSp>
+      <p:grpSp>
+        <p:nvGrpSpPr>
+          <p:cNvPr id="1017" name="그룹 1017"/>
+          <p:cNvGrpSpPr/>
+          <p:nvPr/>
+        </p:nvGrpSpPr>
+        <p:grpSpPr>
+          <a:xfrm>
+            <a:off x="1287122" y="3463254"/>
+            <a:ext cx="352332" cy="352332"/>
+            <a:chOff x="1287122" y="3463254"/>
+            <a:chExt cx="352332" cy="352332"/>
+          </a:xfrm>
+        </p:grpSpPr>
+        <p:pic>
+          <p:nvPicPr>
+            <p:cNvPr id="54" name="Object 53"/>
+            <p:cNvPicPr>
+              <a:picLocks noChangeAspect="1"/>
+            </p:cNvPicPr>
+            <p:nvPr/>
+          </p:nvPicPr>
+          <p:blipFill>
+            <a:blip r:embed="rId21" cstate="print"/>
+            <a:stretch>
+              <a:fillRect/>
+            </a:stretch>
+          </p:blipFill>
+          <p:spPr>
+            <a:xfrm>
+              <a:off x="1287122" y="3463254"/>
+              <a:ext cx="352332" cy="352332"/>
             </a:xfrm>
             <a:prstGeom prst="rect">
               <a:avLst/>
@@ -11392,7 +12407,7 @@
         <p:spPr>
           <a:xfrm>
             <a:off x="1722899" y="429199"/>
-            <a:ext cx="3780755" cy="1520431"/>
+            <a:ext cx="6772117" cy="1520431"/>
           </a:xfrm>
           <a:prstGeom prst="rect">
             <a:avLst/>
@@ -11415,8 +12430,8 @@
         </p:blipFill>
         <p:spPr>
           <a:xfrm>
-            <a:off x="364132" y="511125"/>
-            <a:ext cx="1255763" cy="1152887"/>
+            <a:off x="258951" y="511125"/>
+            <a:ext cx="1353926" cy="1152888"/>
           </a:xfrm>
           <a:prstGeom prst="rect">
             <a:avLst/>
@@ -11455,10 +12470,10 @@
         </p:nvGrpSpPr>
         <p:grpSpPr>
           <a:xfrm>
-            <a:off x="2074765" y="2111152"/>
-            <a:ext cx="14404097" cy="7075992"/>
-            <a:chOff x="2074765" y="2111152"/>
-            <a:chExt cx="14404097" cy="7075992"/>
+            <a:off x="3696516" y="2020900"/>
+            <a:ext cx="11987774" cy="7711723"/>
+            <a:chOff x="3696516" y="2020900"/>
+            <a:chExt cx="11987774" cy="7711723"/>
           </a:xfrm>
         </p:grpSpPr>
         <p:pic>
@@ -11477,8 +12492,8 @@
           </p:blipFill>
           <p:spPr>
             <a:xfrm>
-              <a:off x="2074765" y="2111152"/>
-              <a:ext cx="14404097" cy="7075992"/>
+              <a:off x="3696516" y="2020900"/>
+              <a:ext cx="11987774" cy="7711723"/>
             </a:xfrm>
             <a:prstGeom prst="rect">
               <a:avLst/>
@@ -11502,8 +12517,8 @@
         </p:blipFill>
         <p:spPr>
           <a:xfrm>
-            <a:off x="1839088" y="1382916"/>
-            <a:ext cx="2934792" cy="722839"/>
+            <a:off x="1839088" y="1382920"/>
+            <a:ext cx="3985868" cy="722839"/>
           </a:xfrm>
           <a:prstGeom prst="rect">
             <a:avLst/>
@@ -12435,8 +13450,8 @@
         </p:blipFill>
         <p:spPr>
           <a:xfrm>
-            <a:off x="498055" y="511125"/>
-            <a:ext cx="1055612" cy="1152888"/>
+            <a:off x="364132" y="511125"/>
+            <a:ext cx="1255763" cy="1152887"/>
           </a:xfrm>
           <a:prstGeom prst="rect">
             <a:avLst/>
@@ -12467,16 +13482,55 @@
           </a:prstGeom>
         </p:spPr>
       </p:pic>
+      <p:grpSp>
+        <p:nvGrpSpPr>
+          <p:cNvPr id="1021" name="그룹 1021"/>
+          <p:cNvGrpSpPr/>
+          <p:nvPr/>
+        </p:nvGrpSpPr>
+        <p:grpSpPr>
+          <a:xfrm>
+            <a:off x="2074765" y="2111152"/>
+            <a:ext cx="14404097" cy="7075992"/>
+            <a:chOff x="2074765" y="2111152"/>
+            <a:chExt cx="14404097" cy="7075992"/>
+          </a:xfrm>
+        </p:grpSpPr>
+        <p:pic>
+          <p:nvPicPr>
+            <p:cNvPr id="69" name="Object 68"/>
+            <p:cNvPicPr>
+              <a:picLocks noChangeAspect="1"/>
+            </p:cNvPicPr>
+            <p:nvPr/>
+          </p:nvPicPr>
+          <p:blipFill>
+            <a:blip r:embed="rId28" cstate="print"/>
+            <a:stretch>
+              <a:fillRect/>
+            </a:stretch>
+          </p:blipFill>
+          <p:spPr>
+            <a:xfrm>
+              <a:off x="2074765" y="2111152"/>
+              <a:ext cx="14404097" cy="7075992"/>
+            </a:xfrm>
+            <a:prstGeom prst="rect">
+              <a:avLst/>
+            </a:prstGeom>
+          </p:spPr>
+        </p:pic>
+      </p:grpSp>
       <p:pic>
         <p:nvPicPr>
-          <p:cNvPr id="68" name="Object 67"/>
+          <p:cNvPr id="71" name="Object 70"/>
           <p:cNvPicPr>
             <a:picLocks noChangeAspect="1"/>
           </p:cNvPicPr>
           <p:nvPr/>
         </p:nvPicPr>
         <p:blipFill>
-          <a:blip r:embed="rId28" cstate="print"/>
+          <a:blip r:embed="rId29" cstate="print"/>
           <a:stretch>
             <a:fillRect/>
           </a:stretch>
@@ -12484,52 +13538,13 @@
         <p:spPr>
           <a:xfrm>
             <a:off x="1839088" y="1382916"/>
-            <a:ext cx="4607011" cy="722839"/>
+            <a:ext cx="2934792" cy="722839"/>
           </a:xfrm>
           <a:prstGeom prst="rect">
             <a:avLst/>
           </a:prstGeom>
         </p:spPr>
       </p:pic>
-      <p:grpSp>
-        <p:nvGrpSpPr>
-          <p:cNvPr id="1021" name="그룹 1021"/>
-          <p:cNvGrpSpPr/>
-          <p:nvPr/>
-        </p:nvGrpSpPr>
-        <p:grpSpPr>
-          <a:xfrm>
-            <a:off x="3166365" y="2357536"/>
-            <a:ext cx="12161366" cy="6993633"/>
-            <a:chOff x="3166365" y="2357536"/>
-            <a:chExt cx="12161366" cy="6993633"/>
-          </a:xfrm>
-        </p:grpSpPr>
-        <p:pic>
-          <p:nvPicPr>
-            <p:cNvPr id="70" name="Object 69"/>
-            <p:cNvPicPr>
-              <a:picLocks noChangeAspect="1"/>
-            </p:cNvPicPr>
-            <p:nvPr/>
-          </p:nvPicPr>
-          <p:blipFill>
-            <a:blip r:embed="rId29" cstate="print"/>
-            <a:stretch>
-              <a:fillRect/>
-            </a:stretch>
-          </p:blipFill>
-          <p:spPr>
-            <a:xfrm>
-              <a:off x="3166365" y="2357536"/>
-              <a:ext cx="12161366" cy="6993633"/>
-            </a:xfrm>
-            <a:prstGeom prst="rect">
-              <a:avLst/>
-            </a:prstGeom>
-          </p:spPr>
-        </p:pic>
-      </p:grpSp>
     </p:spTree>
   </p:cSld>
   <p:clrMapOvr>
@@ -13455,7 +14470,7 @@
         </p:blipFill>
         <p:spPr>
           <a:xfrm>
-            <a:off x="479008" y="511125"/>
+            <a:off x="498055" y="511125"/>
             <a:ext cx="1055612" cy="1152888"/>
           </a:xfrm>
           <a:prstGeom prst="rect">
@@ -13504,7 +14519,7 @@
         <p:spPr>
           <a:xfrm>
             <a:off x="1839088" y="1382916"/>
-            <a:ext cx="3501582" cy="722839"/>
+            <a:ext cx="4607011" cy="722839"/>
           </a:xfrm>
           <a:prstGeom prst="rect">
             <a:avLst/>
@@ -13519,10 +14534,10 @@
         </p:nvGrpSpPr>
         <p:grpSpPr>
           <a:xfrm>
-            <a:off x="3069595" y="2023790"/>
-            <a:ext cx="12146525" cy="7188123"/>
-            <a:chOff x="3069595" y="2023790"/>
-            <a:chExt cx="12146525" cy="7188123"/>
+            <a:off x="3166365" y="2357536"/>
+            <a:ext cx="12161366" cy="6993633"/>
+            <a:chOff x="3166365" y="2357536"/>
+            <a:chExt cx="12161366" cy="6993633"/>
           </a:xfrm>
         </p:grpSpPr>
         <p:pic>
@@ -13541,8 +14556,8 @@
           </p:blipFill>
           <p:spPr>
             <a:xfrm>
-              <a:off x="3069595" y="2023790"/>
-              <a:ext cx="12146525" cy="7188123"/>
+              <a:off x="3166365" y="2357536"/>
+              <a:ext cx="12161366" cy="6993633"/>
             </a:xfrm>
             <a:prstGeom prst="rect">
               <a:avLst/>
@@ -13819,9 +14834,9 @@
         </p:nvGrpSpPr>
         <p:grpSpPr>
           <a:xfrm>
-            <a:off x="1287122" y="5164289"/>
+            <a:off x="1287122" y="4325090"/>
             <a:ext cx="352332" cy="352332"/>
-            <a:chOff x="1287122" y="5164289"/>
+            <a:chOff x="1287122" y="4325090"/>
             <a:chExt cx="352332" cy="352332"/>
           </a:xfrm>
         </p:grpSpPr>
@@ -13841,7 +14856,7 @@
           </p:blipFill>
           <p:spPr>
             <a:xfrm>
-              <a:off x="1287122" y="5164289"/>
+              <a:off x="1287122" y="4325090"/>
               <a:ext cx="352332" cy="352332"/>
             </a:xfrm>
             <a:prstGeom prst="rect">
@@ -14248,6 +15263,45 @@
         </p:nvGrpSpPr>
         <p:grpSpPr>
           <a:xfrm>
+            <a:off x="690553" y="5082540"/>
+            <a:ext cx="476190" cy="476190"/>
+            <a:chOff x="690553" y="5082540"/>
+            <a:chExt cx="476190" cy="476190"/>
+          </a:xfrm>
+        </p:grpSpPr>
+        <p:pic>
+          <p:nvPicPr>
+            <p:cNvPr id="51" name="Object 50"/>
+            <p:cNvPicPr>
+              <a:picLocks noChangeAspect="1"/>
+            </p:cNvPicPr>
+            <p:nvPr/>
+          </p:nvPicPr>
+          <p:blipFill>
+            <a:blip r:embed="rId20" cstate="print"/>
+            <a:stretch>
+              <a:fillRect/>
+            </a:stretch>
+          </p:blipFill>
+          <p:spPr>
+            <a:xfrm>
+              <a:off x="690553" y="5082540"/>
+              <a:ext cx="476190" cy="476190"/>
+            </a:xfrm>
+            <a:prstGeom prst="rect">
+              <a:avLst/>
+            </a:prstGeom>
+          </p:spPr>
+        </p:pic>
+      </p:grpSp>
+      <p:grpSp>
+        <p:nvGrpSpPr>
+          <p:cNvPr id="1017" name="그룹 1017"/>
+          <p:cNvGrpSpPr/>
+          <p:nvPr/>
+        </p:nvGrpSpPr>
+        <p:grpSpPr>
+          <a:xfrm>
             <a:off x="690553" y="4232298"/>
             <a:ext cx="476190" cy="476190"/>
             <a:chOff x="690553" y="4232298"/>
@@ -14256,14 +15310,14 @@
         </p:grpSpPr>
         <p:pic>
           <p:nvPicPr>
-            <p:cNvPr id="51" name="Object 50"/>
-            <p:cNvPicPr>
-              <a:picLocks noChangeAspect="1"/>
-            </p:cNvPicPr>
-            <p:nvPr/>
-          </p:nvPicPr>
-          <p:blipFill>
-            <a:blip r:embed="rId20" cstate="print"/>
+            <p:cNvPr id="54" name="Object 53"/>
+            <p:cNvPicPr>
+              <a:picLocks noChangeAspect="1"/>
+            </p:cNvPicPr>
+            <p:nvPr/>
+          </p:nvPicPr>
+          <p:blipFill>
+            <a:blip r:embed="rId21" cstate="print"/>
             <a:stretch>
               <a:fillRect/>
             </a:stretch>
@@ -14271,45 +15325,6 @@
           <p:spPr>
             <a:xfrm>
               <a:off x="690553" y="4232298"/>
-              <a:ext cx="476190" cy="476190"/>
-            </a:xfrm>
-            <a:prstGeom prst="rect">
-              <a:avLst/>
-            </a:prstGeom>
-          </p:spPr>
-        </p:pic>
-      </p:grpSp>
-      <p:grpSp>
-        <p:nvGrpSpPr>
-          <p:cNvPr id="1017" name="그룹 1017"/>
-          <p:cNvGrpSpPr/>
-          <p:nvPr/>
-        </p:nvGrpSpPr>
-        <p:grpSpPr>
-          <a:xfrm>
-            <a:off x="690553" y="5082540"/>
-            <a:ext cx="476190" cy="476190"/>
-            <a:chOff x="690553" y="5082540"/>
-            <a:chExt cx="476190" cy="476190"/>
-          </a:xfrm>
-        </p:grpSpPr>
-        <p:pic>
-          <p:nvPicPr>
-            <p:cNvPr id="54" name="Object 53"/>
-            <p:cNvPicPr>
-              <a:picLocks noChangeAspect="1"/>
-            </p:cNvPicPr>
-            <p:nvPr/>
-          </p:nvPicPr>
-          <p:blipFill>
-            <a:blip r:embed="rId21" cstate="print"/>
-            <a:stretch>
-              <a:fillRect/>
-            </a:stretch>
-          </p:blipFill>
-          <p:spPr>
-            <a:xfrm>
-              <a:off x="690553" y="5082540"/>
               <a:ext cx="476190" cy="476190"/>
             </a:xfrm>
             <a:prstGeom prst="rect">
@@ -14451,8 +15466,8 @@
         </p:blipFill>
         <p:spPr>
           <a:xfrm>
-            <a:off x="486855" y="511125"/>
-            <a:ext cx="1089212" cy="1152888"/>
+            <a:off x="1722899" y="429199"/>
+            <a:ext cx="3780755" cy="1520431"/>
           </a:xfrm>
           <a:prstGeom prst="rect">
             <a:avLst/>
@@ -14475,8 +15490,8 @@
         </p:blipFill>
         <p:spPr>
           <a:xfrm>
-            <a:off x="1741947" y="429199"/>
-            <a:ext cx="3282946" cy="1520431"/>
+            <a:off x="479008" y="511125"/>
+            <a:ext cx="1055612" cy="1152888"/>
           </a:xfrm>
           <a:prstGeom prst="rect">
             <a:avLst/>
@@ -14507,6 +15522,30 @@
           </a:prstGeom>
         </p:spPr>
       </p:pic>
+      <p:pic>
+        <p:nvPicPr>
+          <p:cNvPr id="68" name="Object 67"/>
+          <p:cNvPicPr>
+            <a:picLocks noChangeAspect="1"/>
+          </p:cNvPicPr>
+          <p:nvPr/>
+        </p:nvPicPr>
+        <p:blipFill>
+          <a:blip r:embed="rId28" cstate="print"/>
+          <a:stretch>
+            <a:fillRect/>
+          </a:stretch>
+        </p:blipFill>
+        <p:spPr>
+          <a:xfrm>
+            <a:off x="1839088" y="1382916"/>
+            <a:ext cx="3501582" cy="722839"/>
+          </a:xfrm>
+          <a:prstGeom prst="rect">
+            <a:avLst/>
+          </a:prstGeom>
+        </p:spPr>
+      </p:pic>
       <p:grpSp>
         <p:nvGrpSpPr>
           <p:cNvPr id="1021" name="그룹 1021"/>
@@ -14515,30 +15554,30 @@
         </p:nvGrpSpPr>
         <p:grpSpPr>
           <a:xfrm>
-            <a:off x="2839487" y="1899689"/>
-            <a:ext cx="13557343" cy="7233864"/>
-            <a:chOff x="2839487" y="1899689"/>
-            <a:chExt cx="13557343" cy="7233864"/>
-          </a:xfrm>
-        </p:grpSpPr>
-        <p:pic>
-          <p:nvPicPr>
-            <p:cNvPr id="69" name="Object 68"/>
-            <p:cNvPicPr>
-              <a:picLocks noChangeAspect="1"/>
-            </p:cNvPicPr>
-            <p:nvPr/>
-          </p:nvPicPr>
-          <p:blipFill>
-            <a:blip r:embed="rId28" cstate="print"/>
-            <a:stretch>
-              <a:fillRect/>
-            </a:stretch>
-          </p:blipFill>
-          <p:spPr>
-            <a:xfrm>
-              <a:off x="2839487" y="1899689"/>
-              <a:ext cx="13557343" cy="7233864"/>
+            <a:off x="3069595" y="2023790"/>
+            <a:ext cx="12146525" cy="7188123"/>
+            <a:chOff x="3069595" y="2023790"/>
+            <a:chExt cx="12146525" cy="7188123"/>
+          </a:xfrm>
+        </p:grpSpPr>
+        <p:pic>
+          <p:nvPicPr>
+            <p:cNvPr id="70" name="Object 69"/>
+            <p:cNvPicPr>
+              <a:picLocks noChangeAspect="1"/>
+            </p:cNvPicPr>
+            <p:nvPr/>
+          </p:nvPicPr>
+          <p:blipFill>
+            <a:blip r:embed="rId29" cstate="print"/>
+            <a:stretch>
+              <a:fillRect/>
+            </a:stretch>
+          </p:blipFill>
+          <p:spPr>
+            <a:xfrm>
+              <a:off x="3069595" y="2023790"/>
+              <a:ext cx="12146525" cy="7188123"/>
             </a:xfrm>
             <a:prstGeom prst="rect">
               <a:avLst/>
@@ -14815,9 +15854,9 @@
         </p:nvGrpSpPr>
         <p:grpSpPr>
           <a:xfrm>
-            <a:off x="1287122" y="5981405"/>
+            <a:off x="1287122" y="5164289"/>
             <a:ext cx="352332" cy="352332"/>
-            <a:chOff x="1287122" y="5981405"/>
+            <a:chOff x="1287122" y="5164289"/>
             <a:chExt cx="352332" cy="352332"/>
           </a:xfrm>
         </p:grpSpPr>
@@ -14837,7 +15876,7 @@
           </p:blipFill>
           <p:spPr>
             <a:xfrm>
-              <a:off x="1287122" y="5981405"/>
+              <a:off x="1287122" y="5164289"/>
               <a:ext cx="352332" cy="352332"/>
             </a:xfrm>
             <a:prstGeom prst="rect">
@@ -15244,6 +16283,45 @@
         </p:nvGrpSpPr>
         <p:grpSpPr>
           <a:xfrm>
+            <a:off x="690553" y="4232298"/>
+            <a:ext cx="476190" cy="476190"/>
+            <a:chOff x="690553" y="4232298"/>
+            <a:chExt cx="476190" cy="476190"/>
+          </a:xfrm>
+        </p:grpSpPr>
+        <p:pic>
+          <p:nvPicPr>
+            <p:cNvPr id="51" name="Object 50"/>
+            <p:cNvPicPr>
+              <a:picLocks noChangeAspect="1"/>
+            </p:cNvPicPr>
+            <p:nvPr/>
+          </p:nvPicPr>
+          <p:blipFill>
+            <a:blip r:embed="rId20" cstate="print"/>
+            <a:stretch>
+              <a:fillRect/>
+            </a:stretch>
+          </p:blipFill>
+          <p:spPr>
+            <a:xfrm>
+              <a:off x="690553" y="4232298"/>
+              <a:ext cx="476190" cy="476190"/>
+            </a:xfrm>
+            <a:prstGeom prst="rect">
+              <a:avLst/>
+            </a:prstGeom>
+          </p:spPr>
+        </p:pic>
+      </p:grpSp>
+      <p:grpSp>
+        <p:nvGrpSpPr>
+          <p:cNvPr id="1017" name="그룹 1017"/>
+          <p:cNvGrpSpPr/>
+          <p:nvPr/>
+        </p:nvGrpSpPr>
+        <p:grpSpPr>
+          <a:xfrm>
             <a:off x="690553" y="5082540"/>
             <a:ext cx="476190" cy="476190"/>
             <a:chOff x="690553" y="5082540"/>
@@ -15252,14 +16330,14 @@
         </p:grpSpPr>
         <p:pic>
           <p:nvPicPr>
-            <p:cNvPr id="51" name="Object 50"/>
-            <p:cNvPicPr>
-              <a:picLocks noChangeAspect="1"/>
-            </p:cNvPicPr>
-            <p:nvPr/>
-          </p:nvPicPr>
-          <p:blipFill>
-            <a:blip r:embed="rId20" cstate="print"/>
+            <p:cNvPr id="54" name="Object 53"/>
+            <p:cNvPicPr>
+              <a:picLocks noChangeAspect="1"/>
+            </p:cNvPicPr>
+            <p:nvPr/>
+          </p:nvPicPr>
+          <p:blipFill>
+            <a:blip r:embed="rId21" cstate="print"/>
             <a:stretch>
               <a:fillRect/>
             </a:stretch>
@@ -15277,124 +16355,7 @@
       </p:grpSp>
       <p:grpSp>
         <p:nvGrpSpPr>
-          <p:cNvPr id="1017" name="그룹 1017"/>
-          <p:cNvGrpSpPr/>
-          <p:nvPr/>
-        </p:nvGrpSpPr>
-        <p:grpSpPr>
-          <a:xfrm>
-            <a:off x="690553" y="4232298"/>
-            <a:ext cx="476190" cy="476190"/>
-            <a:chOff x="690553" y="4232298"/>
-            <a:chExt cx="476190" cy="476190"/>
-          </a:xfrm>
-        </p:grpSpPr>
-        <p:pic>
-          <p:nvPicPr>
-            <p:cNvPr id="54" name="Object 53"/>
-            <p:cNvPicPr>
-              <a:picLocks noChangeAspect="1"/>
-            </p:cNvPicPr>
-            <p:nvPr/>
-          </p:nvPicPr>
-          <p:blipFill>
-            <a:blip r:embed="rId21" cstate="print"/>
-            <a:stretch>
-              <a:fillRect/>
-            </a:stretch>
-          </p:blipFill>
-          <p:spPr>
-            <a:xfrm>
-              <a:off x="690553" y="4232298"/>
-              <a:ext cx="476190" cy="476190"/>
-            </a:xfrm>
-            <a:prstGeom prst="rect">
-              <a:avLst/>
-            </a:prstGeom>
-          </p:spPr>
-        </p:pic>
-      </p:grpSp>
-      <p:grpSp>
-        <p:nvGrpSpPr>
           <p:cNvPr id="1018" name="그룹 1018"/>
-          <p:cNvGrpSpPr/>
-          <p:nvPr/>
-        </p:nvGrpSpPr>
-        <p:grpSpPr>
-          <a:xfrm>
-            <a:off x="1922895" y="3561563"/>
-            <a:ext cx="7219962" cy="6057485"/>
-            <a:chOff x="1922895" y="3561563"/>
-            <a:chExt cx="7219962" cy="6057485"/>
-          </a:xfrm>
-        </p:grpSpPr>
-        <p:pic>
-          <p:nvPicPr>
-            <p:cNvPr id="57" name="Object 56"/>
-            <p:cNvPicPr>
-              <a:picLocks noChangeAspect="1"/>
-            </p:cNvPicPr>
-            <p:nvPr/>
-          </p:nvPicPr>
-          <p:blipFill>
-            <a:blip r:embed="rId22" cstate="print"/>
-            <a:stretch>
-              <a:fillRect/>
-            </a:stretch>
-          </p:blipFill>
-          <p:spPr>
-            <a:xfrm>
-              <a:off x="1922895" y="3561563"/>
-              <a:ext cx="7219962" cy="6057485"/>
-            </a:xfrm>
-            <a:prstGeom prst="rect">
-              <a:avLst/>
-            </a:prstGeom>
-          </p:spPr>
-        </p:pic>
-      </p:grpSp>
-      <p:grpSp>
-        <p:nvGrpSpPr>
-          <p:cNvPr id="1019" name="그룹 1019"/>
-          <p:cNvGrpSpPr/>
-          <p:nvPr/>
-        </p:nvGrpSpPr>
-        <p:grpSpPr>
-          <a:xfrm>
-            <a:off x="9616162" y="3561563"/>
-            <a:ext cx="7738241" cy="6057485"/>
-            <a:chOff x="9616162" y="3561563"/>
-            <a:chExt cx="7738241" cy="6057485"/>
-          </a:xfrm>
-        </p:grpSpPr>
-        <p:pic>
-          <p:nvPicPr>
-            <p:cNvPr id="60" name="Object 59"/>
-            <p:cNvPicPr>
-              <a:picLocks noChangeAspect="1"/>
-            </p:cNvPicPr>
-            <p:nvPr/>
-          </p:nvPicPr>
-          <p:blipFill>
-            <a:blip r:embed="rId23" cstate="print"/>
-            <a:stretch>
-              <a:fillRect/>
-            </a:stretch>
-          </p:blipFill>
-          <p:spPr>
-            <a:xfrm>
-              <a:off x="9616162" y="3561563"/>
-              <a:ext cx="7738241" cy="6057485"/>
-            </a:xfrm>
-            <a:prstGeom prst="rect">
-              <a:avLst/>
-            </a:prstGeom>
-          </p:spPr>
-        </p:pic>
-      </p:grpSp>
-      <p:grpSp>
-        <p:nvGrpSpPr>
-          <p:cNvPr id="1020" name="그룹 1020"/>
           <p:cNvGrpSpPr/>
           <p:nvPr/>
         </p:nvGrpSpPr>
@@ -15408,14 +16369,14 @@
         </p:grpSpPr>
         <p:pic>
           <p:nvPicPr>
-            <p:cNvPr id="63" name="Object 62"/>
-            <p:cNvPicPr>
-              <a:picLocks noChangeAspect="1"/>
-            </p:cNvPicPr>
-            <p:nvPr/>
-          </p:nvPicPr>
-          <p:blipFill>
-            <a:blip r:embed="rId24" cstate="print"/>
+            <p:cNvPr id="57" name="Object 56"/>
+            <p:cNvPicPr>
+              <a:picLocks noChangeAspect="1"/>
+            </p:cNvPicPr>
+            <p:nvPr/>
+          </p:nvPicPr>
+          <p:blipFill>
+            <a:blip r:embed="rId22" cstate="print"/>
             <a:stretch>
               <a:fillRect/>
             </a:stretch>
@@ -15433,7 +16394,7 @@
       </p:grpSp>
       <p:grpSp>
         <p:nvGrpSpPr>
-          <p:cNvPr id="1021" name="그룹 1021"/>
+          <p:cNvPr id="1019" name="그룹 1019"/>
           <p:cNvGrpSpPr/>
           <p:nvPr/>
         </p:nvGrpSpPr>
@@ -15447,14 +16408,14 @@
         </p:grpSpPr>
         <p:pic>
           <p:nvPicPr>
-            <p:cNvPr id="66" name="Object 65"/>
-            <p:cNvPicPr>
-              <a:picLocks noChangeAspect="1"/>
-            </p:cNvPicPr>
-            <p:nvPr/>
-          </p:nvPicPr>
-          <p:blipFill>
-            <a:blip r:embed="rId25" cstate="print"/>
+            <p:cNvPr id="60" name="Object 59"/>
+            <p:cNvPicPr>
+              <a:picLocks noChangeAspect="1"/>
+            </p:cNvPicPr>
+            <p:nvPr/>
+          </p:nvPicPr>
+          <p:blipFill>
+            <a:blip r:embed="rId23" cstate="print"/>
             <a:stretch>
               <a:fillRect/>
             </a:stretch>
@@ -15472,7 +16433,7 @@
       </p:grpSp>
       <p:grpSp>
         <p:nvGrpSpPr>
-          <p:cNvPr id="1022" name="그룹 1022"/>
+          <p:cNvPr id="1020" name="그룹 1020"/>
           <p:cNvGrpSpPr/>
           <p:nvPr/>
         </p:nvGrpSpPr>
@@ -15486,14 +16447,14 @@
         </p:grpSpPr>
         <p:pic>
           <p:nvPicPr>
-            <p:cNvPr id="69" name="Object 68"/>
-            <p:cNvPicPr>
-              <a:picLocks noChangeAspect="1"/>
-            </p:cNvPicPr>
-            <p:nvPr/>
-          </p:nvPicPr>
-          <p:blipFill>
-            <a:blip r:embed="rId26" cstate="print"/>
+            <p:cNvPr id="63" name="Object 62"/>
+            <p:cNvPicPr>
+              <a:picLocks noChangeAspect="1"/>
+            </p:cNvPicPr>
+            <p:nvPr/>
+          </p:nvPicPr>
+          <p:blipFill>
+            <a:blip r:embed="rId24" cstate="print"/>
             <a:stretch>
               <a:fillRect/>
             </a:stretch>
@@ -15511,7 +16472,55 @@
       </p:grpSp>
       <p:pic>
         <p:nvPicPr>
-          <p:cNvPr id="71" name="Object 70"/>
+          <p:cNvPr id="65" name="Object 64"/>
+          <p:cNvPicPr>
+            <a:picLocks noChangeAspect="1"/>
+          </p:cNvPicPr>
+          <p:nvPr/>
+        </p:nvPicPr>
+        <p:blipFill>
+          <a:blip r:embed="rId25" cstate="print"/>
+          <a:stretch>
+            <a:fillRect/>
+          </a:stretch>
+        </p:blipFill>
+        <p:spPr>
+          <a:xfrm>
+            <a:off x="486855" y="511125"/>
+            <a:ext cx="1089212" cy="1152888"/>
+          </a:xfrm>
+          <a:prstGeom prst="rect">
+            <a:avLst/>
+          </a:prstGeom>
+        </p:spPr>
+      </p:pic>
+      <p:pic>
+        <p:nvPicPr>
+          <p:cNvPr id="66" name="Object 65"/>
+          <p:cNvPicPr>
+            <a:picLocks noChangeAspect="1"/>
+          </p:cNvPicPr>
+          <p:nvPr/>
+        </p:nvPicPr>
+        <p:blipFill>
+          <a:blip r:embed="rId26" cstate="print"/>
+          <a:stretch>
+            <a:fillRect/>
+          </a:stretch>
+        </p:blipFill>
+        <p:spPr>
+          <a:xfrm>
+            <a:off x="1741947" y="429199"/>
+            <a:ext cx="3282946" cy="1520431"/>
+          </a:xfrm>
+          <a:prstGeom prst="rect">
+            <a:avLst/>
+          </a:prstGeom>
+        </p:spPr>
+      </p:pic>
+      <p:pic>
+        <p:nvPicPr>
+          <p:cNvPr id="67" name="Object 66"/>
           <p:cNvPicPr>
             <a:picLocks noChangeAspect="1"/>
           </p:cNvPicPr>
@@ -15525,205 +16534,46 @@
         </p:blipFill>
         <p:spPr>
           <a:xfrm>
-            <a:off x="1751471" y="486342"/>
-            <a:ext cx="4852089" cy="1494660"/>
+            <a:off x="7639125" y="786856"/>
+            <a:ext cx="13607109" cy="423357"/>
           </a:xfrm>
           <a:prstGeom prst="rect">
             <a:avLst/>
           </a:prstGeom>
         </p:spPr>
       </p:pic>
-      <p:pic>
-        <p:nvPicPr>
-          <p:cNvPr id="72" name="Object 71"/>
-          <p:cNvPicPr>
-            <a:picLocks noChangeAspect="1"/>
-          </p:cNvPicPr>
-          <p:nvPr/>
-        </p:nvPicPr>
-        <p:blipFill>
-          <a:blip r:embed="rId28" cstate="print"/>
-          <a:stretch>
-            <a:fillRect/>
-          </a:stretch>
-        </p:blipFill>
-        <p:spPr>
-          <a:xfrm>
-            <a:off x="1839088" y="1321888"/>
-            <a:ext cx="3055039" cy="722839"/>
-          </a:xfrm>
-          <a:prstGeom prst="rect">
-            <a:avLst/>
-          </a:prstGeom>
-        </p:spPr>
-      </p:pic>
-      <p:pic>
-        <p:nvPicPr>
-          <p:cNvPr id="73" name="Object 72"/>
-          <p:cNvPicPr>
-            <a:picLocks noChangeAspect="1"/>
-          </p:cNvPicPr>
-          <p:nvPr/>
-        </p:nvPicPr>
-        <p:blipFill>
-          <a:blip r:embed="rId29" cstate="print"/>
-          <a:stretch>
-            <a:fillRect/>
-          </a:stretch>
-        </p:blipFill>
-        <p:spPr>
-          <a:xfrm>
-            <a:off x="406028" y="511125"/>
-            <a:ext cx="1190040" cy="1152888"/>
-          </a:xfrm>
-          <a:prstGeom prst="rect">
-            <a:avLst/>
-          </a:prstGeom>
-        </p:spPr>
-      </p:pic>
-      <p:pic>
-        <p:nvPicPr>
-          <p:cNvPr id="74" name="Object 73"/>
-          <p:cNvPicPr>
-            <a:picLocks noChangeAspect="1"/>
-          </p:cNvPicPr>
-          <p:nvPr/>
-        </p:nvPicPr>
-        <p:blipFill>
-          <a:blip r:embed="rId30" cstate="print"/>
-          <a:stretch>
-            <a:fillRect/>
-          </a:stretch>
-        </p:blipFill>
-        <p:spPr>
-          <a:xfrm>
-            <a:off x="2969166" y="2536194"/>
-            <a:ext cx="4481928" cy="1342290"/>
-          </a:xfrm>
-          <a:prstGeom prst="rect">
-            <a:avLst/>
-          </a:prstGeom>
-        </p:spPr>
-      </p:pic>
-      <p:pic>
-        <p:nvPicPr>
-          <p:cNvPr id="75" name="Object 74"/>
-          <p:cNvPicPr>
-            <a:picLocks noChangeAspect="1"/>
-          </p:cNvPicPr>
-          <p:nvPr/>
-        </p:nvPicPr>
-        <p:blipFill>
-          <a:blip r:embed="rId31" cstate="print"/>
-          <a:stretch>
-            <a:fillRect/>
-          </a:stretch>
-        </p:blipFill>
-        <p:spPr>
-          <a:xfrm>
-            <a:off x="10980842" y="2436375"/>
-            <a:ext cx="4464280" cy="1342290"/>
-          </a:xfrm>
-          <a:prstGeom prst="rect">
-            <a:avLst/>
-          </a:prstGeom>
-        </p:spPr>
-      </p:pic>
-      <p:pic>
-        <p:nvPicPr>
-          <p:cNvPr id="76" name="Object 75"/>
-          <p:cNvPicPr>
-            <a:picLocks noChangeAspect="1"/>
-          </p:cNvPicPr>
-          <p:nvPr/>
-        </p:nvPicPr>
-        <p:blipFill>
-          <a:blip r:embed="rId32" cstate="print"/>
-          <a:stretch>
-            <a:fillRect/>
-          </a:stretch>
-        </p:blipFill>
-        <p:spPr>
-          <a:xfrm>
-            <a:off x="7639125" y="786856"/>
-            <a:ext cx="13607109" cy="423357"/>
-          </a:xfrm>
-          <a:prstGeom prst="rect">
-            <a:avLst/>
-          </a:prstGeom>
-        </p:spPr>
-      </p:pic>
-      <p:grpSp>
-        <p:nvGrpSpPr>
-          <p:cNvPr id="1023" name="그룹 1023"/>
-          <p:cNvGrpSpPr/>
-          <p:nvPr/>
-        </p:nvGrpSpPr>
-        <p:grpSpPr>
-          <a:xfrm>
-            <a:off x="2226635" y="3833046"/>
-            <a:ext cx="6171429" cy="5001381"/>
-            <a:chOff x="2226635" y="3833046"/>
-            <a:chExt cx="6171429" cy="5001381"/>
-          </a:xfrm>
-        </p:grpSpPr>
-        <p:pic>
-          <p:nvPicPr>
-            <p:cNvPr id="78" name="Object 77"/>
-            <p:cNvPicPr>
-              <a:picLocks noChangeAspect="1"/>
-            </p:cNvPicPr>
-            <p:nvPr/>
-          </p:nvPicPr>
-          <p:blipFill>
-            <a:blip r:embed="rId33" cstate="print"/>
-            <a:stretch>
-              <a:fillRect/>
-            </a:stretch>
-          </p:blipFill>
-          <p:spPr>
-            <a:xfrm>
-              <a:off x="2226635" y="3833046"/>
-              <a:ext cx="6171429" cy="5001381"/>
-            </a:xfrm>
-            <a:prstGeom prst="rect">
-              <a:avLst/>
-            </a:prstGeom>
-          </p:spPr>
-        </p:pic>
-      </p:grpSp>
-      <p:grpSp>
-        <p:nvGrpSpPr>
-          <p:cNvPr id="1024" name="그룹 1024"/>
-          <p:cNvGrpSpPr/>
-          <p:nvPr/>
-        </p:nvGrpSpPr>
-        <p:grpSpPr>
-          <a:xfrm>
-            <a:off x="10399569" y="3931543"/>
-            <a:ext cx="6171429" cy="5146570"/>
-            <a:chOff x="10399569" y="3931543"/>
-            <a:chExt cx="6171429" cy="5146570"/>
-          </a:xfrm>
-        </p:grpSpPr>
-        <p:pic>
-          <p:nvPicPr>
-            <p:cNvPr id="81" name="Object 80"/>
-            <p:cNvPicPr>
-              <a:picLocks noChangeAspect="1"/>
-            </p:cNvPicPr>
-            <p:nvPr/>
-          </p:nvPicPr>
-          <p:blipFill>
-            <a:blip r:embed="rId34" cstate="print"/>
-            <a:stretch>
-              <a:fillRect/>
-            </a:stretch>
-          </p:blipFill>
-          <p:spPr>
-            <a:xfrm>
-              <a:off x="10399569" y="3931543"/>
-              <a:ext cx="6171429" cy="5146570"/>
+      <p:grpSp>
+        <p:nvGrpSpPr>
+          <p:cNvPr id="1021" name="그룹 1021"/>
+          <p:cNvGrpSpPr/>
+          <p:nvPr/>
+        </p:nvGrpSpPr>
+        <p:grpSpPr>
+          <a:xfrm>
+            <a:off x="2839487" y="1899689"/>
+            <a:ext cx="13557343" cy="7233864"/>
+            <a:chOff x="2839487" y="1899689"/>
+            <a:chExt cx="13557343" cy="7233864"/>
+          </a:xfrm>
+        </p:grpSpPr>
+        <p:pic>
+          <p:nvPicPr>
+            <p:cNvPr id="69" name="Object 68"/>
+            <p:cNvPicPr>
+              <a:picLocks noChangeAspect="1"/>
+            </p:cNvPicPr>
+            <p:nvPr/>
+          </p:nvPicPr>
+          <p:blipFill>
+            <a:blip r:embed="rId28" cstate="print"/>
+            <a:stretch>
+              <a:fillRect/>
+            </a:stretch>
+          </p:blipFill>
+          <p:spPr>
+            <a:xfrm>
+              <a:off x="2839487" y="1899689"/>
+              <a:ext cx="13557343" cy="7233864"/>
             </a:xfrm>
             <a:prstGeom prst="rect">
               <a:avLst/>
